--- a/dba-sure-but-youre-also-a-develoer/dba-sure-but-youre-also-a-develoer.pptx
+++ b/dba-sure-but-youre-also-a-develoer/dba-sure-but-youre-also-a-develoer.pptx
@@ -3,14 +3,14 @@
 <p:presentation xmlns:a="http://schemas.openxmlformats.org/drawingml/2006/main" xmlns:r="http://schemas.openxmlformats.org/officeDocument/2006/relationships" xmlns:p="http://schemas.openxmlformats.org/presentationml/2006/main" saveSubsetFonts="1" autoCompressPictures="0">
   <p:sldMasterIdLst>
     <p:sldMasterId id="2147483648" r:id="rId4"/>
-    <p:sldMasterId id="2147483668" r:id="rId5"/>
   </p:sldMasterIdLst>
   <p:notesMasterIdLst>
     <p:notesMasterId r:id="rId32"/>
   </p:notesMasterIdLst>
   <p:sldIdLst>
-    <p:sldId id="260" r:id="rId6"/>
-    <p:sldId id="256" r:id="rId7"/>
+    <p:sldId id="260" r:id="rId5"/>
+    <p:sldId id="312" r:id="rId6"/>
+    <p:sldId id="313" r:id="rId7"/>
     <p:sldId id="284" r:id="rId8"/>
     <p:sldId id="291" r:id="rId9"/>
     <p:sldId id="292" r:id="rId10"/>
@@ -226,7 +226,7 @@
           <a:p>
             <a:fld id="{896D3B2D-3924-0B48-B558-93C031AA9A06}" type="datetimeFigureOut">
               <a:rPr lang="en-US" smtClean="0"/>
-              <a:t>9/2/2023</a:t>
+              <a:t>10/6/2023</a:t>
             </a:fld>
             <a:endParaRPr lang="en-US"/>
           </a:p>
@@ -537,7 +537,7 @@
           <a:bodyPr/>
           <a:lstStyle/>
           <a:p>
-            <a:endParaRPr lang="en-NO" dirty="0"/>
+            <a:endParaRPr lang="LID4096" dirty="0"/>
           </a:p>
         </p:txBody>
       </p:sp>
@@ -556,153 +556,9 @@
           <a:bodyPr/>
           <a:lstStyle/>
           <a:p>
-            <a:pPr marL="0" marR="0" lvl="0" indent="0" algn="r" defTabSz="914400" rtl="0" eaLnBrk="1" fontAlgn="auto" latinLnBrk="0" hangingPunct="1">
-              <a:lnSpc>
-                <a:spcPct val="100000"/>
-              </a:lnSpc>
-              <a:spcBef>
-                <a:spcPts val="0"/>
-              </a:spcBef>
-              <a:spcAft>
-                <a:spcPts val="0"/>
-              </a:spcAft>
-              <a:buClrTx/>
-              <a:buSzTx/>
-              <a:buFontTx/>
-              <a:buNone/>
-              <a:tabLst/>
-              <a:defRPr/>
-            </a:pPr>
-            <a:fld id="{36F2ADC0-909F-0543-A922-13880F1A3B43}" type="slidenum">
-              <a:rPr kumimoji="0" lang="en-NO" sz="1200" b="0" i="0" u="none" strike="noStrike" kern="1200" cap="none" spc="0" normalizeH="0" baseline="0" noProof="0" smtClean="0">
-                <a:ln>
-                  <a:noFill/>
-                </a:ln>
-                <a:solidFill>
-                  <a:prstClr val="black"/>
-                </a:solidFill>
-                <a:effectLst/>
-                <a:uLnTx/>
-                <a:uFillTx/>
-                <a:latin typeface="Calibri" panose="020F0502020204030204"/>
-                <a:ea typeface="+mn-ea"/>
-                <a:cs typeface="+mn-cs"/>
-              </a:rPr>
-              <a:pPr marL="0" marR="0" lvl="0" indent="0" algn="r" defTabSz="914400" rtl="0" eaLnBrk="1" fontAlgn="auto" latinLnBrk="0" hangingPunct="1">
-                <a:lnSpc>
-                  <a:spcPct val="100000"/>
-                </a:lnSpc>
-                <a:spcBef>
-                  <a:spcPts val="0"/>
-                </a:spcBef>
-                <a:spcAft>
-                  <a:spcPts val="0"/>
-                </a:spcAft>
-                <a:buClrTx/>
-                <a:buSzTx/>
-                <a:buFontTx/>
-                <a:buNone/>
-                <a:tabLst/>
-                <a:defRPr/>
-              </a:pPr>
-              <a:t>2</a:t>
-            </a:fld>
-            <a:endParaRPr kumimoji="0" lang="en-NO" sz="1200" b="0" i="0" u="none" strike="noStrike" kern="1200" cap="none" spc="0" normalizeH="0" baseline="0" noProof="0">
-              <a:ln>
-                <a:noFill/>
-              </a:ln>
-              <a:solidFill>
-                <a:prstClr val="black"/>
-              </a:solidFill>
-              <a:effectLst/>
-              <a:uLnTx/>
-              <a:uFillTx/>
-              <a:latin typeface="Calibri" panose="020F0502020204030204"/>
-              <a:ea typeface="+mn-ea"/>
-              <a:cs typeface="+mn-cs"/>
-            </a:endParaRPr>
-          </a:p>
-        </p:txBody>
-      </p:sp>
-    </p:spTree>
-    <p:extLst>
-      <p:ext uri="{BB962C8B-B14F-4D97-AF65-F5344CB8AC3E}">
-        <p14:creationId xmlns:p14="http://schemas.microsoft.com/office/powerpoint/2010/main" val="2954695300"/>
-      </p:ext>
-    </p:extLst>
-  </p:cSld>
-  <p:clrMapOvr>
-    <a:masterClrMapping/>
-  </p:clrMapOvr>
-</p:notes>
-</file>
-
-<file path=ppt/notesSlides/notesSlide2.xml><?xml version="1.0" encoding="utf-8"?>
-<p:notes xmlns:a="http://schemas.openxmlformats.org/drawingml/2006/main" xmlns:r="http://schemas.openxmlformats.org/officeDocument/2006/relationships" xmlns:p="http://schemas.openxmlformats.org/presentationml/2006/main">
-  <p:cSld>
-    <p:spTree>
-      <p:nvGrpSpPr>
-        <p:cNvPr id="1" name=""/>
-        <p:cNvGrpSpPr/>
-        <p:nvPr/>
-      </p:nvGrpSpPr>
-      <p:grpSpPr>
-        <a:xfrm>
-          <a:off x="0" y="0"/>
-          <a:ext cx="0" cy="0"/>
-          <a:chOff x="0" y="0"/>
-          <a:chExt cx="0" cy="0"/>
-        </a:xfrm>
-      </p:grpSpPr>
-      <p:sp>
-        <p:nvSpPr>
-          <p:cNvPr id="2" name="Slide Image Placeholder 1"/>
-          <p:cNvSpPr>
-            <a:spLocks noGrp="1" noRot="1" noChangeAspect="1"/>
-          </p:cNvSpPr>
-          <p:nvPr>
-            <p:ph type="sldImg"/>
-          </p:nvPr>
-        </p:nvSpPr>
-        <p:spPr/>
-      </p:sp>
-      <p:sp>
-        <p:nvSpPr>
-          <p:cNvPr id="3" name="Notes Placeholder 2"/>
-          <p:cNvSpPr>
-            <a:spLocks noGrp="1"/>
-          </p:cNvSpPr>
-          <p:nvPr>
-            <p:ph type="body" idx="1"/>
-          </p:nvPr>
-        </p:nvSpPr>
-        <p:spPr/>
-        <p:txBody>
-          <a:bodyPr/>
-          <a:lstStyle/>
-          <a:p>
-            <a:endParaRPr lang="LID4096" dirty="0"/>
-          </a:p>
-        </p:txBody>
-      </p:sp>
-      <p:sp>
-        <p:nvSpPr>
-          <p:cNvPr id="4" name="Slide Number Placeholder 3"/>
-          <p:cNvSpPr>
-            <a:spLocks noGrp="1"/>
-          </p:cNvSpPr>
-          <p:nvPr>
-            <p:ph type="sldNum" sz="quarter" idx="5"/>
-          </p:nvPr>
-        </p:nvSpPr>
-        <p:spPr/>
-        <p:txBody>
-          <a:bodyPr/>
-          <a:lstStyle/>
-          <a:p>
             <a:fld id="{C872716D-3A19-4347-B553-E4062DD467E2}" type="slidenum">
               <a:rPr lang="en-US" smtClean="0"/>
-              <a:t>14</a:t>
+              <a:t>15</a:t>
             </a:fld>
             <a:endParaRPr lang="en-US"/>
           </a:p>
@@ -914,7 +770,7 @@
             <a:fld id="{B61BEF0D-F0BB-DE4B-95CE-6DB70DBA9567}" type="datetimeFigureOut">
               <a:rPr lang="en-US"/>
               <a:pPr/>
-              <a:t>9/2/2023</a:t>
+              <a:t>10/6/2023</a:t>
             </a:fld>
             <a:endParaRPr lang="en-US"/>
           </a:p>
@@ -1198,7 +1054,7 @@
             <a:fld id="{B61BEF0D-F0BB-DE4B-95CE-6DB70DBA9567}" type="datetimeFigureOut">
               <a:rPr lang="en-US"/>
               <a:pPr/>
-              <a:t>9/2/2023</a:t>
+              <a:t>10/6/2023</a:t>
             </a:fld>
             <a:endParaRPr lang="en-US"/>
           </a:p>
@@ -1509,7 +1365,7 @@
             <a:fld id="{B61BEF0D-F0BB-DE4B-95CE-6DB70DBA9567}" type="datetimeFigureOut">
               <a:rPr lang="en-US"/>
               <a:pPr/>
-              <a:t>9/2/2023</a:t>
+              <a:t>10/6/2023</a:t>
             </a:fld>
             <a:endParaRPr lang="en-US"/>
           </a:p>
@@ -1847,7 +1703,7 @@
             <a:fld id="{B61BEF0D-F0BB-DE4B-95CE-6DB70DBA9567}" type="datetimeFigureOut">
               <a:rPr lang="en-US"/>
               <a:pPr/>
-              <a:t>9/2/2023</a:t>
+              <a:t>10/6/2023</a:t>
             </a:fld>
             <a:endParaRPr lang="en-US"/>
           </a:p>
@@ -2158,7 +2014,7 @@
             <a:fld id="{B61BEF0D-F0BB-DE4B-95CE-6DB70DBA9567}" type="datetimeFigureOut">
               <a:rPr lang="en-US"/>
               <a:pPr/>
-              <a:t>9/2/2023</a:t>
+              <a:t>10/6/2023</a:t>
             </a:fld>
             <a:endParaRPr lang="en-US"/>
           </a:p>
@@ -2548,7 +2404,7 @@
             <a:fld id="{B61BEF0D-F0BB-DE4B-95CE-6DB70DBA9567}" type="datetimeFigureOut">
               <a:rPr lang="en-US"/>
               <a:pPr/>
-              <a:t>9/2/2023</a:t>
+              <a:t>10/6/2023</a:t>
             </a:fld>
             <a:endParaRPr lang="en-US"/>
           </a:p>
@@ -2714,7 +2570,7 @@
           <a:p>
             <a:fld id="{55C6B4A9-1611-4792-9094-5F34BCA07E0B}" type="datetimeFigureOut">
               <a:rPr lang="en-US"/>
-              <a:t>9/2/2023</a:t>
+              <a:t>10/6/2023</a:t>
             </a:fld>
             <a:endParaRPr lang="en-US"/>
           </a:p>
@@ -2890,7 +2746,7 @@
             <a:fld id="{B61BEF0D-F0BB-DE4B-95CE-6DB70DBA9567}" type="datetimeFigureOut">
               <a:rPr lang="en-US"/>
               <a:pPr/>
-              <a:t>9/2/2023</a:t>
+              <a:t>10/6/2023</a:t>
             </a:fld>
             <a:endParaRPr lang="en-US"/>
           </a:p>
@@ -2940,704 +2796,6 @@
         </p:txBody>
       </p:sp>
     </p:spTree>
-  </p:cSld>
-  <p:clrMapOvr>
-    <a:masterClrMapping/>
-  </p:clrMapOvr>
-</p:sldLayout>
-</file>
-
-<file path=ppt/slideLayouts/slideLayout17.xml><?xml version="1.0" encoding="utf-8"?>
-<p:sldLayout xmlns:a="http://schemas.openxmlformats.org/drawingml/2006/main" xmlns:r="http://schemas.openxmlformats.org/officeDocument/2006/relationships" xmlns:p="http://schemas.openxmlformats.org/presentationml/2006/main" type="title" preserve="1">
-  <p:cSld name="Title Slide">
-    <p:spTree>
-      <p:nvGrpSpPr>
-        <p:cNvPr id="1" name=""/>
-        <p:cNvGrpSpPr/>
-        <p:nvPr/>
-      </p:nvGrpSpPr>
-      <p:grpSpPr>
-        <a:xfrm>
-          <a:off x="0" y="0"/>
-          <a:ext cx="0" cy="0"/>
-          <a:chOff x="0" y="0"/>
-          <a:chExt cx="0" cy="0"/>
-        </a:xfrm>
-      </p:grpSpPr>
-      <p:sp>
-        <p:nvSpPr>
-          <p:cNvPr id="2" name="Title 1">
-            <a:extLst>
-              <a:ext uri="{FF2B5EF4-FFF2-40B4-BE49-F238E27FC236}">
-                <a16:creationId xmlns:a16="http://schemas.microsoft.com/office/drawing/2014/main" id="{72267486-45A9-B79B-F1B7-853953B6BD36}"/>
-              </a:ext>
-            </a:extLst>
-          </p:cNvPr>
-          <p:cNvSpPr>
-            <a:spLocks noGrp="1"/>
-          </p:cNvSpPr>
-          <p:nvPr>
-            <p:ph type="ctrTitle"/>
-          </p:nvPr>
-        </p:nvSpPr>
-        <p:spPr>
-          <a:xfrm>
-            <a:off x="1524000" y="1122363"/>
-            <a:ext cx="9144000" cy="2387600"/>
-          </a:xfrm>
-        </p:spPr>
-        <p:txBody>
-          <a:bodyPr anchor="b"/>
-          <a:lstStyle>
-            <a:lvl1pPr algn="ctr">
-              <a:defRPr sz="6000"/>
-            </a:lvl1pPr>
-          </a:lstStyle>
-          <a:p>
-            <a:r>
-              <a:rPr lang="en-GB"/>
-              <a:t>Click to edit Master title style</a:t>
-            </a:r>
-            <a:endParaRPr lang="en-NO"/>
-          </a:p>
-        </p:txBody>
-      </p:sp>
-      <p:sp>
-        <p:nvSpPr>
-          <p:cNvPr id="3" name="Subtitle 2">
-            <a:extLst>
-              <a:ext uri="{FF2B5EF4-FFF2-40B4-BE49-F238E27FC236}">
-                <a16:creationId xmlns:a16="http://schemas.microsoft.com/office/drawing/2014/main" id="{3739D6A9-55A2-5AEF-5E80-8A8BC740B04B}"/>
-              </a:ext>
-            </a:extLst>
-          </p:cNvPr>
-          <p:cNvSpPr>
-            <a:spLocks noGrp="1"/>
-          </p:cNvSpPr>
-          <p:nvPr>
-            <p:ph type="subTitle" idx="1"/>
-          </p:nvPr>
-        </p:nvSpPr>
-        <p:spPr>
-          <a:xfrm>
-            <a:off x="1524000" y="3602038"/>
-            <a:ext cx="9144000" cy="1655762"/>
-          </a:xfrm>
-        </p:spPr>
-        <p:txBody>
-          <a:bodyPr/>
-          <a:lstStyle>
-            <a:lvl1pPr marL="0" indent="0" algn="ctr">
-              <a:buNone/>
-              <a:defRPr sz="2400"/>
-            </a:lvl1pPr>
-            <a:lvl2pPr marL="457200" indent="0" algn="ctr">
-              <a:buNone/>
-              <a:defRPr sz="2000"/>
-            </a:lvl2pPr>
-            <a:lvl3pPr marL="914400" indent="0" algn="ctr">
-              <a:buNone/>
-              <a:defRPr sz="1800"/>
-            </a:lvl3pPr>
-            <a:lvl4pPr marL="1371600" indent="0" algn="ctr">
-              <a:buNone/>
-              <a:defRPr sz="1600"/>
-            </a:lvl4pPr>
-            <a:lvl5pPr marL="1828800" indent="0" algn="ctr">
-              <a:buNone/>
-              <a:defRPr sz="1600"/>
-            </a:lvl5pPr>
-            <a:lvl6pPr marL="2286000" indent="0" algn="ctr">
-              <a:buNone/>
-              <a:defRPr sz="1600"/>
-            </a:lvl6pPr>
-            <a:lvl7pPr marL="2743200" indent="0" algn="ctr">
-              <a:buNone/>
-              <a:defRPr sz="1600"/>
-            </a:lvl7pPr>
-            <a:lvl8pPr marL="3200400" indent="0" algn="ctr">
-              <a:buNone/>
-              <a:defRPr sz="1600"/>
-            </a:lvl8pPr>
-            <a:lvl9pPr marL="3657600" indent="0" algn="ctr">
-              <a:buNone/>
-              <a:defRPr sz="1600"/>
-            </a:lvl9pPr>
-          </a:lstStyle>
-          <a:p>
-            <a:r>
-              <a:rPr lang="en-GB"/>
-              <a:t>Click to edit Master subtitle style</a:t>
-            </a:r>
-            <a:endParaRPr lang="en-NO"/>
-          </a:p>
-        </p:txBody>
-      </p:sp>
-      <p:sp>
-        <p:nvSpPr>
-          <p:cNvPr id="4" name="Date Placeholder 3">
-            <a:extLst>
-              <a:ext uri="{FF2B5EF4-FFF2-40B4-BE49-F238E27FC236}">
-                <a16:creationId xmlns:a16="http://schemas.microsoft.com/office/drawing/2014/main" id="{F5E1C332-43B1-784F-86CE-FABB95A3F14C}"/>
-              </a:ext>
-            </a:extLst>
-          </p:cNvPr>
-          <p:cNvSpPr>
-            <a:spLocks noGrp="1"/>
-          </p:cNvSpPr>
-          <p:nvPr>
-            <p:ph type="dt" sz="half" idx="10"/>
-          </p:nvPr>
-        </p:nvSpPr>
-        <p:spPr/>
-        <p:txBody>
-          <a:bodyPr/>
-          <a:lstStyle/>
-          <a:p>
-            <a:fld id="{DD6EBC61-6493-6943-BFC0-FEDAB404CC17}" type="datetimeFigureOut">
-              <a:rPr lang="en-NO" smtClean="0"/>
-              <a:t>09/02/2023</a:t>
-            </a:fld>
-            <a:endParaRPr lang="en-NO"/>
-          </a:p>
-        </p:txBody>
-      </p:sp>
-      <p:sp>
-        <p:nvSpPr>
-          <p:cNvPr id="5" name="Footer Placeholder 4">
-            <a:extLst>
-              <a:ext uri="{FF2B5EF4-FFF2-40B4-BE49-F238E27FC236}">
-                <a16:creationId xmlns:a16="http://schemas.microsoft.com/office/drawing/2014/main" id="{8015C634-8243-5D4E-0C27-008C83CB4198}"/>
-              </a:ext>
-            </a:extLst>
-          </p:cNvPr>
-          <p:cNvSpPr>
-            <a:spLocks noGrp="1"/>
-          </p:cNvSpPr>
-          <p:nvPr>
-            <p:ph type="ftr" sz="quarter" idx="11"/>
-          </p:nvPr>
-        </p:nvSpPr>
-        <p:spPr/>
-        <p:txBody>
-          <a:bodyPr/>
-          <a:lstStyle/>
-          <a:p>
-            <a:endParaRPr lang="en-NO"/>
-          </a:p>
-        </p:txBody>
-      </p:sp>
-      <p:sp>
-        <p:nvSpPr>
-          <p:cNvPr id="6" name="Slide Number Placeholder 5">
-            <a:extLst>
-              <a:ext uri="{FF2B5EF4-FFF2-40B4-BE49-F238E27FC236}">
-                <a16:creationId xmlns:a16="http://schemas.microsoft.com/office/drawing/2014/main" id="{DB174C78-BB59-C152-C15F-C91CD1592EBF}"/>
-              </a:ext>
-            </a:extLst>
-          </p:cNvPr>
-          <p:cNvSpPr>
-            <a:spLocks noGrp="1"/>
-          </p:cNvSpPr>
-          <p:nvPr>
-            <p:ph type="sldNum" sz="quarter" idx="12"/>
-          </p:nvPr>
-        </p:nvSpPr>
-        <p:spPr/>
-        <p:txBody>
-          <a:bodyPr/>
-          <a:lstStyle/>
-          <a:p>
-            <a:fld id="{538158FF-A7DF-BF42-A1A6-DB8EC7A9882E}" type="slidenum">
-              <a:rPr lang="en-NO" smtClean="0"/>
-              <a:t>‹#›</a:t>
-            </a:fld>
-            <a:endParaRPr lang="en-NO"/>
-          </a:p>
-        </p:txBody>
-      </p:sp>
-    </p:spTree>
-    <p:extLst>
-      <p:ext uri="{BB962C8B-B14F-4D97-AF65-F5344CB8AC3E}">
-        <p14:creationId xmlns:p14="http://schemas.microsoft.com/office/powerpoint/2010/main" val="965641967"/>
-      </p:ext>
-    </p:extLst>
-  </p:cSld>
-  <p:clrMapOvr>
-    <a:masterClrMapping/>
-  </p:clrMapOvr>
-</p:sldLayout>
-</file>
-
-<file path=ppt/slideLayouts/slideLayout18.xml><?xml version="1.0" encoding="utf-8"?>
-<p:sldLayout xmlns:a="http://schemas.openxmlformats.org/drawingml/2006/main" xmlns:r="http://schemas.openxmlformats.org/officeDocument/2006/relationships" xmlns:p="http://schemas.openxmlformats.org/presentationml/2006/main" type="obj" preserve="1">
-  <p:cSld name="Title and Content">
-    <p:spTree>
-      <p:nvGrpSpPr>
-        <p:cNvPr id="1" name=""/>
-        <p:cNvGrpSpPr/>
-        <p:nvPr/>
-      </p:nvGrpSpPr>
-      <p:grpSpPr>
-        <a:xfrm>
-          <a:off x="0" y="0"/>
-          <a:ext cx="0" cy="0"/>
-          <a:chOff x="0" y="0"/>
-          <a:chExt cx="0" cy="0"/>
-        </a:xfrm>
-      </p:grpSpPr>
-      <p:sp>
-        <p:nvSpPr>
-          <p:cNvPr id="2" name="Title 1">
-            <a:extLst>
-              <a:ext uri="{FF2B5EF4-FFF2-40B4-BE49-F238E27FC236}">
-                <a16:creationId xmlns:a16="http://schemas.microsoft.com/office/drawing/2014/main" id="{4530F42F-14DF-F8FE-A721-5E3A30CF7F8F}"/>
-              </a:ext>
-            </a:extLst>
-          </p:cNvPr>
-          <p:cNvSpPr>
-            <a:spLocks noGrp="1"/>
-          </p:cNvSpPr>
-          <p:nvPr>
-            <p:ph type="title"/>
-          </p:nvPr>
-        </p:nvSpPr>
-        <p:spPr/>
-        <p:txBody>
-          <a:bodyPr/>
-          <a:lstStyle/>
-          <a:p>
-            <a:r>
-              <a:rPr lang="en-GB"/>
-              <a:t>Click to edit Master title style</a:t>
-            </a:r>
-            <a:endParaRPr lang="en-NO"/>
-          </a:p>
-        </p:txBody>
-      </p:sp>
-      <p:sp>
-        <p:nvSpPr>
-          <p:cNvPr id="3" name="Content Placeholder 2">
-            <a:extLst>
-              <a:ext uri="{FF2B5EF4-FFF2-40B4-BE49-F238E27FC236}">
-                <a16:creationId xmlns:a16="http://schemas.microsoft.com/office/drawing/2014/main" id="{41A785CA-D898-055F-F655-A1A2199B4CFE}"/>
-              </a:ext>
-            </a:extLst>
-          </p:cNvPr>
-          <p:cNvSpPr>
-            <a:spLocks noGrp="1"/>
-          </p:cNvSpPr>
-          <p:nvPr>
-            <p:ph idx="1"/>
-          </p:nvPr>
-        </p:nvSpPr>
-        <p:spPr/>
-        <p:txBody>
-          <a:bodyPr/>
-          <a:lstStyle/>
-          <a:p>
-            <a:pPr lvl="0"/>
-            <a:r>
-              <a:rPr lang="en-GB"/>
-              <a:t>Click to edit Master text styles</a:t>
-            </a:r>
-          </a:p>
-          <a:p>
-            <a:pPr lvl="1"/>
-            <a:r>
-              <a:rPr lang="en-GB"/>
-              <a:t>Second level</a:t>
-            </a:r>
-          </a:p>
-          <a:p>
-            <a:pPr lvl="2"/>
-            <a:r>
-              <a:rPr lang="en-GB"/>
-              <a:t>Third level</a:t>
-            </a:r>
-          </a:p>
-          <a:p>
-            <a:pPr lvl="3"/>
-            <a:r>
-              <a:rPr lang="en-GB"/>
-              <a:t>Fourth level</a:t>
-            </a:r>
-          </a:p>
-          <a:p>
-            <a:pPr lvl="4"/>
-            <a:r>
-              <a:rPr lang="en-GB"/>
-              <a:t>Fifth level</a:t>
-            </a:r>
-            <a:endParaRPr lang="en-NO"/>
-          </a:p>
-        </p:txBody>
-      </p:sp>
-      <p:sp>
-        <p:nvSpPr>
-          <p:cNvPr id="4" name="Date Placeholder 3">
-            <a:extLst>
-              <a:ext uri="{FF2B5EF4-FFF2-40B4-BE49-F238E27FC236}">
-                <a16:creationId xmlns:a16="http://schemas.microsoft.com/office/drawing/2014/main" id="{953491E6-29C6-FB54-8E5C-7177D2F7964B}"/>
-              </a:ext>
-            </a:extLst>
-          </p:cNvPr>
-          <p:cNvSpPr>
-            <a:spLocks noGrp="1"/>
-          </p:cNvSpPr>
-          <p:nvPr>
-            <p:ph type="dt" sz="half" idx="10"/>
-          </p:nvPr>
-        </p:nvSpPr>
-        <p:spPr/>
-        <p:txBody>
-          <a:bodyPr/>
-          <a:lstStyle/>
-          <a:p>
-            <a:fld id="{DD6EBC61-6493-6943-BFC0-FEDAB404CC17}" type="datetimeFigureOut">
-              <a:rPr lang="en-NO" smtClean="0"/>
-              <a:t>09/02/2023</a:t>
-            </a:fld>
-            <a:endParaRPr lang="en-NO"/>
-          </a:p>
-        </p:txBody>
-      </p:sp>
-      <p:sp>
-        <p:nvSpPr>
-          <p:cNvPr id="5" name="Footer Placeholder 4">
-            <a:extLst>
-              <a:ext uri="{FF2B5EF4-FFF2-40B4-BE49-F238E27FC236}">
-                <a16:creationId xmlns:a16="http://schemas.microsoft.com/office/drawing/2014/main" id="{EB0FA81E-1DF3-D085-6F88-735C98EAFA1C}"/>
-              </a:ext>
-            </a:extLst>
-          </p:cNvPr>
-          <p:cNvSpPr>
-            <a:spLocks noGrp="1"/>
-          </p:cNvSpPr>
-          <p:nvPr>
-            <p:ph type="ftr" sz="quarter" idx="11"/>
-          </p:nvPr>
-        </p:nvSpPr>
-        <p:spPr/>
-        <p:txBody>
-          <a:bodyPr/>
-          <a:lstStyle/>
-          <a:p>
-            <a:endParaRPr lang="en-NO"/>
-          </a:p>
-        </p:txBody>
-      </p:sp>
-      <p:sp>
-        <p:nvSpPr>
-          <p:cNvPr id="6" name="Slide Number Placeholder 5">
-            <a:extLst>
-              <a:ext uri="{FF2B5EF4-FFF2-40B4-BE49-F238E27FC236}">
-                <a16:creationId xmlns:a16="http://schemas.microsoft.com/office/drawing/2014/main" id="{7E17BE55-35C6-EECF-CB6D-DC522BA9DA5E}"/>
-              </a:ext>
-            </a:extLst>
-          </p:cNvPr>
-          <p:cNvSpPr>
-            <a:spLocks noGrp="1"/>
-          </p:cNvSpPr>
-          <p:nvPr>
-            <p:ph type="sldNum" sz="quarter" idx="12"/>
-          </p:nvPr>
-        </p:nvSpPr>
-        <p:spPr/>
-        <p:txBody>
-          <a:bodyPr/>
-          <a:lstStyle/>
-          <a:p>
-            <a:fld id="{538158FF-A7DF-BF42-A1A6-DB8EC7A9882E}" type="slidenum">
-              <a:rPr lang="en-NO" smtClean="0"/>
-              <a:t>‹#›</a:t>
-            </a:fld>
-            <a:endParaRPr lang="en-NO"/>
-          </a:p>
-        </p:txBody>
-      </p:sp>
-    </p:spTree>
-    <p:extLst>
-      <p:ext uri="{BB962C8B-B14F-4D97-AF65-F5344CB8AC3E}">
-        <p14:creationId xmlns:p14="http://schemas.microsoft.com/office/powerpoint/2010/main" val="2535697662"/>
-      </p:ext>
-    </p:extLst>
-  </p:cSld>
-  <p:clrMapOvr>
-    <a:masterClrMapping/>
-  </p:clrMapOvr>
-</p:sldLayout>
-</file>
-
-<file path=ppt/slideLayouts/slideLayout19.xml><?xml version="1.0" encoding="utf-8"?>
-<p:sldLayout xmlns:a="http://schemas.openxmlformats.org/drawingml/2006/main" xmlns:r="http://schemas.openxmlformats.org/officeDocument/2006/relationships" xmlns:p="http://schemas.openxmlformats.org/presentationml/2006/main" type="secHead" preserve="1">
-  <p:cSld name="Section Header">
-    <p:spTree>
-      <p:nvGrpSpPr>
-        <p:cNvPr id="1" name=""/>
-        <p:cNvGrpSpPr/>
-        <p:nvPr/>
-      </p:nvGrpSpPr>
-      <p:grpSpPr>
-        <a:xfrm>
-          <a:off x="0" y="0"/>
-          <a:ext cx="0" cy="0"/>
-          <a:chOff x="0" y="0"/>
-          <a:chExt cx="0" cy="0"/>
-        </a:xfrm>
-      </p:grpSpPr>
-      <p:sp>
-        <p:nvSpPr>
-          <p:cNvPr id="2" name="Title 1">
-            <a:extLst>
-              <a:ext uri="{FF2B5EF4-FFF2-40B4-BE49-F238E27FC236}">
-                <a16:creationId xmlns:a16="http://schemas.microsoft.com/office/drawing/2014/main" id="{47FBFA6D-111E-9570-32BF-96B824C9856B}"/>
-              </a:ext>
-            </a:extLst>
-          </p:cNvPr>
-          <p:cNvSpPr>
-            <a:spLocks noGrp="1"/>
-          </p:cNvSpPr>
-          <p:nvPr>
-            <p:ph type="title"/>
-          </p:nvPr>
-        </p:nvSpPr>
-        <p:spPr>
-          <a:xfrm>
-            <a:off x="831850" y="1709738"/>
-            <a:ext cx="10515600" cy="2852737"/>
-          </a:xfrm>
-        </p:spPr>
-        <p:txBody>
-          <a:bodyPr anchor="b"/>
-          <a:lstStyle>
-            <a:lvl1pPr>
-              <a:defRPr sz="6000"/>
-            </a:lvl1pPr>
-          </a:lstStyle>
-          <a:p>
-            <a:r>
-              <a:rPr lang="en-GB"/>
-              <a:t>Click to edit Master title style</a:t>
-            </a:r>
-            <a:endParaRPr lang="en-NO"/>
-          </a:p>
-        </p:txBody>
-      </p:sp>
-      <p:sp>
-        <p:nvSpPr>
-          <p:cNvPr id="3" name="Text Placeholder 2">
-            <a:extLst>
-              <a:ext uri="{FF2B5EF4-FFF2-40B4-BE49-F238E27FC236}">
-                <a16:creationId xmlns:a16="http://schemas.microsoft.com/office/drawing/2014/main" id="{0687E193-7CC3-3210-53A9-77375C82E086}"/>
-              </a:ext>
-            </a:extLst>
-          </p:cNvPr>
-          <p:cNvSpPr>
-            <a:spLocks noGrp="1"/>
-          </p:cNvSpPr>
-          <p:nvPr>
-            <p:ph type="body" idx="1"/>
-          </p:nvPr>
-        </p:nvSpPr>
-        <p:spPr>
-          <a:xfrm>
-            <a:off x="831850" y="4589463"/>
-            <a:ext cx="10515600" cy="1500187"/>
-          </a:xfrm>
-        </p:spPr>
-        <p:txBody>
-          <a:bodyPr/>
-          <a:lstStyle>
-            <a:lvl1pPr marL="0" indent="0">
-              <a:buNone/>
-              <a:defRPr sz="2400">
-                <a:solidFill>
-                  <a:schemeClr val="tx1">
-                    <a:tint val="75000"/>
-                  </a:schemeClr>
-                </a:solidFill>
-              </a:defRPr>
-            </a:lvl1pPr>
-            <a:lvl2pPr marL="457200" indent="0">
-              <a:buNone/>
-              <a:defRPr sz="2000">
-                <a:solidFill>
-                  <a:schemeClr val="tx1">
-                    <a:tint val="75000"/>
-                  </a:schemeClr>
-                </a:solidFill>
-              </a:defRPr>
-            </a:lvl2pPr>
-            <a:lvl3pPr marL="914400" indent="0">
-              <a:buNone/>
-              <a:defRPr sz="1800">
-                <a:solidFill>
-                  <a:schemeClr val="tx1">
-                    <a:tint val="75000"/>
-                  </a:schemeClr>
-                </a:solidFill>
-              </a:defRPr>
-            </a:lvl3pPr>
-            <a:lvl4pPr marL="1371600" indent="0">
-              <a:buNone/>
-              <a:defRPr sz="1600">
-                <a:solidFill>
-                  <a:schemeClr val="tx1">
-                    <a:tint val="75000"/>
-                  </a:schemeClr>
-                </a:solidFill>
-              </a:defRPr>
-            </a:lvl4pPr>
-            <a:lvl5pPr marL="1828800" indent="0">
-              <a:buNone/>
-              <a:defRPr sz="1600">
-                <a:solidFill>
-                  <a:schemeClr val="tx1">
-                    <a:tint val="75000"/>
-                  </a:schemeClr>
-                </a:solidFill>
-              </a:defRPr>
-            </a:lvl5pPr>
-            <a:lvl6pPr marL="2286000" indent="0">
-              <a:buNone/>
-              <a:defRPr sz="1600">
-                <a:solidFill>
-                  <a:schemeClr val="tx1">
-                    <a:tint val="75000"/>
-                  </a:schemeClr>
-                </a:solidFill>
-              </a:defRPr>
-            </a:lvl6pPr>
-            <a:lvl7pPr marL="2743200" indent="0">
-              <a:buNone/>
-              <a:defRPr sz="1600">
-                <a:solidFill>
-                  <a:schemeClr val="tx1">
-                    <a:tint val="75000"/>
-                  </a:schemeClr>
-                </a:solidFill>
-              </a:defRPr>
-            </a:lvl7pPr>
-            <a:lvl8pPr marL="3200400" indent="0">
-              <a:buNone/>
-              <a:defRPr sz="1600">
-                <a:solidFill>
-                  <a:schemeClr val="tx1">
-                    <a:tint val="75000"/>
-                  </a:schemeClr>
-                </a:solidFill>
-              </a:defRPr>
-            </a:lvl8pPr>
-            <a:lvl9pPr marL="3657600" indent="0">
-              <a:buNone/>
-              <a:defRPr sz="1600">
-                <a:solidFill>
-                  <a:schemeClr val="tx1">
-                    <a:tint val="75000"/>
-                  </a:schemeClr>
-                </a:solidFill>
-              </a:defRPr>
-            </a:lvl9pPr>
-          </a:lstStyle>
-          <a:p>
-            <a:pPr lvl="0"/>
-            <a:r>
-              <a:rPr lang="en-GB"/>
-              <a:t>Click to edit Master text styles</a:t>
-            </a:r>
-          </a:p>
-        </p:txBody>
-      </p:sp>
-      <p:sp>
-        <p:nvSpPr>
-          <p:cNvPr id="4" name="Date Placeholder 3">
-            <a:extLst>
-              <a:ext uri="{FF2B5EF4-FFF2-40B4-BE49-F238E27FC236}">
-                <a16:creationId xmlns:a16="http://schemas.microsoft.com/office/drawing/2014/main" id="{996B23E5-56BF-518B-BC01-7A58EC247117}"/>
-              </a:ext>
-            </a:extLst>
-          </p:cNvPr>
-          <p:cNvSpPr>
-            <a:spLocks noGrp="1"/>
-          </p:cNvSpPr>
-          <p:nvPr>
-            <p:ph type="dt" sz="half" idx="10"/>
-          </p:nvPr>
-        </p:nvSpPr>
-        <p:spPr/>
-        <p:txBody>
-          <a:bodyPr/>
-          <a:lstStyle/>
-          <a:p>
-            <a:fld id="{DD6EBC61-6493-6943-BFC0-FEDAB404CC17}" type="datetimeFigureOut">
-              <a:rPr lang="en-NO" smtClean="0"/>
-              <a:t>09/02/2023</a:t>
-            </a:fld>
-            <a:endParaRPr lang="en-NO"/>
-          </a:p>
-        </p:txBody>
-      </p:sp>
-      <p:sp>
-        <p:nvSpPr>
-          <p:cNvPr id="5" name="Footer Placeholder 4">
-            <a:extLst>
-              <a:ext uri="{FF2B5EF4-FFF2-40B4-BE49-F238E27FC236}">
-                <a16:creationId xmlns:a16="http://schemas.microsoft.com/office/drawing/2014/main" id="{2D3A98D9-ADE9-F622-EB7C-C34CF76C3CBE}"/>
-              </a:ext>
-            </a:extLst>
-          </p:cNvPr>
-          <p:cNvSpPr>
-            <a:spLocks noGrp="1"/>
-          </p:cNvSpPr>
-          <p:nvPr>
-            <p:ph type="ftr" sz="quarter" idx="11"/>
-          </p:nvPr>
-        </p:nvSpPr>
-        <p:spPr/>
-        <p:txBody>
-          <a:bodyPr/>
-          <a:lstStyle/>
-          <a:p>
-            <a:endParaRPr lang="en-NO"/>
-          </a:p>
-        </p:txBody>
-      </p:sp>
-      <p:sp>
-        <p:nvSpPr>
-          <p:cNvPr id="6" name="Slide Number Placeholder 5">
-            <a:extLst>
-              <a:ext uri="{FF2B5EF4-FFF2-40B4-BE49-F238E27FC236}">
-                <a16:creationId xmlns:a16="http://schemas.microsoft.com/office/drawing/2014/main" id="{71E7A8CF-028B-46F6-2ED2-3BAF03C5298F}"/>
-              </a:ext>
-            </a:extLst>
-          </p:cNvPr>
-          <p:cNvSpPr>
-            <a:spLocks noGrp="1"/>
-          </p:cNvSpPr>
-          <p:nvPr>
-            <p:ph type="sldNum" sz="quarter" idx="12"/>
-          </p:nvPr>
-        </p:nvSpPr>
-        <p:spPr/>
-        <p:txBody>
-          <a:bodyPr/>
-          <a:lstStyle/>
-          <a:p>
-            <a:fld id="{538158FF-A7DF-BF42-A1A6-DB8EC7A9882E}" type="slidenum">
-              <a:rPr lang="en-NO" smtClean="0"/>
-              <a:t>‹#›</a:t>
-            </a:fld>
-            <a:endParaRPr lang="en-NO"/>
-          </a:p>
-        </p:txBody>
-      </p:sp>
-    </p:spTree>
-    <p:extLst>
-      <p:ext uri="{BB962C8B-B14F-4D97-AF65-F5344CB8AC3E}">
-        <p14:creationId xmlns:p14="http://schemas.microsoft.com/office/powerpoint/2010/main" val="84762015"/>
-      </p:ext>
-    </p:extLst>
   </p:cSld>
   <p:clrMapOvr>
     <a:masterClrMapping/>
@@ -3761,7 +2919,7 @@
             <a:fld id="{B61BEF0D-F0BB-DE4B-95CE-6DB70DBA9567}" type="datetimeFigureOut">
               <a:rPr lang="en-US"/>
               <a:pPr/>
-              <a:t>9/2/2023</a:t>
+              <a:t>10/6/2023</a:t>
             </a:fld>
             <a:endParaRPr lang="en-US"/>
           </a:p>
@@ -3811,1956 +2969,6 @@
         </p:txBody>
       </p:sp>
     </p:spTree>
-  </p:cSld>
-  <p:clrMapOvr>
-    <a:masterClrMapping/>
-  </p:clrMapOvr>
-</p:sldLayout>
-</file>
-
-<file path=ppt/slideLayouts/slideLayout20.xml><?xml version="1.0" encoding="utf-8"?>
-<p:sldLayout xmlns:a="http://schemas.openxmlformats.org/drawingml/2006/main" xmlns:r="http://schemas.openxmlformats.org/officeDocument/2006/relationships" xmlns:p="http://schemas.openxmlformats.org/presentationml/2006/main" type="twoObj" preserve="1">
-  <p:cSld name="Two Content">
-    <p:spTree>
-      <p:nvGrpSpPr>
-        <p:cNvPr id="1" name=""/>
-        <p:cNvGrpSpPr/>
-        <p:nvPr/>
-      </p:nvGrpSpPr>
-      <p:grpSpPr>
-        <a:xfrm>
-          <a:off x="0" y="0"/>
-          <a:ext cx="0" cy="0"/>
-          <a:chOff x="0" y="0"/>
-          <a:chExt cx="0" cy="0"/>
-        </a:xfrm>
-      </p:grpSpPr>
-      <p:sp>
-        <p:nvSpPr>
-          <p:cNvPr id="2" name="Title 1">
-            <a:extLst>
-              <a:ext uri="{FF2B5EF4-FFF2-40B4-BE49-F238E27FC236}">
-                <a16:creationId xmlns:a16="http://schemas.microsoft.com/office/drawing/2014/main" id="{4780BB59-83BB-3DC3-DED6-13C776FC0E83}"/>
-              </a:ext>
-            </a:extLst>
-          </p:cNvPr>
-          <p:cNvSpPr>
-            <a:spLocks noGrp="1"/>
-          </p:cNvSpPr>
-          <p:nvPr>
-            <p:ph type="title"/>
-          </p:nvPr>
-        </p:nvSpPr>
-        <p:spPr/>
-        <p:txBody>
-          <a:bodyPr/>
-          <a:lstStyle/>
-          <a:p>
-            <a:r>
-              <a:rPr lang="en-GB"/>
-              <a:t>Click to edit Master title style</a:t>
-            </a:r>
-            <a:endParaRPr lang="en-NO"/>
-          </a:p>
-        </p:txBody>
-      </p:sp>
-      <p:sp>
-        <p:nvSpPr>
-          <p:cNvPr id="3" name="Content Placeholder 2">
-            <a:extLst>
-              <a:ext uri="{FF2B5EF4-FFF2-40B4-BE49-F238E27FC236}">
-                <a16:creationId xmlns:a16="http://schemas.microsoft.com/office/drawing/2014/main" id="{999F86E2-F533-B021-7BEC-44B5C51B3BC1}"/>
-              </a:ext>
-            </a:extLst>
-          </p:cNvPr>
-          <p:cNvSpPr>
-            <a:spLocks noGrp="1"/>
-          </p:cNvSpPr>
-          <p:nvPr>
-            <p:ph sz="half" idx="1"/>
-          </p:nvPr>
-        </p:nvSpPr>
-        <p:spPr>
-          <a:xfrm>
-            <a:off x="838200" y="1825625"/>
-            <a:ext cx="5181600" cy="4351338"/>
-          </a:xfrm>
-        </p:spPr>
-        <p:txBody>
-          <a:bodyPr/>
-          <a:lstStyle/>
-          <a:p>
-            <a:pPr lvl="0"/>
-            <a:r>
-              <a:rPr lang="en-GB"/>
-              <a:t>Click to edit Master text styles</a:t>
-            </a:r>
-          </a:p>
-          <a:p>
-            <a:pPr lvl="1"/>
-            <a:r>
-              <a:rPr lang="en-GB"/>
-              <a:t>Second level</a:t>
-            </a:r>
-          </a:p>
-          <a:p>
-            <a:pPr lvl="2"/>
-            <a:r>
-              <a:rPr lang="en-GB"/>
-              <a:t>Third level</a:t>
-            </a:r>
-          </a:p>
-          <a:p>
-            <a:pPr lvl="3"/>
-            <a:r>
-              <a:rPr lang="en-GB"/>
-              <a:t>Fourth level</a:t>
-            </a:r>
-          </a:p>
-          <a:p>
-            <a:pPr lvl="4"/>
-            <a:r>
-              <a:rPr lang="en-GB"/>
-              <a:t>Fifth level</a:t>
-            </a:r>
-            <a:endParaRPr lang="en-NO"/>
-          </a:p>
-        </p:txBody>
-      </p:sp>
-      <p:sp>
-        <p:nvSpPr>
-          <p:cNvPr id="4" name="Content Placeholder 3">
-            <a:extLst>
-              <a:ext uri="{FF2B5EF4-FFF2-40B4-BE49-F238E27FC236}">
-                <a16:creationId xmlns:a16="http://schemas.microsoft.com/office/drawing/2014/main" id="{0FC4F9B0-A736-A1BB-5878-1E3C4743535D}"/>
-              </a:ext>
-            </a:extLst>
-          </p:cNvPr>
-          <p:cNvSpPr>
-            <a:spLocks noGrp="1"/>
-          </p:cNvSpPr>
-          <p:nvPr>
-            <p:ph sz="half" idx="2"/>
-          </p:nvPr>
-        </p:nvSpPr>
-        <p:spPr>
-          <a:xfrm>
-            <a:off x="6172200" y="1825625"/>
-            <a:ext cx="5181600" cy="4351338"/>
-          </a:xfrm>
-        </p:spPr>
-        <p:txBody>
-          <a:bodyPr/>
-          <a:lstStyle/>
-          <a:p>
-            <a:pPr lvl="0"/>
-            <a:r>
-              <a:rPr lang="en-GB"/>
-              <a:t>Click to edit Master text styles</a:t>
-            </a:r>
-          </a:p>
-          <a:p>
-            <a:pPr lvl="1"/>
-            <a:r>
-              <a:rPr lang="en-GB"/>
-              <a:t>Second level</a:t>
-            </a:r>
-          </a:p>
-          <a:p>
-            <a:pPr lvl="2"/>
-            <a:r>
-              <a:rPr lang="en-GB"/>
-              <a:t>Third level</a:t>
-            </a:r>
-          </a:p>
-          <a:p>
-            <a:pPr lvl="3"/>
-            <a:r>
-              <a:rPr lang="en-GB"/>
-              <a:t>Fourth level</a:t>
-            </a:r>
-          </a:p>
-          <a:p>
-            <a:pPr lvl="4"/>
-            <a:r>
-              <a:rPr lang="en-GB"/>
-              <a:t>Fifth level</a:t>
-            </a:r>
-            <a:endParaRPr lang="en-NO"/>
-          </a:p>
-        </p:txBody>
-      </p:sp>
-      <p:sp>
-        <p:nvSpPr>
-          <p:cNvPr id="5" name="Date Placeholder 4">
-            <a:extLst>
-              <a:ext uri="{FF2B5EF4-FFF2-40B4-BE49-F238E27FC236}">
-                <a16:creationId xmlns:a16="http://schemas.microsoft.com/office/drawing/2014/main" id="{20772C37-5FD2-E400-7DD6-CE6231DB2794}"/>
-              </a:ext>
-            </a:extLst>
-          </p:cNvPr>
-          <p:cNvSpPr>
-            <a:spLocks noGrp="1"/>
-          </p:cNvSpPr>
-          <p:nvPr>
-            <p:ph type="dt" sz="half" idx="10"/>
-          </p:nvPr>
-        </p:nvSpPr>
-        <p:spPr/>
-        <p:txBody>
-          <a:bodyPr/>
-          <a:lstStyle/>
-          <a:p>
-            <a:fld id="{DD6EBC61-6493-6943-BFC0-FEDAB404CC17}" type="datetimeFigureOut">
-              <a:rPr lang="en-NO" smtClean="0"/>
-              <a:t>09/02/2023</a:t>
-            </a:fld>
-            <a:endParaRPr lang="en-NO"/>
-          </a:p>
-        </p:txBody>
-      </p:sp>
-      <p:sp>
-        <p:nvSpPr>
-          <p:cNvPr id="6" name="Footer Placeholder 5">
-            <a:extLst>
-              <a:ext uri="{FF2B5EF4-FFF2-40B4-BE49-F238E27FC236}">
-                <a16:creationId xmlns:a16="http://schemas.microsoft.com/office/drawing/2014/main" id="{17469EB1-10F6-7AB2-3AA8-D96977872E1E}"/>
-              </a:ext>
-            </a:extLst>
-          </p:cNvPr>
-          <p:cNvSpPr>
-            <a:spLocks noGrp="1"/>
-          </p:cNvSpPr>
-          <p:nvPr>
-            <p:ph type="ftr" sz="quarter" idx="11"/>
-          </p:nvPr>
-        </p:nvSpPr>
-        <p:spPr/>
-        <p:txBody>
-          <a:bodyPr/>
-          <a:lstStyle/>
-          <a:p>
-            <a:endParaRPr lang="en-NO"/>
-          </a:p>
-        </p:txBody>
-      </p:sp>
-      <p:sp>
-        <p:nvSpPr>
-          <p:cNvPr id="7" name="Slide Number Placeholder 6">
-            <a:extLst>
-              <a:ext uri="{FF2B5EF4-FFF2-40B4-BE49-F238E27FC236}">
-                <a16:creationId xmlns:a16="http://schemas.microsoft.com/office/drawing/2014/main" id="{5996596F-D125-3A93-2F55-CE3E319A86EC}"/>
-              </a:ext>
-            </a:extLst>
-          </p:cNvPr>
-          <p:cNvSpPr>
-            <a:spLocks noGrp="1"/>
-          </p:cNvSpPr>
-          <p:nvPr>
-            <p:ph type="sldNum" sz="quarter" idx="12"/>
-          </p:nvPr>
-        </p:nvSpPr>
-        <p:spPr/>
-        <p:txBody>
-          <a:bodyPr/>
-          <a:lstStyle/>
-          <a:p>
-            <a:fld id="{538158FF-A7DF-BF42-A1A6-DB8EC7A9882E}" type="slidenum">
-              <a:rPr lang="en-NO" smtClean="0"/>
-              <a:t>‹#›</a:t>
-            </a:fld>
-            <a:endParaRPr lang="en-NO"/>
-          </a:p>
-        </p:txBody>
-      </p:sp>
-    </p:spTree>
-    <p:extLst>
-      <p:ext uri="{BB962C8B-B14F-4D97-AF65-F5344CB8AC3E}">
-        <p14:creationId xmlns:p14="http://schemas.microsoft.com/office/powerpoint/2010/main" val="3770245582"/>
-      </p:ext>
-    </p:extLst>
-  </p:cSld>
-  <p:clrMapOvr>
-    <a:masterClrMapping/>
-  </p:clrMapOvr>
-</p:sldLayout>
-</file>
-
-<file path=ppt/slideLayouts/slideLayout21.xml><?xml version="1.0" encoding="utf-8"?>
-<p:sldLayout xmlns:a="http://schemas.openxmlformats.org/drawingml/2006/main" xmlns:r="http://schemas.openxmlformats.org/officeDocument/2006/relationships" xmlns:p="http://schemas.openxmlformats.org/presentationml/2006/main" type="twoTxTwoObj" preserve="1">
-  <p:cSld name="Comparison">
-    <p:spTree>
-      <p:nvGrpSpPr>
-        <p:cNvPr id="1" name=""/>
-        <p:cNvGrpSpPr/>
-        <p:nvPr/>
-      </p:nvGrpSpPr>
-      <p:grpSpPr>
-        <a:xfrm>
-          <a:off x="0" y="0"/>
-          <a:ext cx="0" cy="0"/>
-          <a:chOff x="0" y="0"/>
-          <a:chExt cx="0" cy="0"/>
-        </a:xfrm>
-      </p:grpSpPr>
-      <p:sp>
-        <p:nvSpPr>
-          <p:cNvPr id="2" name="Title 1">
-            <a:extLst>
-              <a:ext uri="{FF2B5EF4-FFF2-40B4-BE49-F238E27FC236}">
-                <a16:creationId xmlns:a16="http://schemas.microsoft.com/office/drawing/2014/main" id="{F0F3BD46-B2DA-2FE6-4E3E-E569AAD4B666}"/>
-              </a:ext>
-            </a:extLst>
-          </p:cNvPr>
-          <p:cNvSpPr>
-            <a:spLocks noGrp="1"/>
-          </p:cNvSpPr>
-          <p:nvPr>
-            <p:ph type="title"/>
-          </p:nvPr>
-        </p:nvSpPr>
-        <p:spPr>
-          <a:xfrm>
-            <a:off x="839788" y="365125"/>
-            <a:ext cx="10515600" cy="1325563"/>
-          </a:xfrm>
-        </p:spPr>
-        <p:txBody>
-          <a:bodyPr/>
-          <a:lstStyle/>
-          <a:p>
-            <a:r>
-              <a:rPr lang="en-GB"/>
-              <a:t>Click to edit Master title style</a:t>
-            </a:r>
-            <a:endParaRPr lang="en-NO"/>
-          </a:p>
-        </p:txBody>
-      </p:sp>
-      <p:sp>
-        <p:nvSpPr>
-          <p:cNvPr id="3" name="Text Placeholder 2">
-            <a:extLst>
-              <a:ext uri="{FF2B5EF4-FFF2-40B4-BE49-F238E27FC236}">
-                <a16:creationId xmlns:a16="http://schemas.microsoft.com/office/drawing/2014/main" id="{B9788DCE-CB1C-CF73-DEE2-0E162DD0B63F}"/>
-              </a:ext>
-            </a:extLst>
-          </p:cNvPr>
-          <p:cNvSpPr>
-            <a:spLocks noGrp="1"/>
-          </p:cNvSpPr>
-          <p:nvPr>
-            <p:ph type="body" idx="1"/>
-          </p:nvPr>
-        </p:nvSpPr>
-        <p:spPr>
-          <a:xfrm>
-            <a:off x="839788" y="1681163"/>
-            <a:ext cx="5157787" cy="823912"/>
-          </a:xfrm>
-        </p:spPr>
-        <p:txBody>
-          <a:bodyPr anchor="b"/>
-          <a:lstStyle>
-            <a:lvl1pPr marL="0" indent="0">
-              <a:buNone/>
-              <a:defRPr sz="2400" b="1"/>
-            </a:lvl1pPr>
-            <a:lvl2pPr marL="457200" indent="0">
-              <a:buNone/>
-              <a:defRPr sz="2000" b="1"/>
-            </a:lvl2pPr>
-            <a:lvl3pPr marL="914400" indent="0">
-              <a:buNone/>
-              <a:defRPr sz="1800" b="1"/>
-            </a:lvl3pPr>
-            <a:lvl4pPr marL="1371600" indent="0">
-              <a:buNone/>
-              <a:defRPr sz="1600" b="1"/>
-            </a:lvl4pPr>
-            <a:lvl5pPr marL="1828800" indent="0">
-              <a:buNone/>
-              <a:defRPr sz="1600" b="1"/>
-            </a:lvl5pPr>
-            <a:lvl6pPr marL="2286000" indent="0">
-              <a:buNone/>
-              <a:defRPr sz="1600" b="1"/>
-            </a:lvl6pPr>
-            <a:lvl7pPr marL="2743200" indent="0">
-              <a:buNone/>
-              <a:defRPr sz="1600" b="1"/>
-            </a:lvl7pPr>
-            <a:lvl8pPr marL="3200400" indent="0">
-              <a:buNone/>
-              <a:defRPr sz="1600" b="1"/>
-            </a:lvl8pPr>
-            <a:lvl9pPr marL="3657600" indent="0">
-              <a:buNone/>
-              <a:defRPr sz="1600" b="1"/>
-            </a:lvl9pPr>
-          </a:lstStyle>
-          <a:p>
-            <a:pPr lvl="0"/>
-            <a:r>
-              <a:rPr lang="en-GB"/>
-              <a:t>Click to edit Master text styles</a:t>
-            </a:r>
-          </a:p>
-        </p:txBody>
-      </p:sp>
-      <p:sp>
-        <p:nvSpPr>
-          <p:cNvPr id="4" name="Content Placeholder 3">
-            <a:extLst>
-              <a:ext uri="{FF2B5EF4-FFF2-40B4-BE49-F238E27FC236}">
-                <a16:creationId xmlns:a16="http://schemas.microsoft.com/office/drawing/2014/main" id="{FAB37499-7F8D-0C01-8709-E86D0AD17DC8}"/>
-              </a:ext>
-            </a:extLst>
-          </p:cNvPr>
-          <p:cNvSpPr>
-            <a:spLocks noGrp="1"/>
-          </p:cNvSpPr>
-          <p:nvPr>
-            <p:ph sz="half" idx="2"/>
-          </p:nvPr>
-        </p:nvSpPr>
-        <p:spPr>
-          <a:xfrm>
-            <a:off x="839788" y="2505075"/>
-            <a:ext cx="5157787" cy="3684588"/>
-          </a:xfrm>
-        </p:spPr>
-        <p:txBody>
-          <a:bodyPr/>
-          <a:lstStyle/>
-          <a:p>
-            <a:pPr lvl="0"/>
-            <a:r>
-              <a:rPr lang="en-GB"/>
-              <a:t>Click to edit Master text styles</a:t>
-            </a:r>
-          </a:p>
-          <a:p>
-            <a:pPr lvl="1"/>
-            <a:r>
-              <a:rPr lang="en-GB"/>
-              <a:t>Second level</a:t>
-            </a:r>
-          </a:p>
-          <a:p>
-            <a:pPr lvl="2"/>
-            <a:r>
-              <a:rPr lang="en-GB"/>
-              <a:t>Third level</a:t>
-            </a:r>
-          </a:p>
-          <a:p>
-            <a:pPr lvl="3"/>
-            <a:r>
-              <a:rPr lang="en-GB"/>
-              <a:t>Fourth level</a:t>
-            </a:r>
-          </a:p>
-          <a:p>
-            <a:pPr lvl="4"/>
-            <a:r>
-              <a:rPr lang="en-GB"/>
-              <a:t>Fifth level</a:t>
-            </a:r>
-            <a:endParaRPr lang="en-NO"/>
-          </a:p>
-        </p:txBody>
-      </p:sp>
-      <p:sp>
-        <p:nvSpPr>
-          <p:cNvPr id="5" name="Text Placeholder 4">
-            <a:extLst>
-              <a:ext uri="{FF2B5EF4-FFF2-40B4-BE49-F238E27FC236}">
-                <a16:creationId xmlns:a16="http://schemas.microsoft.com/office/drawing/2014/main" id="{AE012BC1-ABA8-02B0-5E1B-DBAAB7EE3BBA}"/>
-              </a:ext>
-            </a:extLst>
-          </p:cNvPr>
-          <p:cNvSpPr>
-            <a:spLocks noGrp="1"/>
-          </p:cNvSpPr>
-          <p:nvPr>
-            <p:ph type="body" sz="quarter" idx="3"/>
-          </p:nvPr>
-        </p:nvSpPr>
-        <p:spPr>
-          <a:xfrm>
-            <a:off x="6172200" y="1681163"/>
-            <a:ext cx="5183188" cy="823912"/>
-          </a:xfrm>
-        </p:spPr>
-        <p:txBody>
-          <a:bodyPr anchor="b"/>
-          <a:lstStyle>
-            <a:lvl1pPr marL="0" indent="0">
-              <a:buNone/>
-              <a:defRPr sz="2400" b="1"/>
-            </a:lvl1pPr>
-            <a:lvl2pPr marL="457200" indent="0">
-              <a:buNone/>
-              <a:defRPr sz="2000" b="1"/>
-            </a:lvl2pPr>
-            <a:lvl3pPr marL="914400" indent="0">
-              <a:buNone/>
-              <a:defRPr sz="1800" b="1"/>
-            </a:lvl3pPr>
-            <a:lvl4pPr marL="1371600" indent="0">
-              <a:buNone/>
-              <a:defRPr sz="1600" b="1"/>
-            </a:lvl4pPr>
-            <a:lvl5pPr marL="1828800" indent="0">
-              <a:buNone/>
-              <a:defRPr sz="1600" b="1"/>
-            </a:lvl5pPr>
-            <a:lvl6pPr marL="2286000" indent="0">
-              <a:buNone/>
-              <a:defRPr sz="1600" b="1"/>
-            </a:lvl6pPr>
-            <a:lvl7pPr marL="2743200" indent="0">
-              <a:buNone/>
-              <a:defRPr sz="1600" b="1"/>
-            </a:lvl7pPr>
-            <a:lvl8pPr marL="3200400" indent="0">
-              <a:buNone/>
-              <a:defRPr sz="1600" b="1"/>
-            </a:lvl8pPr>
-            <a:lvl9pPr marL="3657600" indent="0">
-              <a:buNone/>
-              <a:defRPr sz="1600" b="1"/>
-            </a:lvl9pPr>
-          </a:lstStyle>
-          <a:p>
-            <a:pPr lvl="0"/>
-            <a:r>
-              <a:rPr lang="en-GB"/>
-              <a:t>Click to edit Master text styles</a:t>
-            </a:r>
-          </a:p>
-        </p:txBody>
-      </p:sp>
-      <p:sp>
-        <p:nvSpPr>
-          <p:cNvPr id="6" name="Content Placeholder 5">
-            <a:extLst>
-              <a:ext uri="{FF2B5EF4-FFF2-40B4-BE49-F238E27FC236}">
-                <a16:creationId xmlns:a16="http://schemas.microsoft.com/office/drawing/2014/main" id="{D5C7B3B7-2053-CD19-12BB-23144DABC1EF}"/>
-              </a:ext>
-            </a:extLst>
-          </p:cNvPr>
-          <p:cNvSpPr>
-            <a:spLocks noGrp="1"/>
-          </p:cNvSpPr>
-          <p:nvPr>
-            <p:ph sz="quarter" idx="4"/>
-          </p:nvPr>
-        </p:nvSpPr>
-        <p:spPr>
-          <a:xfrm>
-            <a:off x="6172200" y="2505075"/>
-            <a:ext cx="5183188" cy="3684588"/>
-          </a:xfrm>
-        </p:spPr>
-        <p:txBody>
-          <a:bodyPr/>
-          <a:lstStyle/>
-          <a:p>
-            <a:pPr lvl="0"/>
-            <a:r>
-              <a:rPr lang="en-GB"/>
-              <a:t>Click to edit Master text styles</a:t>
-            </a:r>
-          </a:p>
-          <a:p>
-            <a:pPr lvl="1"/>
-            <a:r>
-              <a:rPr lang="en-GB"/>
-              <a:t>Second level</a:t>
-            </a:r>
-          </a:p>
-          <a:p>
-            <a:pPr lvl="2"/>
-            <a:r>
-              <a:rPr lang="en-GB"/>
-              <a:t>Third level</a:t>
-            </a:r>
-          </a:p>
-          <a:p>
-            <a:pPr lvl="3"/>
-            <a:r>
-              <a:rPr lang="en-GB"/>
-              <a:t>Fourth level</a:t>
-            </a:r>
-          </a:p>
-          <a:p>
-            <a:pPr lvl="4"/>
-            <a:r>
-              <a:rPr lang="en-GB"/>
-              <a:t>Fifth level</a:t>
-            </a:r>
-            <a:endParaRPr lang="en-NO"/>
-          </a:p>
-        </p:txBody>
-      </p:sp>
-      <p:sp>
-        <p:nvSpPr>
-          <p:cNvPr id="7" name="Date Placeholder 6">
-            <a:extLst>
-              <a:ext uri="{FF2B5EF4-FFF2-40B4-BE49-F238E27FC236}">
-                <a16:creationId xmlns:a16="http://schemas.microsoft.com/office/drawing/2014/main" id="{5097BA41-FD5F-D012-37F1-1D013481D86B}"/>
-              </a:ext>
-            </a:extLst>
-          </p:cNvPr>
-          <p:cNvSpPr>
-            <a:spLocks noGrp="1"/>
-          </p:cNvSpPr>
-          <p:nvPr>
-            <p:ph type="dt" sz="half" idx="10"/>
-          </p:nvPr>
-        </p:nvSpPr>
-        <p:spPr/>
-        <p:txBody>
-          <a:bodyPr/>
-          <a:lstStyle/>
-          <a:p>
-            <a:fld id="{DD6EBC61-6493-6943-BFC0-FEDAB404CC17}" type="datetimeFigureOut">
-              <a:rPr lang="en-NO" smtClean="0"/>
-              <a:t>09/02/2023</a:t>
-            </a:fld>
-            <a:endParaRPr lang="en-NO"/>
-          </a:p>
-        </p:txBody>
-      </p:sp>
-      <p:sp>
-        <p:nvSpPr>
-          <p:cNvPr id="8" name="Footer Placeholder 7">
-            <a:extLst>
-              <a:ext uri="{FF2B5EF4-FFF2-40B4-BE49-F238E27FC236}">
-                <a16:creationId xmlns:a16="http://schemas.microsoft.com/office/drawing/2014/main" id="{9107797C-737C-61AB-B45E-892A29DA2308}"/>
-              </a:ext>
-            </a:extLst>
-          </p:cNvPr>
-          <p:cNvSpPr>
-            <a:spLocks noGrp="1"/>
-          </p:cNvSpPr>
-          <p:nvPr>
-            <p:ph type="ftr" sz="quarter" idx="11"/>
-          </p:nvPr>
-        </p:nvSpPr>
-        <p:spPr/>
-        <p:txBody>
-          <a:bodyPr/>
-          <a:lstStyle/>
-          <a:p>
-            <a:endParaRPr lang="en-NO"/>
-          </a:p>
-        </p:txBody>
-      </p:sp>
-      <p:sp>
-        <p:nvSpPr>
-          <p:cNvPr id="9" name="Slide Number Placeholder 8">
-            <a:extLst>
-              <a:ext uri="{FF2B5EF4-FFF2-40B4-BE49-F238E27FC236}">
-                <a16:creationId xmlns:a16="http://schemas.microsoft.com/office/drawing/2014/main" id="{92FB60D1-81D5-CFE3-8454-2EF0052FA216}"/>
-              </a:ext>
-            </a:extLst>
-          </p:cNvPr>
-          <p:cNvSpPr>
-            <a:spLocks noGrp="1"/>
-          </p:cNvSpPr>
-          <p:nvPr>
-            <p:ph type="sldNum" sz="quarter" idx="12"/>
-          </p:nvPr>
-        </p:nvSpPr>
-        <p:spPr/>
-        <p:txBody>
-          <a:bodyPr/>
-          <a:lstStyle/>
-          <a:p>
-            <a:fld id="{538158FF-A7DF-BF42-A1A6-DB8EC7A9882E}" type="slidenum">
-              <a:rPr lang="en-NO" smtClean="0"/>
-              <a:t>‹#›</a:t>
-            </a:fld>
-            <a:endParaRPr lang="en-NO"/>
-          </a:p>
-        </p:txBody>
-      </p:sp>
-    </p:spTree>
-    <p:extLst>
-      <p:ext uri="{BB962C8B-B14F-4D97-AF65-F5344CB8AC3E}">
-        <p14:creationId xmlns:p14="http://schemas.microsoft.com/office/powerpoint/2010/main" val="4254734208"/>
-      </p:ext>
-    </p:extLst>
-  </p:cSld>
-  <p:clrMapOvr>
-    <a:masterClrMapping/>
-  </p:clrMapOvr>
-</p:sldLayout>
-</file>
-
-<file path=ppt/slideLayouts/slideLayout22.xml><?xml version="1.0" encoding="utf-8"?>
-<p:sldLayout xmlns:a="http://schemas.openxmlformats.org/drawingml/2006/main" xmlns:r="http://schemas.openxmlformats.org/officeDocument/2006/relationships" xmlns:p="http://schemas.openxmlformats.org/presentationml/2006/main" type="titleOnly" preserve="1">
-  <p:cSld name="Title Only">
-    <p:spTree>
-      <p:nvGrpSpPr>
-        <p:cNvPr id="1" name=""/>
-        <p:cNvGrpSpPr/>
-        <p:nvPr/>
-      </p:nvGrpSpPr>
-      <p:grpSpPr>
-        <a:xfrm>
-          <a:off x="0" y="0"/>
-          <a:ext cx="0" cy="0"/>
-          <a:chOff x="0" y="0"/>
-          <a:chExt cx="0" cy="0"/>
-        </a:xfrm>
-      </p:grpSpPr>
-      <p:sp>
-        <p:nvSpPr>
-          <p:cNvPr id="2" name="Title 1">
-            <a:extLst>
-              <a:ext uri="{FF2B5EF4-FFF2-40B4-BE49-F238E27FC236}">
-                <a16:creationId xmlns:a16="http://schemas.microsoft.com/office/drawing/2014/main" id="{F046B01A-92A8-01CD-3EF4-48BE450788B5}"/>
-              </a:ext>
-            </a:extLst>
-          </p:cNvPr>
-          <p:cNvSpPr>
-            <a:spLocks noGrp="1"/>
-          </p:cNvSpPr>
-          <p:nvPr>
-            <p:ph type="title"/>
-          </p:nvPr>
-        </p:nvSpPr>
-        <p:spPr/>
-        <p:txBody>
-          <a:bodyPr/>
-          <a:lstStyle/>
-          <a:p>
-            <a:r>
-              <a:rPr lang="en-GB"/>
-              <a:t>Click to edit Master title style</a:t>
-            </a:r>
-            <a:endParaRPr lang="en-NO"/>
-          </a:p>
-        </p:txBody>
-      </p:sp>
-      <p:sp>
-        <p:nvSpPr>
-          <p:cNvPr id="3" name="Date Placeholder 2">
-            <a:extLst>
-              <a:ext uri="{FF2B5EF4-FFF2-40B4-BE49-F238E27FC236}">
-                <a16:creationId xmlns:a16="http://schemas.microsoft.com/office/drawing/2014/main" id="{D3D03904-975F-536D-6BBE-248696E485C1}"/>
-              </a:ext>
-            </a:extLst>
-          </p:cNvPr>
-          <p:cNvSpPr>
-            <a:spLocks noGrp="1"/>
-          </p:cNvSpPr>
-          <p:nvPr>
-            <p:ph type="dt" sz="half" idx="10"/>
-          </p:nvPr>
-        </p:nvSpPr>
-        <p:spPr/>
-        <p:txBody>
-          <a:bodyPr/>
-          <a:lstStyle/>
-          <a:p>
-            <a:fld id="{DD6EBC61-6493-6943-BFC0-FEDAB404CC17}" type="datetimeFigureOut">
-              <a:rPr lang="en-NO" smtClean="0"/>
-              <a:t>09/02/2023</a:t>
-            </a:fld>
-            <a:endParaRPr lang="en-NO"/>
-          </a:p>
-        </p:txBody>
-      </p:sp>
-      <p:sp>
-        <p:nvSpPr>
-          <p:cNvPr id="4" name="Footer Placeholder 3">
-            <a:extLst>
-              <a:ext uri="{FF2B5EF4-FFF2-40B4-BE49-F238E27FC236}">
-                <a16:creationId xmlns:a16="http://schemas.microsoft.com/office/drawing/2014/main" id="{A394E7DD-991E-8A33-418C-74A555DC48E2}"/>
-              </a:ext>
-            </a:extLst>
-          </p:cNvPr>
-          <p:cNvSpPr>
-            <a:spLocks noGrp="1"/>
-          </p:cNvSpPr>
-          <p:nvPr>
-            <p:ph type="ftr" sz="quarter" idx="11"/>
-          </p:nvPr>
-        </p:nvSpPr>
-        <p:spPr/>
-        <p:txBody>
-          <a:bodyPr/>
-          <a:lstStyle/>
-          <a:p>
-            <a:endParaRPr lang="en-NO"/>
-          </a:p>
-        </p:txBody>
-      </p:sp>
-      <p:sp>
-        <p:nvSpPr>
-          <p:cNvPr id="5" name="Slide Number Placeholder 4">
-            <a:extLst>
-              <a:ext uri="{FF2B5EF4-FFF2-40B4-BE49-F238E27FC236}">
-                <a16:creationId xmlns:a16="http://schemas.microsoft.com/office/drawing/2014/main" id="{FE5CC7F7-2F46-6D7B-F0C3-BFD6FC0048E1}"/>
-              </a:ext>
-            </a:extLst>
-          </p:cNvPr>
-          <p:cNvSpPr>
-            <a:spLocks noGrp="1"/>
-          </p:cNvSpPr>
-          <p:nvPr>
-            <p:ph type="sldNum" sz="quarter" idx="12"/>
-          </p:nvPr>
-        </p:nvSpPr>
-        <p:spPr/>
-        <p:txBody>
-          <a:bodyPr/>
-          <a:lstStyle/>
-          <a:p>
-            <a:fld id="{538158FF-A7DF-BF42-A1A6-DB8EC7A9882E}" type="slidenum">
-              <a:rPr lang="en-NO" smtClean="0"/>
-              <a:t>‹#›</a:t>
-            </a:fld>
-            <a:endParaRPr lang="en-NO"/>
-          </a:p>
-        </p:txBody>
-      </p:sp>
-    </p:spTree>
-    <p:extLst>
-      <p:ext uri="{BB962C8B-B14F-4D97-AF65-F5344CB8AC3E}">
-        <p14:creationId xmlns:p14="http://schemas.microsoft.com/office/powerpoint/2010/main" val="2702599390"/>
-      </p:ext>
-    </p:extLst>
-  </p:cSld>
-  <p:clrMapOvr>
-    <a:masterClrMapping/>
-  </p:clrMapOvr>
-</p:sldLayout>
-</file>
-
-<file path=ppt/slideLayouts/slideLayout23.xml><?xml version="1.0" encoding="utf-8"?>
-<p:sldLayout xmlns:a="http://schemas.openxmlformats.org/drawingml/2006/main" xmlns:r="http://schemas.openxmlformats.org/officeDocument/2006/relationships" xmlns:p="http://schemas.openxmlformats.org/presentationml/2006/main" type="blank" preserve="1">
-  <p:cSld name="Blank">
-    <p:spTree>
-      <p:nvGrpSpPr>
-        <p:cNvPr id="1" name=""/>
-        <p:cNvGrpSpPr/>
-        <p:nvPr/>
-      </p:nvGrpSpPr>
-      <p:grpSpPr>
-        <a:xfrm>
-          <a:off x="0" y="0"/>
-          <a:ext cx="0" cy="0"/>
-          <a:chOff x="0" y="0"/>
-          <a:chExt cx="0" cy="0"/>
-        </a:xfrm>
-      </p:grpSpPr>
-      <p:sp>
-        <p:nvSpPr>
-          <p:cNvPr id="2" name="Date Placeholder 1">
-            <a:extLst>
-              <a:ext uri="{FF2B5EF4-FFF2-40B4-BE49-F238E27FC236}">
-                <a16:creationId xmlns:a16="http://schemas.microsoft.com/office/drawing/2014/main" id="{4BEE5288-F0A3-F9CB-F7E5-66B81BB59CE3}"/>
-              </a:ext>
-            </a:extLst>
-          </p:cNvPr>
-          <p:cNvSpPr>
-            <a:spLocks noGrp="1"/>
-          </p:cNvSpPr>
-          <p:nvPr>
-            <p:ph type="dt" sz="half" idx="10"/>
-          </p:nvPr>
-        </p:nvSpPr>
-        <p:spPr/>
-        <p:txBody>
-          <a:bodyPr/>
-          <a:lstStyle/>
-          <a:p>
-            <a:fld id="{DD6EBC61-6493-6943-BFC0-FEDAB404CC17}" type="datetimeFigureOut">
-              <a:rPr lang="en-NO" smtClean="0"/>
-              <a:t>09/02/2023</a:t>
-            </a:fld>
-            <a:endParaRPr lang="en-NO"/>
-          </a:p>
-        </p:txBody>
-      </p:sp>
-      <p:sp>
-        <p:nvSpPr>
-          <p:cNvPr id="3" name="Footer Placeholder 2">
-            <a:extLst>
-              <a:ext uri="{FF2B5EF4-FFF2-40B4-BE49-F238E27FC236}">
-                <a16:creationId xmlns:a16="http://schemas.microsoft.com/office/drawing/2014/main" id="{E348B219-3E8B-3320-CAAF-5EFBBB4E70AD}"/>
-              </a:ext>
-            </a:extLst>
-          </p:cNvPr>
-          <p:cNvSpPr>
-            <a:spLocks noGrp="1"/>
-          </p:cNvSpPr>
-          <p:nvPr>
-            <p:ph type="ftr" sz="quarter" idx="11"/>
-          </p:nvPr>
-        </p:nvSpPr>
-        <p:spPr/>
-        <p:txBody>
-          <a:bodyPr/>
-          <a:lstStyle/>
-          <a:p>
-            <a:endParaRPr lang="en-NO"/>
-          </a:p>
-        </p:txBody>
-      </p:sp>
-      <p:sp>
-        <p:nvSpPr>
-          <p:cNvPr id="4" name="Slide Number Placeholder 3">
-            <a:extLst>
-              <a:ext uri="{FF2B5EF4-FFF2-40B4-BE49-F238E27FC236}">
-                <a16:creationId xmlns:a16="http://schemas.microsoft.com/office/drawing/2014/main" id="{71193DAA-AD53-7489-568C-005EAEFF1C33}"/>
-              </a:ext>
-            </a:extLst>
-          </p:cNvPr>
-          <p:cNvSpPr>
-            <a:spLocks noGrp="1"/>
-          </p:cNvSpPr>
-          <p:nvPr>
-            <p:ph type="sldNum" sz="quarter" idx="12"/>
-          </p:nvPr>
-        </p:nvSpPr>
-        <p:spPr/>
-        <p:txBody>
-          <a:bodyPr/>
-          <a:lstStyle/>
-          <a:p>
-            <a:fld id="{538158FF-A7DF-BF42-A1A6-DB8EC7A9882E}" type="slidenum">
-              <a:rPr lang="en-NO" smtClean="0"/>
-              <a:t>‹#›</a:t>
-            </a:fld>
-            <a:endParaRPr lang="en-NO"/>
-          </a:p>
-        </p:txBody>
-      </p:sp>
-    </p:spTree>
-    <p:extLst>
-      <p:ext uri="{BB962C8B-B14F-4D97-AF65-F5344CB8AC3E}">
-        <p14:creationId xmlns:p14="http://schemas.microsoft.com/office/powerpoint/2010/main" val="2693963317"/>
-      </p:ext>
-    </p:extLst>
-  </p:cSld>
-  <p:clrMapOvr>
-    <a:masterClrMapping/>
-  </p:clrMapOvr>
-</p:sldLayout>
-</file>
-
-<file path=ppt/slideLayouts/slideLayout24.xml><?xml version="1.0" encoding="utf-8"?>
-<p:sldLayout xmlns:a="http://schemas.openxmlformats.org/drawingml/2006/main" xmlns:r="http://schemas.openxmlformats.org/officeDocument/2006/relationships" xmlns:p="http://schemas.openxmlformats.org/presentationml/2006/main" type="objTx" preserve="1">
-  <p:cSld name="Content with Caption">
-    <p:spTree>
-      <p:nvGrpSpPr>
-        <p:cNvPr id="1" name=""/>
-        <p:cNvGrpSpPr/>
-        <p:nvPr/>
-      </p:nvGrpSpPr>
-      <p:grpSpPr>
-        <a:xfrm>
-          <a:off x="0" y="0"/>
-          <a:ext cx="0" cy="0"/>
-          <a:chOff x="0" y="0"/>
-          <a:chExt cx="0" cy="0"/>
-        </a:xfrm>
-      </p:grpSpPr>
-      <p:sp>
-        <p:nvSpPr>
-          <p:cNvPr id="2" name="Title 1">
-            <a:extLst>
-              <a:ext uri="{FF2B5EF4-FFF2-40B4-BE49-F238E27FC236}">
-                <a16:creationId xmlns:a16="http://schemas.microsoft.com/office/drawing/2014/main" id="{E71E6ED0-08DB-00E8-AE01-79ECEEC5B3F0}"/>
-              </a:ext>
-            </a:extLst>
-          </p:cNvPr>
-          <p:cNvSpPr>
-            <a:spLocks noGrp="1"/>
-          </p:cNvSpPr>
-          <p:nvPr>
-            <p:ph type="title"/>
-          </p:nvPr>
-        </p:nvSpPr>
-        <p:spPr>
-          <a:xfrm>
-            <a:off x="839788" y="457200"/>
-            <a:ext cx="3932237" cy="1600200"/>
-          </a:xfrm>
-        </p:spPr>
-        <p:txBody>
-          <a:bodyPr anchor="b"/>
-          <a:lstStyle>
-            <a:lvl1pPr>
-              <a:defRPr sz="3200"/>
-            </a:lvl1pPr>
-          </a:lstStyle>
-          <a:p>
-            <a:r>
-              <a:rPr lang="en-GB"/>
-              <a:t>Click to edit Master title style</a:t>
-            </a:r>
-            <a:endParaRPr lang="en-NO"/>
-          </a:p>
-        </p:txBody>
-      </p:sp>
-      <p:sp>
-        <p:nvSpPr>
-          <p:cNvPr id="3" name="Content Placeholder 2">
-            <a:extLst>
-              <a:ext uri="{FF2B5EF4-FFF2-40B4-BE49-F238E27FC236}">
-                <a16:creationId xmlns:a16="http://schemas.microsoft.com/office/drawing/2014/main" id="{3F23DD02-C41B-3B83-F9A3-F468F9FABA35}"/>
-              </a:ext>
-            </a:extLst>
-          </p:cNvPr>
-          <p:cNvSpPr>
-            <a:spLocks noGrp="1"/>
-          </p:cNvSpPr>
-          <p:nvPr>
-            <p:ph idx="1"/>
-          </p:nvPr>
-        </p:nvSpPr>
-        <p:spPr>
-          <a:xfrm>
-            <a:off x="5183188" y="987425"/>
-            <a:ext cx="6172200" cy="4873625"/>
-          </a:xfrm>
-        </p:spPr>
-        <p:txBody>
-          <a:bodyPr/>
-          <a:lstStyle>
-            <a:lvl1pPr>
-              <a:defRPr sz="3200"/>
-            </a:lvl1pPr>
-            <a:lvl2pPr>
-              <a:defRPr sz="2800"/>
-            </a:lvl2pPr>
-            <a:lvl3pPr>
-              <a:defRPr sz="2400"/>
-            </a:lvl3pPr>
-            <a:lvl4pPr>
-              <a:defRPr sz="2000"/>
-            </a:lvl4pPr>
-            <a:lvl5pPr>
-              <a:defRPr sz="2000"/>
-            </a:lvl5pPr>
-            <a:lvl6pPr>
-              <a:defRPr sz="2000"/>
-            </a:lvl6pPr>
-            <a:lvl7pPr>
-              <a:defRPr sz="2000"/>
-            </a:lvl7pPr>
-            <a:lvl8pPr>
-              <a:defRPr sz="2000"/>
-            </a:lvl8pPr>
-            <a:lvl9pPr>
-              <a:defRPr sz="2000"/>
-            </a:lvl9pPr>
-          </a:lstStyle>
-          <a:p>
-            <a:pPr lvl="0"/>
-            <a:r>
-              <a:rPr lang="en-GB"/>
-              <a:t>Click to edit Master text styles</a:t>
-            </a:r>
-          </a:p>
-          <a:p>
-            <a:pPr lvl="1"/>
-            <a:r>
-              <a:rPr lang="en-GB"/>
-              <a:t>Second level</a:t>
-            </a:r>
-          </a:p>
-          <a:p>
-            <a:pPr lvl="2"/>
-            <a:r>
-              <a:rPr lang="en-GB"/>
-              <a:t>Third level</a:t>
-            </a:r>
-          </a:p>
-          <a:p>
-            <a:pPr lvl="3"/>
-            <a:r>
-              <a:rPr lang="en-GB"/>
-              <a:t>Fourth level</a:t>
-            </a:r>
-          </a:p>
-          <a:p>
-            <a:pPr lvl="4"/>
-            <a:r>
-              <a:rPr lang="en-GB"/>
-              <a:t>Fifth level</a:t>
-            </a:r>
-            <a:endParaRPr lang="en-NO"/>
-          </a:p>
-        </p:txBody>
-      </p:sp>
-      <p:sp>
-        <p:nvSpPr>
-          <p:cNvPr id="4" name="Text Placeholder 3">
-            <a:extLst>
-              <a:ext uri="{FF2B5EF4-FFF2-40B4-BE49-F238E27FC236}">
-                <a16:creationId xmlns:a16="http://schemas.microsoft.com/office/drawing/2014/main" id="{8C135E61-918F-3C45-F118-392A2BC8AAD1}"/>
-              </a:ext>
-            </a:extLst>
-          </p:cNvPr>
-          <p:cNvSpPr>
-            <a:spLocks noGrp="1"/>
-          </p:cNvSpPr>
-          <p:nvPr>
-            <p:ph type="body" sz="half" idx="2"/>
-          </p:nvPr>
-        </p:nvSpPr>
-        <p:spPr>
-          <a:xfrm>
-            <a:off x="839788" y="2057400"/>
-            <a:ext cx="3932237" cy="3811588"/>
-          </a:xfrm>
-        </p:spPr>
-        <p:txBody>
-          <a:bodyPr/>
-          <a:lstStyle>
-            <a:lvl1pPr marL="0" indent="0">
-              <a:buNone/>
-              <a:defRPr sz="1600"/>
-            </a:lvl1pPr>
-            <a:lvl2pPr marL="457200" indent="0">
-              <a:buNone/>
-              <a:defRPr sz="1400"/>
-            </a:lvl2pPr>
-            <a:lvl3pPr marL="914400" indent="0">
-              <a:buNone/>
-              <a:defRPr sz="1200"/>
-            </a:lvl3pPr>
-            <a:lvl4pPr marL="1371600" indent="0">
-              <a:buNone/>
-              <a:defRPr sz="1000"/>
-            </a:lvl4pPr>
-            <a:lvl5pPr marL="1828800" indent="0">
-              <a:buNone/>
-              <a:defRPr sz="1000"/>
-            </a:lvl5pPr>
-            <a:lvl6pPr marL="2286000" indent="0">
-              <a:buNone/>
-              <a:defRPr sz="1000"/>
-            </a:lvl6pPr>
-            <a:lvl7pPr marL="2743200" indent="0">
-              <a:buNone/>
-              <a:defRPr sz="1000"/>
-            </a:lvl7pPr>
-            <a:lvl8pPr marL="3200400" indent="0">
-              <a:buNone/>
-              <a:defRPr sz="1000"/>
-            </a:lvl8pPr>
-            <a:lvl9pPr marL="3657600" indent="0">
-              <a:buNone/>
-              <a:defRPr sz="1000"/>
-            </a:lvl9pPr>
-          </a:lstStyle>
-          <a:p>
-            <a:pPr lvl="0"/>
-            <a:r>
-              <a:rPr lang="en-GB"/>
-              <a:t>Click to edit Master text styles</a:t>
-            </a:r>
-          </a:p>
-        </p:txBody>
-      </p:sp>
-      <p:sp>
-        <p:nvSpPr>
-          <p:cNvPr id="5" name="Date Placeholder 4">
-            <a:extLst>
-              <a:ext uri="{FF2B5EF4-FFF2-40B4-BE49-F238E27FC236}">
-                <a16:creationId xmlns:a16="http://schemas.microsoft.com/office/drawing/2014/main" id="{4F5A81E5-F2D3-4795-6537-E9665DE32328}"/>
-              </a:ext>
-            </a:extLst>
-          </p:cNvPr>
-          <p:cNvSpPr>
-            <a:spLocks noGrp="1"/>
-          </p:cNvSpPr>
-          <p:nvPr>
-            <p:ph type="dt" sz="half" idx="10"/>
-          </p:nvPr>
-        </p:nvSpPr>
-        <p:spPr/>
-        <p:txBody>
-          <a:bodyPr/>
-          <a:lstStyle/>
-          <a:p>
-            <a:fld id="{DD6EBC61-6493-6943-BFC0-FEDAB404CC17}" type="datetimeFigureOut">
-              <a:rPr lang="en-NO" smtClean="0"/>
-              <a:t>09/02/2023</a:t>
-            </a:fld>
-            <a:endParaRPr lang="en-NO"/>
-          </a:p>
-        </p:txBody>
-      </p:sp>
-      <p:sp>
-        <p:nvSpPr>
-          <p:cNvPr id="6" name="Footer Placeholder 5">
-            <a:extLst>
-              <a:ext uri="{FF2B5EF4-FFF2-40B4-BE49-F238E27FC236}">
-                <a16:creationId xmlns:a16="http://schemas.microsoft.com/office/drawing/2014/main" id="{66F95264-43C8-CB4C-D04F-7F40F33ABEB2}"/>
-              </a:ext>
-            </a:extLst>
-          </p:cNvPr>
-          <p:cNvSpPr>
-            <a:spLocks noGrp="1"/>
-          </p:cNvSpPr>
-          <p:nvPr>
-            <p:ph type="ftr" sz="quarter" idx="11"/>
-          </p:nvPr>
-        </p:nvSpPr>
-        <p:spPr/>
-        <p:txBody>
-          <a:bodyPr/>
-          <a:lstStyle/>
-          <a:p>
-            <a:endParaRPr lang="en-NO"/>
-          </a:p>
-        </p:txBody>
-      </p:sp>
-      <p:sp>
-        <p:nvSpPr>
-          <p:cNvPr id="7" name="Slide Number Placeholder 6">
-            <a:extLst>
-              <a:ext uri="{FF2B5EF4-FFF2-40B4-BE49-F238E27FC236}">
-                <a16:creationId xmlns:a16="http://schemas.microsoft.com/office/drawing/2014/main" id="{FF52CCD9-BAAC-E2B0-F364-19B9ACDE5925}"/>
-              </a:ext>
-            </a:extLst>
-          </p:cNvPr>
-          <p:cNvSpPr>
-            <a:spLocks noGrp="1"/>
-          </p:cNvSpPr>
-          <p:nvPr>
-            <p:ph type="sldNum" sz="quarter" idx="12"/>
-          </p:nvPr>
-        </p:nvSpPr>
-        <p:spPr/>
-        <p:txBody>
-          <a:bodyPr/>
-          <a:lstStyle/>
-          <a:p>
-            <a:fld id="{538158FF-A7DF-BF42-A1A6-DB8EC7A9882E}" type="slidenum">
-              <a:rPr lang="en-NO" smtClean="0"/>
-              <a:t>‹#›</a:t>
-            </a:fld>
-            <a:endParaRPr lang="en-NO"/>
-          </a:p>
-        </p:txBody>
-      </p:sp>
-    </p:spTree>
-    <p:extLst>
-      <p:ext uri="{BB962C8B-B14F-4D97-AF65-F5344CB8AC3E}">
-        <p14:creationId xmlns:p14="http://schemas.microsoft.com/office/powerpoint/2010/main" val="3664351452"/>
-      </p:ext>
-    </p:extLst>
-  </p:cSld>
-  <p:clrMapOvr>
-    <a:masterClrMapping/>
-  </p:clrMapOvr>
-</p:sldLayout>
-</file>
-
-<file path=ppt/slideLayouts/slideLayout25.xml><?xml version="1.0" encoding="utf-8"?>
-<p:sldLayout xmlns:a="http://schemas.openxmlformats.org/drawingml/2006/main" xmlns:r="http://schemas.openxmlformats.org/officeDocument/2006/relationships" xmlns:p="http://schemas.openxmlformats.org/presentationml/2006/main" type="picTx" preserve="1">
-  <p:cSld name="Picture with Caption">
-    <p:spTree>
-      <p:nvGrpSpPr>
-        <p:cNvPr id="1" name=""/>
-        <p:cNvGrpSpPr/>
-        <p:nvPr/>
-      </p:nvGrpSpPr>
-      <p:grpSpPr>
-        <a:xfrm>
-          <a:off x="0" y="0"/>
-          <a:ext cx="0" cy="0"/>
-          <a:chOff x="0" y="0"/>
-          <a:chExt cx="0" cy="0"/>
-        </a:xfrm>
-      </p:grpSpPr>
-      <p:sp>
-        <p:nvSpPr>
-          <p:cNvPr id="2" name="Title 1">
-            <a:extLst>
-              <a:ext uri="{FF2B5EF4-FFF2-40B4-BE49-F238E27FC236}">
-                <a16:creationId xmlns:a16="http://schemas.microsoft.com/office/drawing/2014/main" id="{FA8C2248-12FC-D658-16F1-6F8A2381FA18}"/>
-              </a:ext>
-            </a:extLst>
-          </p:cNvPr>
-          <p:cNvSpPr>
-            <a:spLocks noGrp="1"/>
-          </p:cNvSpPr>
-          <p:nvPr>
-            <p:ph type="title"/>
-          </p:nvPr>
-        </p:nvSpPr>
-        <p:spPr>
-          <a:xfrm>
-            <a:off x="839788" y="457200"/>
-            <a:ext cx="3932237" cy="1600200"/>
-          </a:xfrm>
-        </p:spPr>
-        <p:txBody>
-          <a:bodyPr anchor="b"/>
-          <a:lstStyle>
-            <a:lvl1pPr>
-              <a:defRPr sz="3200"/>
-            </a:lvl1pPr>
-          </a:lstStyle>
-          <a:p>
-            <a:r>
-              <a:rPr lang="en-GB"/>
-              <a:t>Click to edit Master title style</a:t>
-            </a:r>
-            <a:endParaRPr lang="en-NO"/>
-          </a:p>
-        </p:txBody>
-      </p:sp>
-      <p:sp>
-        <p:nvSpPr>
-          <p:cNvPr id="3" name="Picture Placeholder 2">
-            <a:extLst>
-              <a:ext uri="{FF2B5EF4-FFF2-40B4-BE49-F238E27FC236}">
-                <a16:creationId xmlns:a16="http://schemas.microsoft.com/office/drawing/2014/main" id="{EB37C41A-A1F7-4E7C-4C04-D995969900D7}"/>
-              </a:ext>
-            </a:extLst>
-          </p:cNvPr>
-          <p:cNvSpPr>
-            <a:spLocks noGrp="1"/>
-          </p:cNvSpPr>
-          <p:nvPr>
-            <p:ph type="pic" idx="1"/>
-          </p:nvPr>
-        </p:nvSpPr>
-        <p:spPr>
-          <a:xfrm>
-            <a:off x="5183188" y="987425"/>
-            <a:ext cx="6172200" cy="4873625"/>
-          </a:xfrm>
-        </p:spPr>
-        <p:txBody>
-          <a:bodyPr/>
-          <a:lstStyle>
-            <a:lvl1pPr marL="0" indent="0">
-              <a:buNone/>
-              <a:defRPr sz="3200"/>
-            </a:lvl1pPr>
-            <a:lvl2pPr marL="457200" indent="0">
-              <a:buNone/>
-              <a:defRPr sz="2800"/>
-            </a:lvl2pPr>
-            <a:lvl3pPr marL="914400" indent="0">
-              <a:buNone/>
-              <a:defRPr sz="2400"/>
-            </a:lvl3pPr>
-            <a:lvl4pPr marL="1371600" indent="0">
-              <a:buNone/>
-              <a:defRPr sz="2000"/>
-            </a:lvl4pPr>
-            <a:lvl5pPr marL="1828800" indent="0">
-              <a:buNone/>
-              <a:defRPr sz="2000"/>
-            </a:lvl5pPr>
-            <a:lvl6pPr marL="2286000" indent="0">
-              <a:buNone/>
-              <a:defRPr sz="2000"/>
-            </a:lvl6pPr>
-            <a:lvl7pPr marL="2743200" indent="0">
-              <a:buNone/>
-              <a:defRPr sz="2000"/>
-            </a:lvl7pPr>
-            <a:lvl8pPr marL="3200400" indent="0">
-              <a:buNone/>
-              <a:defRPr sz="2000"/>
-            </a:lvl8pPr>
-            <a:lvl9pPr marL="3657600" indent="0">
-              <a:buNone/>
-              <a:defRPr sz="2000"/>
-            </a:lvl9pPr>
-          </a:lstStyle>
-          <a:p>
-            <a:endParaRPr lang="en-NO"/>
-          </a:p>
-        </p:txBody>
-      </p:sp>
-      <p:sp>
-        <p:nvSpPr>
-          <p:cNvPr id="4" name="Text Placeholder 3">
-            <a:extLst>
-              <a:ext uri="{FF2B5EF4-FFF2-40B4-BE49-F238E27FC236}">
-                <a16:creationId xmlns:a16="http://schemas.microsoft.com/office/drawing/2014/main" id="{2F0696B0-C746-B4A6-1F99-D51A5217F402}"/>
-              </a:ext>
-            </a:extLst>
-          </p:cNvPr>
-          <p:cNvSpPr>
-            <a:spLocks noGrp="1"/>
-          </p:cNvSpPr>
-          <p:nvPr>
-            <p:ph type="body" sz="half" idx="2"/>
-          </p:nvPr>
-        </p:nvSpPr>
-        <p:spPr>
-          <a:xfrm>
-            <a:off x="839788" y="2057400"/>
-            <a:ext cx="3932237" cy="3811588"/>
-          </a:xfrm>
-        </p:spPr>
-        <p:txBody>
-          <a:bodyPr/>
-          <a:lstStyle>
-            <a:lvl1pPr marL="0" indent="0">
-              <a:buNone/>
-              <a:defRPr sz="1600"/>
-            </a:lvl1pPr>
-            <a:lvl2pPr marL="457200" indent="0">
-              <a:buNone/>
-              <a:defRPr sz="1400"/>
-            </a:lvl2pPr>
-            <a:lvl3pPr marL="914400" indent="0">
-              <a:buNone/>
-              <a:defRPr sz="1200"/>
-            </a:lvl3pPr>
-            <a:lvl4pPr marL="1371600" indent="0">
-              <a:buNone/>
-              <a:defRPr sz="1000"/>
-            </a:lvl4pPr>
-            <a:lvl5pPr marL="1828800" indent="0">
-              <a:buNone/>
-              <a:defRPr sz="1000"/>
-            </a:lvl5pPr>
-            <a:lvl6pPr marL="2286000" indent="0">
-              <a:buNone/>
-              <a:defRPr sz="1000"/>
-            </a:lvl6pPr>
-            <a:lvl7pPr marL="2743200" indent="0">
-              <a:buNone/>
-              <a:defRPr sz="1000"/>
-            </a:lvl7pPr>
-            <a:lvl8pPr marL="3200400" indent="0">
-              <a:buNone/>
-              <a:defRPr sz="1000"/>
-            </a:lvl8pPr>
-            <a:lvl9pPr marL="3657600" indent="0">
-              <a:buNone/>
-              <a:defRPr sz="1000"/>
-            </a:lvl9pPr>
-          </a:lstStyle>
-          <a:p>
-            <a:pPr lvl="0"/>
-            <a:r>
-              <a:rPr lang="en-GB"/>
-              <a:t>Click to edit Master text styles</a:t>
-            </a:r>
-          </a:p>
-        </p:txBody>
-      </p:sp>
-      <p:sp>
-        <p:nvSpPr>
-          <p:cNvPr id="5" name="Date Placeholder 4">
-            <a:extLst>
-              <a:ext uri="{FF2B5EF4-FFF2-40B4-BE49-F238E27FC236}">
-                <a16:creationId xmlns:a16="http://schemas.microsoft.com/office/drawing/2014/main" id="{BBE135C5-5369-8F43-0FDA-FFC61CE44409}"/>
-              </a:ext>
-            </a:extLst>
-          </p:cNvPr>
-          <p:cNvSpPr>
-            <a:spLocks noGrp="1"/>
-          </p:cNvSpPr>
-          <p:nvPr>
-            <p:ph type="dt" sz="half" idx="10"/>
-          </p:nvPr>
-        </p:nvSpPr>
-        <p:spPr/>
-        <p:txBody>
-          <a:bodyPr/>
-          <a:lstStyle/>
-          <a:p>
-            <a:fld id="{DD6EBC61-6493-6943-BFC0-FEDAB404CC17}" type="datetimeFigureOut">
-              <a:rPr lang="en-NO" smtClean="0"/>
-              <a:t>09/02/2023</a:t>
-            </a:fld>
-            <a:endParaRPr lang="en-NO"/>
-          </a:p>
-        </p:txBody>
-      </p:sp>
-      <p:sp>
-        <p:nvSpPr>
-          <p:cNvPr id="6" name="Footer Placeholder 5">
-            <a:extLst>
-              <a:ext uri="{FF2B5EF4-FFF2-40B4-BE49-F238E27FC236}">
-                <a16:creationId xmlns:a16="http://schemas.microsoft.com/office/drawing/2014/main" id="{F1144886-AB42-A3B9-3A4C-34A7EC7F8E7D}"/>
-              </a:ext>
-            </a:extLst>
-          </p:cNvPr>
-          <p:cNvSpPr>
-            <a:spLocks noGrp="1"/>
-          </p:cNvSpPr>
-          <p:nvPr>
-            <p:ph type="ftr" sz="quarter" idx="11"/>
-          </p:nvPr>
-        </p:nvSpPr>
-        <p:spPr/>
-        <p:txBody>
-          <a:bodyPr/>
-          <a:lstStyle/>
-          <a:p>
-            <a:endParaRPr lang="en-NO"/>
-          </a:p>
-        </p:txBody>
-      </p:sp>
-      <p:sp>
-        <p:nvSpPr>
-          <p:cNvPr id="7" name="Slide Number Placeholder 6">
-            <a:extLst>
-              <a:ext uri="{FF2B5EF4-FFF2-40B4-BE49-F238E27FC236}">
-                <a16:creationId xmlns:a16="http://schemas.microsoft.com/office/drawing/2014/main" id="{E536630B-E468-4C4E-8D09-D62654DF9C2C}"/>
-              </a:ext>
-            </a:extLst>
-          </p:cNvPr>
-          <p:cNvSpPr>
-            <a:spLocks noGrp="1"/>
-          </p:cNvSpPr>
-          <p:nvPr>
-            <p:ph type="sldNum" sz="quarter" idx="12"/>
-          </p:nvPr>
-        </p:nvSpPr>
-        <p:spPr/>
-        <p:txBody>
-          <a:bodyPr/>
-          <a:lstStyle/>
-          <a:p>
-            <a:fld id="{538158FF-A7DF-BF42-A1A6-DB8EC7A9882E}" type="slidenum">
-              <a:rPr lang="en-NO" smtClean="0"/>
-              <a:t>‹#›</a:t>
-            </a:fld>
-            <a:endParaRPr lang="en-NO"/>
-          </a:p>
-        </p:txBody>
-      </p:sp>
-    </p:spTree>
-    <p:extLst>
-      <p:ext uri="{BB962C8B-B14F-4D97-AF65-F5344CB8AC3E}">
-        <p14:creationId xmlns:p14="http://schemas.microsoft.com/office/powerpoint/2010/main" val="20268973"/>
-      </p:ext>
-    </p:extLst>
-  </p:cSld>
-  <p:clrMapOvr>
-    <a:masterClrMapping/>
-  </p:clrMapOvr>
-</p:sldLayout>
-</file>
-
-<file path=ppt/slideLayouts/slideLayout26.xml><?xml version="1.0" encoding="utf-8"?>
-<p:sldLayout xmlns:a="http://schemas.openxmlformats.org/drawingml/2006/main" xmlns:r="http://schemas.openxmlformats.org/officeDocument/2006/relationships" xmlns:p="http://schemas.openxmlformats.org/presentationml/2006/main" type="vertTx" preserve="1">
-  <p:cSld name="Title and Vertical Text">
-    <p:spTree>
-      <p:nvGrpSpPr>
-        <p:cNvPr id="1" name=""/>
-        <p:cNvGrpSpPr/>
-        <p:nvPr/>
-      </p:nvGrpSpPr>
-      <p:grpSpPr>
-        <a:xfrm>
-          <a:off x="0" y="0"/>
-          <a:ext cx="0" cy="0"/>
-          <a:chOff x="0" y="0"/>
-          <a:chExt cx="0" cy="0"/>
-        </a:xfrm>
-      </p:grpSpPr>
-      <p:sp>
-        <p:nvSpPr>
-          <p:cNvPr id="2" name="Title 1">
-            <a:extLst>
-              <a:ext uri="{FF2B5EF4-FFF2-40B4-BE49-F238E27FC236}">
-                <a16:creationId xmlns:a16="http://schemas.microsoft.com/office/drawing/2014/main" id="{D2877DDE-E58A-F882-5693-3677113E5CE4}"/>
-              </a:ext>
-            </a:extLst>
-          </p:cNvPr>
-          <p:cNvSpPr>
-            <a:spLocks noGrp="1"/>
-          </p:cNvSpPr>
-          <p:nvPr>
-            <p:ph type="title"/>
-          </p:nvPr>
-        </p:nvSpPr>
-        <p:spPr/>
-        <p:txBody>
-          <a:bodyPr/>
-          <a:lstStyle/>
-          <a:p>
-            <a:r>
-              <a:rPr lang="en-GB"/>
-              <a:t>Click to edit Master title style</a:t>
-            </a:r>
-            <a:endParaRPr lang="en-NO"/>
-          </a:p>
-        </p:txBody>
-      </p:sp>
-      <p:sp>
-        <p:nvSpPr>
-          <p:cNvPr id="3" name="Vertical Text Placeholder 2">
-            <a:extLst>
-              <a:ext uri="{FF2B5EF4-FFF2-40B4-BE49-F238E27FC236}">
-                <a16:creationId xmlns:a16="http://schemas.microsoft.com/office/drawing/2014/main" id="{AE2F361E-C12C-1A89-8474-308A975570FB}"/>
-              </a:ext>
-            </a:extLst>
-          </p:cNvPr>
-          <p:cNvSpPr>
-            <a:spLocks noGrp="1"/>
-          </p:cNvSpPr>
-          <p:nvPr>
-            <p:ph type="body" orient="vert" idx="1"/>
-          </p:nvPr>
-        </p:nvSpPr>
-        <p:spPr/>
-        <p:txBody>
-          <a:bodyPr vert="eaVert"/>
-          <a:lstStyle/>
-          <a:p>
-            <a:pPr lvl="0"/>
-            <a:r>
-              <a:rPr lang="en-GB"/>
-              <a:t>Click to edit Master text styles</a:t>
-            </a:r>
-          </a:p>
-          <a:p>
-            <a:pPr lvl="1"/>
-            <a:r>
-              <a:rPr lang="en-GB"/>
-              <a:t>Second level</a:t>
-            </a:r>
-          </a:p>
-          <a:p>
-            <a:pPr lvl="2"/>
-            <a:r>
-              <a:rPr lang="en-GB"/>
-              <a:t>Third level</a:t>
-            </a:r>
-          </a:p>
-          <a:p>
-            <a:pPr lvl="3"/>
-            <a:r>
-              <a:rPr lang="en-GB"/>
-              <a:t>Fourth level</a:t>
-            </a:r>
-          </a:p>
-          <a:p>
-            <a:pPr lvl="4"/>
-            <a:r>
-              <a:rPr lang="en-GB"/>
-              <a:t>Fifth level</a:t>
-            </a:r>
-            <a:endParaRPr lang="en-NO"/>
-          </a:p>
-        </p:txBody>
-      </p:sp>
-      <p:sp>
-        <p:nvSpPr>
-          <p:cNvPr id="4" name="Date Placeholder 3">
-            <a:extLst>
-              <a:ext uri="{FF2B5EF4-FFF2-40B4-BE49-F238E27FC236}">
-                <a16:creationId xmlns:a16="http://schemas.microsoft.com/office/drawing/2014/main" id="{7578D924-1BC5-D794-4DD9-1FAA004DDC79}"/>
-              </a:ext>
-            </a:extLst>
-          </p:cNvPr>
-          <p:cNvSpPr>
-            <a:spLocks noGrp="1"/>
-          </p:cNvSpPr>
-          <p:nvPr>
-            <p:ph type="dt" sz="half" idx="10"/>
-          </p:nvPr>
-        </p:nvSpPr>
-        <p:spPr/>
-        <p:txBody>
-          <a:bodyPr/>
-          <a:lstStyle/>
-          <a:p>
-            <a:fld id="{DD6EBC61-6493-6943-BFC0-FEDAB404CC17}" type="datetimeFigureOut">
-              <a:rPr lang="en-NO" smtClean="0"/>
-              <a:t>09/02/2023</a:t>
-            </a:fld>
-            <a:endParaRPr lang="en-NO"/>
-          </a:p>
-        </p:txBody>
-      </p:sp>
-      <p:sp>
-        <p:nvSpPr>
-          <p:cNvPr id="5" name="Footer Placeholder 4">
-            <a:extLst>
-              <a:ext uri="{FF2B5EF4-FFF2-40B4-BE49-F238E27FC236}">
-                <a16:creationId xmlns:a16="http://schemas.microsoft.com/office/drawing/2014/main" id="{CD5C02EF-4417-C4C2-C048-B050F740401D}"/>
-              </a:ext>
-            </a:extLst>
-          </p:cNvPr>
-          <p:cNvSpPr>
-            <a:spLocks noGrp="1"/>
-          </p:cNvSpPr>
-          <p:nvPr>
-            <p:ph type="ftr" sz="quarter" idx="11"/>
-          </p:nvPr>
-        </p:nvSpPr>
-        <p:spPr/>
-        <p:txBody>
-          <a:bodyPr/>
-          <a:lstStyle/>
-          <a:p>
-            <a:endParaRPr lang="en-NO"/>
-          </a:p>
-        </p:txBody>
-      </p:sp>
-      <p:sp>
-        <p:nvSpPr>
-          <p:cNvPr id="6" name="Slide Number Placeholder 5">
-            <a:extLst>
-              <a:ext uri="{FF2B5EF4-FFF2-40B4-BE49-F238E27FC236}">
-                <a16:creationId xmlns:a16="http://schemas.microsoft.com/office/drawing/2014/main" id="{BCAAB4C4-4F2F-E306-3D2A-E703AA693A0F}"/>
-              </a:ext>
-            </a:extLst>
-          </p:cNvPr>
-          <p:cNvSpPr>
-            <a:spLocks noGrp="1"/>
-          </p:cNvSpPr>
-          <p:nvPr>
-            <p:ph type="sldNum" sz="quarter" idx="12"/>
-          </p:nvPr>
-        </p:nvSpPr>
-        <p:spPr/>
-        <p:txBody>
-          <a:bodyPr/>
-          <a:lstStyle/>
-          <a:p>
-            <a:fld id="{538158FF-A7DF-BF42-A1A6-DB8EC7A9882E}" type="slidenum">
-              <a:rPr lang="en-NO" smtClean="0"/>
-              <a:t>‹#›</a:t>
-            </a:fld>
-            <a:endParaRPr lang="en-NO"/>
-          </a:p>
-        </p:txBody>
-      </p:sp>
-    </p:spTree>
-    <p:extLst>
-      <p:ext uri="{BB962C8B-B14F-4D97-AF65-F5344CB8AC3E}">
-        <p14:creationId xmlns:p14="http://schemas.microsoft.com/office/powerpoint/2010/main" val="3956684877"/>
-      </p:ext>
-    </p:extLst>
-  </p:cSld>
-  <p:clrMapOvr>
-    <a:masterClrMapping/>
-  </p:clrMapOvr>
-</p:sldLayout>
-</file>
-
-<file path=ppt/slideLayouts/slideLayout27.xml><?xml version="1.0" encoding="utf-8"?>
-<p:sldLayout xmlns:a="http://schemas.openxmlformats.org/drawingml/2006/main" xmlns:r="http://schemas.openxmlformats.org/officeDocument/2006/relationships" xmlns:p="http://schemas.openxmlformats.org/presentationml/2006/main" type="vertTitleAndTx" preserve="1">
-  <p:cSld name="Vertical Title and Text">
-    <p:spTree>
-      <p:nvGrpSpPr>
-        <p:cNvPr id="1" name=""/>
-        <p:cNvGrpSpPr/>
-        <p:nvPr/>
-      </p:nvGrpSpPr>
-      <p:grpSpPr>
-        <a:xfrm>
-          <a:off x="0" y="0"/>
-          <a:ext cx="0" cy="0"/>
-          <a:chOff x="0" y="0"/>
-          <a:chExt cx="0" cy="0"/>
-        </a:xfrm>
-      </p:grpSpPr>
-      <p:sp>
-        <p:nvSpPr>
-          <p:cNvPr id="2" name="Vertical Title 1">
-            <a:extLst>
-              <a:ext uri="{FF2B5EF4-FFF2-40B4-BE49-F238E27FC236}">
-                <a16:creationId xmlns:a16="http://schemas.microsoft.com/office/drawing/2014/main" id="{AFAD423F-7794-68D0-A867-145334D83D91}"/>
-              </a:ext>
-            </a:extLst>
-          </p:cNvPr>
-          <p:cNvSpPr>
-            <a:spLocks noGrp="1"/>
-          </p:cNvSpPr>
-          <p:nvPr>
-            <p:ph type="title" orient="vert"/>
-          </p:nvPr>
-        </p:nvSpPr>
-        <p:spPr>
-          <a:xfrm>
-            <a:off x="8724900" y="365125"/>
-            <a:ext cx="2628900" cy="5811838"/>
-          </a:xfrm>
-        </p:spPr>
-        <p:txBody>
-          <a:bodyPr vert="eaVert"/>
-          <a:lstStyle/>
-          <a:p>
-            <a:r>
-              <a:rPr lang="en-GB"/>
-              <a:t>Click to edit Master title style</a:t>
-            </a:r>
-            <a:endParaRPr lang="en-NO"/>
-          </a:p>
-        </p:txBody>
-      </p:sp>
-      <p:sp>
-        <p:nvSpPr>
-          <p:cNvPr id="3" name="Vertical Text Placeholder 2">
-            <a:extLst>
-              <a:ext uri="{FF2B5EF4-FFF2-40B4-BE49-F238E27FC236}">
-                <a16:creationId xmlns:a16="http://schemas.microsoft.com/office/drawing/2014/main" id="{CC947388-7409-506A-8002-B8ED97FD4CC4}"/>
-              </a:ext>
-            </a:extLst>
-          </p:cNvPr>
-          <p:cNvSpPr>
-            <a:spLocks noGrp="1"/>
-          </p:cNvSpPr>
-          <p:nvPr>
-            <p:ph type="body" orient="vert" idx="1"/>
-          </p:nvPr>
-        </p:nvSpPr>
-        <p:spPr>
-          <a:xfrm>
-            <a:off x="838200" y="365125"/>
-            <a:ext cx="7734300" cy="5811838"/>
-          </a:xfrm>
-        </p:spPr>
-        <p:txBody>
-          <a:bodyPr vert="eaVert"/>
-          <a:lstStyle/>
-          <a:p>
-            <a:pPr lvl="0"/>
-            <a:r>
-              <a:rPr lang="en-GB"/>
-              <a:t>Click to edit Master text styles</a:t>
-            </a:r>
-          </a:p>
-          <a:p>
-            <a:pPr lvl="1"/>
-            <a:r>
-              <a:rPr lang="en-GB"/>
-              <a:t>Second level</a:t>
-            </a:r>
-          </a:p>
-          <a:p>
-            <a:pPr lvl="2"/>
-            <a:r>
-              <a:rPr lang="en-GB"/>
-              <a:t>Third level</a:t>
-            </a:r>
-          </a:p>
-          <a:p>
-            <a:pPr lvl="3"/>
-            <a:r>
-              <a:rPr lang="en-GB"/>
-              <a:t>Fourth level</a:t>
-            </a:r>
-          </a:p>
-          <a:p>
-            <a:pPr lvl="4"/>
-            <a:r>
-              <a:rPr lang="en-GB"/>
-              <a:t>Fifth level</a:t>
-            </a:r>
-            <a:endParaRPr lang="en-NO"/>
-          </a:p>
-        </p:txBody>
-      </p:sp>
-      <p:sp>
-        <p:nvSpPr>
-          <p:cNvPr id="4" name="Date Placeholder 3">
-            <a:extLst>
-              <a:ext uri="{FF2B5EF4-FFF2-40B4-BE49-F238E27FC236}">
-                <a16:creationId xmlns:a16="http://schemas.microsoft.com/office/drawing/2014/main" id="{887B418C-4E65-3506-2DF6-699A7A50616D}"/>
-              </a:ext>
-            </a:extLst>
-          </p:cNvPr>
-          <p:cNvSpPr>
-            <a:spLocks noGrp="1"/>
-          </p:cNvSpPr>
-          <p:nvPr>
-            <p:ph type="dt" sz="half" idx="10"/>
-          </p:nvPr>
-        </p:nvSpPr>
-        <p:spPr/>
-        <p:txBody>
-          <a:bodyPr/>
-          <a:lstStyle/>
-          <a:p>
-            <a:fld id="{DD6EBC61-6493-6943-BFC0-FEDAB404CC17}" type="datetimeFigureOut">
-              <a:rPr lang="en-NO" smtClean="0"/>
-              <a:t>09/02/2023</a:t>
-            </a:fld>
-            <a:endParaRPr lang="en-NO"/>
-          </a:p>
-        </p:txBody>
-      </p:sp>
-      <p:sp>
-        <p:nvSpPr>
-          <p:cNvPr id="5" name="Footer Placeholder 4">
-            <a:extLst>
-              <a:ext uri="{FF2B5EF4-FFF2-40B4-BE49-F238E27FC236}">
-                <a16:creationId xmlns:a16="http://schemas.microsoft.com/office/drawing/2014/main" id="{F02C2B6E-1506-167A-03BC-965F8BFE1887}"/>
-              </a:ext>
-            </a:extLst>
-          </p:cNvPr>
-          <p:cNvSpPr>
-            <a:spLocks noGrp="1"/>
-          </p:cNvSpPr>
-          <p:nvPr>
-            <p:ph type="ftr" sz="quarter" idx="11"/>
-          </p:nvPr>
-        </p:nvSpPr>
-        <p:spPr/>
-        <p:txBody>
-          <a:bodyPr/>
-          <a:lstStyle/>
-          <a:p>
-            <a:endParaRPr lang="en-NO"/>
-          </a:p>
-        </p:txBody>
-      </p:sp>
-      <p:sp>
-        <p:nvSpPr>
-          <p:cNvPr id="6" name="Slide Number Placeholder 5">
-            <a:extLst>
-              <a:ext uri="{FF2B5EF4-FFF2-40B4-BE49-F238E27FC236}">
-                <a16:creationId xmlns:a16="http://schemas.microsoft.com/office/drawing/2014/main" id="{9552969C-9A2A-3393-EA5C-9AD911918E1F}"/>
-              </a:ext>
-            </a:extLst>
-          </p:cNvPr>
-          <p:cNvSpPr>
-            <a:spLocks noGrp="1"/>
-          </p:cNvSpPr>
-          <p:nvPr>
-            <p:ph type="sldNum" sz="quarter" idx="12"/>
-          </p:nvPr>
-        </p:nvSpPr>
-        <p:spPr/>
-        <p:txBody>
-          <a:bodyPr/>
-          <a:lstStyle/>
-          <a:p>
-            <a:fld id="{538158FF-A7DF-BF42-A1A6-DB8EC7A9882E}" type="slidenum">
-              <a:rPr lang="en-NO" smtClean="0"/>
-              <a:t>‹#›</a:t>
-            </a:fld>
-            <a:endParaRPr lang="en-NO"/>
-          </a:p>
-        </p:txBody>
-      </p:sp>
-    </p:spTree>
-    <p:extLst>
-      <p:ext uri="{BB962C8B-B14F-4D97-AF65-F5344CB8AC3E}">
-        <p14:creationId xmlns:p14="http://schemas.microsoft.com/office/powerpoint/2010/main" val="4281769892"/>
-      </p:ext>
-    </p:extLst>
   </p:cSld>
   <p:clrMapOvr>
     <a:masterClrMapping/>
@@ -5955,7 +3163,7 @@
             <a:fld id="{B61BEF0D-F0BB-DE4B-95CE-6DB70DBA9567}" type="datetimeFigureOut">
               <a:rPr lang="en-US"/>
               <a:pPr/>
-              <a:t>9/2/2023</a:t>
+              <a:t>10/6/2023</a:t>
             </a:fld>
             <a:endParaRPr lang="en-US"/>
           </a:p>
@@ -6183,7 +3391,7 @@
           <a:p>
             <a:fld id="{EB712588-04B1-427B-82EE-E8DB90309F08}" type="datetimeFigureOut">
               <a:rPr lang="en-US"/>
-              <a:t>9/2/2023</a:t>
+              <a:t>10/6/2023</a:t>
             </a:fld>
             <a:endParaRPr lang="en-US"/>
           </a:p>
@@ -6553,7 +3761,7 @@
             <a:fld id="{B61BEF0D-F0BB-DE4B-95CE-6DB70DBA9567}" type="datetimeFigureOut">
               <a:rPr lang="en-US"/>
               <a:pPr/>
-              <a:t>9/2/2023</a:t>
+              <a:t>10/6/2023</a:t>
             </a:fld>
             <a:endParaRPr lang="en-US"/>
           </a:p>
@@ -6673,7 +3881,7 @@
             <a:fld id="{B61BEF0D-F0BB-DE4B-95CE-6DB70DBA9567}" type="datetimeFigureOut">
               <a:rPr lang="en-US"/>
               <a:pPr/>
-              <a:t>9/2/2023</a:t>
+              <a:t>10/6/2023</a:t>
             </a:fld>
             <a:endParaRPr lang="en-US"/>
           </a:p>
@@ -6765,7 +3973,7 @@
             <a:fld id="{B61BEF0D-F0BB-DE4B-95CE-6DB70DBA9567}" type="datetimeFigureOut">
               <a:rPr lang="en-US"/>
               <a:pPr/>
-              <a:t>9/2/2023</a:t>
+              <a:t>10/6/2023</a:t>
             </a:fld>
             <a:endParaRPr lang="en-US"/>
           </a:p>
@@ -7016,7 +4224,7 @@
           <a:p>
             <a:fld id="{42A54C80-263E-416B-A8E0-580EDEADCBDC}" type="datetimeFigureOut">
               <a:rPr lang="en-US"/>
-              <a:t>9/2/2023</a:t>
+              <a:t>10/6/2023</a:t>
             </a:fld>
             <a:endParaRPr lang="en-US"/>
           </a:p>
@@ -7275,7 +4483,7 @@
             <a:fld id="{B61BEF0D-F0BB-DE4B-95CE-6DB70DBA9567}" type="datetimeFigureOut">
               <a:rPr lang="en-US"/>
               <a:pPr/>
-              <a:t>9/2/2023</a:t>
+              <a:t>10/6/2023</a:t>
             </a:fld>
             <a:endParaRPr lang="en-US"/>
           </a:p>
@@ -7500,7 +4708,7 @@
             <a:fld id="{B61BEF0D-F0BB-DE4B-95CE-6DB70DBA9567}" type="datetimeFigureOut">
               <a:rPr lang="en-US"/>
               <a:pPr/>
-              <a:t>9/2/2023</a:t>
+              <a:t>10/6/2023</a:t>
             </a:fld>
             <a:endParaRPr lang="en-US"/>
           </a:p>
@@ -8039,576 +5247,6 @@
 </p:sldMaster>
 </file>
 
-<file path=ppt/slideMasters/slideMaster2.xml><?xml version="1.0" encoding="utf-8"?>
-<p:sldMaster xmlns:a="http://schemas.openxmlformats.org/drawingml/2006/main" xmlns:r="http://schemas.openxmlformats.org/officeDocument/2006/relationships" xmlns:p="http://schemas.openxmlformats.org/presentationml/2006/main">
-  <p:cSld>
-    <p:bg>
-      <p:bgRef idx="1001">
-        <a:schemeClr val="bg1"/>
-      </p:bgRef>
-    </p:bg>
-    <p:spTree>
-      <p:nvGrpSpPr>
-        <p:cNvPr id="1" name=""/>
-        <p:cNvGrpSpPr/>
-        <p:nvPr/>
-      </p:nvGrpSpPr>
-      <p:grpSpPr>
-        <a:xfrm>
-          <a:off x="0" y="0"/>
-          <a:ext cx="0" cy="0"/>
-          <a:chOff x="0" y="0"/>
-          <a:chExt cx="0" cy="0"/>
-        </a:xfrm>
-      </p:grpSpPr>
-      <p:sp>
-        <p:nvSpPr>
-          <p:cNvPr id="2" name="Title Placeholder 1">
-            <a:extLst>
-              <a:ext uri="{FF2B5EF4-FFF2-40B4-BE49-F238E27FC236}">
-                <a16:creationId xmlns:a16="http://schemas.microsoft.com/office/drawing/2014/main" id="{BECE41E0-4198-634A-5109-D9D570D38D3A}"/>
-              </a:ext>
-            </a:extLst>
-          </p:cNvPr>
-          <p:cNvSpPr>
-            <a:spLocks noGrp="1"/>
-          </p:cNvSpPr>
-          <p:nvPr>
-            <p:ph type="title"/>
-          </p:nvPr>
-        </p:nvSpPr>
-        <p:spPr>
-          <a:xfrm>
-            <a:off x="838200" y="365125"/>
-            <a:ext cx="10515600" cy="1325563"/>
-          </a:xfrm>
-          <a:prstGeom prst="rect">
-            <a:avLst/>
-          </a:prstGeom>
-        </p:spPr>
-        <p:txBody>
-          <a:bodyPr vert="horz" lIns="91440" tIns="45720" rIns="91440" bIns="45720" rtlCol="0" anchor="ctr">
-            <a:normAutofit/>
-          </a:bodyPr>
-          <a:lstStyle/>
-          <a:p>
-            <a:r>
-              <a:rPr lang="en-GB"/>
-              <a:t>Click to edit Master title style</a:t>
-            </a:r>
-            <a:endParaRPr lang="en-NO"/>
-          </a:p>
-        </p:txBody>
-      </p:sp>
-      <p:sp>
-        <p:nvSpPr>
-          <p:cNvPr id="3" name="Text Placeholder 2">
-            <a:extLst>
-              <a:ext uri="{FF2B5EF4-FFF2-40B4-BE49-F238E27FC236}">
-                <a16:creationId xmlns:a16="http://schemas.microsoft.com/office/drawing/2014/main" id="{1AC549B9-70F4-0315-693E-E0D11FC91143}"/>
-              </a:ext>
-            </a:extLst>
-          </p:cNvPr>
-          <p:cNvSpPr>
-            <a:spLocks noGrp="1"/>
-          </p:cNvSpPr>
-          <p:nvPr>
-            <p:ph type="body" idx="1"/>
-          </p:nvPr>
-        </p:nvSpPr>
-        <p:spPr>
-          <a:xfrm>
-            <a:off x="838200" y="1825625"/>
-            <a:ext cx="10515600" cy="4351338"/>
-          </a:xfrm>
-          <a:prstGeom prst="rect">
-            <a:avLst/>
-          </a:prstGeom>
-        </p:spPr>
-        <p:txBody>
-          <a:bodyPr vert="horz" lIns="91440" tIns="45720" rIns="91440" bIns="45720" rtlCol="0">
-            <a:normAutofit/>
-          </a:bodyPr>
-          <a:lstStyle/>
-          <a:p>
-            <a:pPr lvl="0"/>
-            <a:r>
-              <a:rPr lang="en-GB"/>
-              <a:t>Click to edit Master text styles</a:t>
-            </a:r>
-          </a:p>
-          <a:p>
-            <a:pPr lvl="1"/>
-            <a:r>
-              <a:rPr lang="en-GB"/>
-              <a:t>Second level</a:t>
-            </a:r>
-          </a:p>
-          <a:p>
-            <a:pPr lvl="2"/>
-            <a:r>
-              <a:rPr lang="en-GB"/>
-              <a:t>Third level</a:t>
-            </a:r>
-          </a:p>
-          <a:p>
-            <a:pPr lvl="3"/>
-            <a:r>
-              <a:rPr lang="en-GB"/>
-              <a:t>Fourth level</a:t>
-            </a:r>
-          </a:p>
-          <a:p>
-            <a:pPr lvl="4"/>
-            <a:r>
-              <a:rPr lang="en-GB"/>
-              <a:t>Fifth level</a:t>
-            </a:r>
-            <a:endParaRPr lang="en-NO"/>
-          </a:p>
-        </p:txBody>
-      </p:sp>
-      <p:sp>
-        <p:nvSpPr>
-          <p:cNvPr id="4" name="Date Placeholder 3">
-            <a:extLst>
-              <a:ext uri="{FF2B5EF4-FFF2-40B4-BE49-F238E27FC236}">
-                <a16:creationId xmlns:a16="http://schemas.microsoft.com/office/drawing/2014/main" id="{9E076994-A343-2FE2-2885-EB961F7E8E2E}"/>
-              </a:ext>
-            </a:extLst>
-          </p:cNvPr>
-          <p:cNvSpPr>
-            <a:spLocks noGrp="1"/>
-          </p:cNvSpPr>
-          <p:nvPr>
-            <p:ph type="dt" sz="half" idx="2"/>
-          </p:nvPr>
-        </p:nvSpPr>
-        <p:spPr>
-          <a:xfrm>
-            <a:off x="838200" y="6356350"/>
-            <a:ext cx="2743200" cy="365125"/>
-          </a:xfrm>
-          <a:prstGeom prst="rect">
-            <a:avLst/>
-          </a:prstGeom>
-        </p:spPr>
-        <p:txBody>
-          <a:bodyPr vert="horz" lIns="91440" tIns="45720" rIns="91440" bIns="45720" rtlCol="0" anchor="ctr"/>
-          <a:lstStyle>
-            <a:lvl1pPr algn="l">
-              <a:defRPr sz="1200">
-                <a:solidFill>
-                  <a:schemeClr val="tx1">
-                    <a:tint val="75000"/>
-                  </a:schemeClr>
-                </a:solidFill>
-              </a:defRPr>
-            </a:lvl1pPr>
-          </a:lstStyle>
-          <a:p>
-            <a:fld id="{DD6EBC61-6493-6943-BFC0-FEDAB404CC17}" type="datetimeFigureOut">
-              <a:rPr lang="en-NO" smtClean="0"/>
-              <a:t>09/02/2023</a:t>
-            </a:fld>
-            <a:endParaRPr lang="en-NO"/>
-          </a:p>
-        </p:txBody>
-      </p:sp>
-      <p:sp>
-        <p:nvSpPr>
-          <p:cNvPr id="5" name="Footer Placeholder 4">
-            <a:extLst>
-              <a:ext uri="{FF2B5EF4-FFF2-40B4-BE49-F238E27FC236}">
-                <a16:creationId xmlns:a16="http://schemas.microsoft.com/office/drawing/2014/main" id="{080FE761-BE5D-2F46-4641-26C400DFE35D}"/>
-              </a:ext>
-            </a:extLst>
-          </p:cNvPr>
-          <p:cNvSpPr>
-            <a:spLocks noGrp="1"/>
-          </p:cNvSpPr>
-          <p:nvPr>
-            <p:ph type="ftr" sz="quarter" idx="3"/>
-          </p:nvPr>
-        </p:nvSpPr>
-        <p:spPr>
-          <a:xfrm>
-            <a:off x="4038600" y="6356350"/>
-            <a:ext cx="4114800" cy="365125"/>
-          </a:xfrm>
-          <a:prstGeom prst="rect">
-            <a:avLst/>
-          </a:prstGeom>
-        </p:spPr>
-        <p:txBody>
-          <a:bodyPr vert="horz" lIns="91440" tIns="45720" rIns="91440" bIns="45720" rtlCol="0" anchor="ctr"/>
-          <a:lstStyle>
-            <a:lvl1pPr algn="ctr">
-              <a:defRPr sz="1200">
-                <a:solidFill>
-                  <a:schemeClr val="tx1">
-                    <a:tint val="75000"/>
-                  </a:schemeClr>
-                </a:solidFill>
-              </a:defRPr>
-            </a:lvl1pPr>
-          </a:lstStyle>
-          <a:p>
-            <a:endParaRPr lang="en-NO"/>
-          </a:p>
-        </p:txBody>
-      </p:sp>
-      <p:sp>
-        <p:nvSpPr>
-          <p:cNvPr id="6" name="Slide Number Placeholder 5">
-            <a:extLst>
-              <a:ext uri="{FF2B5EF4-FFF2-40B4-BE49-F238E27FC236}">
-                <a16:creationId xmlns:a16="http://schemas.microsoft.com/office/drawing/2014/main" id="{6B4C6E91-15C1-AB93-9E2E-E6B863374A9F}"/>
-              </a:ext>
-            </a:extLst>
-          </p:cNvPr>
-          <p:cNvSpPr>
-            <a:spLocks noGrp="1"/>
-          </p:cNvSpPr>
-          <p:nvPr>
-            <p:ph type="sldNum" sz="quarter" idx="4"/>
-          </p:nvPr>
-        </p:nvSpPr>
-        <p:spPr>
-          <a:xfrm>
-            <a:off x="8610600" y="6356350"/>
-            <a:ext cx="2743200" cy="365125"/>
-          </a:xfrm>
-          <a:prstGeom prst="rect">
-            <a:avLst/>
-          </a:prstGeom>
-        </p:spPr>
-        <p:txBody>
-          <a:bodyPr vert="horz" lIns="91440" tIns="45720" rIns="91440" bIns="45720" rtlCol="0" anchor="ctr"/>
-          <a:lstStyle>
-            <a:lvl1pPr algn="r">
-              <a:defRPr sz="1200">
-                <a:solidFill>
-                  <a:schemeClr val="tx1">
-                    <a:tint val="75000"/>
-                  </a:schemeClr>
-                </a:solidFill>
-              </a:defRPr>
-            </a:lvl1pPr>
-          </a:lstStyle>
-          <a:p>
-            <a:fld id="{538158FF-A7DF-BF42-A1A6-DB8EC7A9882E}" type="slidenum">
-              <a:rPr lang="en-NO" smtClean="0"/>
-              <a:t>‹#›</a:t>
-            </a:fld>
-            <a:endParaRPr lang="en-NO"/>
-          </a:p>
-        </p:txBody>
-      </p:sp>
-    </p:spTree>
-    <p:extLst>
-      <p:ext uri="{BB962C8B-B14F-4D97-AF65-F5344CB8AC3E}">
-        <p14:creationId xmlns:p14="http://schemas.microsoft.com/office/powerpoint/2010/main" val="1873527727"/>
-      </p:ext>
-    </p:extLst>
-  </p:cSld>
-  <p:clrMap bg1="lt1" tx1="dk1" bg2="lt2" tx2="dk2" accent1="accent1" accent2="accent2" accent3="accent3" accent4="accent4" accent5="accent5" accent6="accent6" hlink="hlink" folHlink="folHlink"/>
-  <p:sldLayoutIdLst>
-    <p:sldLayoutId id="2147483669" r:id="rId1"/>
-    <p:sldLayoutId id="2147483670" r:id="rId2"/>
-    <p:sldLayoutId id="2147483671" r:id="rId3"/>
-    <p:sldLayoutId id="2147483672" r:id="rId4"/>
-    <p:sldLayoutId id="2147483673" r:id="rId5"/>
-    <p:sldLayoutId id="2147483674" r:id="rId6"/>
-    <p:sldLayoutId id="2147483675" r:id="rId7"/>
-    <p:sldLayoutId id="2147483676" r:id="rId8"/>
-    <p:sldLayoutId id="2147483677" r:id="rId9"/>
-    <p:sldLayoutId id="2147483678" r:id="rId10"/>
-    <p:sldLayoutId id="2147483679" r:id="rId11"/>
-  </p:sldLayoutIdLst>
-  <p:txStyles>
-    <p:titleStyle>
-      <a:lvl1pPr algn="l" defTabSz="914400" rtl="0" eaLnBrk="1" latinLnBrk="0" hangingPunct="1">
-        <a:lnSpc>
-          <a:spcPct val="90000"/>
-        </a:lnSpc>
-        <a:spcBef>
-          <a:spcPct val="0"/>
-        </a:spcBef>
-        <a:buNone/>
-        <a:defRPr sz="4400" kern="1200">
-          <a:solidFill>
-            <a:schemeClr val="tx1"/>
-          </a:solidFill>
-          <a:latin typeface="+mj-lt"/>
-          <a:ea typeface="+mj-ea"/>
-          <a:cs typeface="+mj-cs"/>
-        </a:defRPr>
-      </a:lvl1pPr>
-    </p:titleStyle>
-    <p:bodyStyle>
-      <a:lvl1pPr marL="228600" indent="-228600" algn="l" defTabSz="914400" rtl="0" eaLnBrk="1" latinLnBrk="0" hangingPunct="1">
-        <a:lnSpc>
-          <a:spcPct val="90000"/>
-        </a:lnSpc>
-        <a:spcBef>
-          <a:spcPts val="1000"/>
-        </a:spcBef>
-        <a:buFont typeface="Arial" panose="020B0604020202020204" pitchFamily="34" charset="0"/>
-        <a:buChar char="•"/>
-        <a:defRPr sz="2800" kern="1200">
-          <a:solidFill>
-            <a:schemeClr val="tx1"/>
-          </a:solidFill>
-          <a:latin typeface="+mn-lt"/>
-          <a:ea typeface="+mn-ea"/>
-          <a:cs typeface="+mn-cs"/>
-        </a:defRPr>
-      </a:lvl1pPr>
-      <a:lvl2pPr marL="685800" indent="-228600" algn="l" defTabSz="914400" rtl="0" eaLnBrk="1" latinLnBrk="0" hangingPunct="1">
-        <a:lnSpc>
-          <a:spcPct val="90000"/>
-        </a:lnSpc>
-        <a:spcBef>
-          <a:spcPts val="500"/>
-        </a:spcBef>
-        <a:buFont typeface="Arial" panose="020B0604020202020204" pitchFamily="34" charset="0"/>
-        <a:buChar char="•"/>
-        <a:defRPr sz="2400" kern="1200">
-          <a:solidFill>
-            <a:schemeClr val="tx1"/>
-          </a:solidFill>
-          <a:latin typeface="+mn-lt"/>
-          <a:ea typeface="+mn-ea"/>
-          <a:cs typeface="+mn-cs"/>
-        </a:defRPr>
-      </a:lvl2pPr>
-      <a:lvl3pPr marL="1143000" indent="-228600" algn="l" defTabSz="914400" rtl="0" eaLnBrk="1" latinLnBrk="0" hangingPunct="1">
-        <a:lnSpc>
-          <a:spcPct val="90000"/>
-        </a:lnSpc>
-        <a:spcBef>
-          <a:spcPts val="500"/>
-        </a:spcBef>
-        <a:buFont typeface="Arial" panose="020B0604020202020204" pitchFamily="34" charset="0"/>
-        <a:buChar char="•"/>
-        <a:defRPr sz="2000" kern="1200">
-          <a:solidFill>
-            <a:schemeClr val="tx1"/>
-          </a:solidFill>
-          <a:latin typeface="+mn-lt"/>
-          <a:ea typeface="+mn-ea"/>
-          <a:cs typeface="+mn-cs"/>
-        </a:defRPr>
-      </a:lvl3pPr>
-      <a:lvl4pPr marL="1600200" indent="-228600" algn="l" defTabSz="914400" rtl="0" eaLnBrk="1" latinLnBrk="0" hangingPunct="1">
-        <a:lnSpc>
-          <a:spcPct val="90000"/>
-        </a:lnSpc>
-        <a:spcBef>
-          <a:spcPts val="500"/>
-        </a:spcBef>
-        <a:buFont typeface="Arial" panose="020B0604020202020204" pitchFamily="34" charset="0"/>
-        <a:buChar char="•"/>
-        <a:defRPr sz="1800" kern="1200">
-          <a:solidFill>
-            <a:schemeClr val="tx1"/>
-          </a:solidFill>
-          <a:latin typeface="+mn-lt"/>
-          <a:ea typeface="+mn-ea"/>
-          <a:cs typeface="+mn-cs"/>
-        </a:defRPr>
-      </a:lvl4pPr>
-      <a:lvl5pPr marL="2057400" indent="-228600" algn="l" defTabSz="914400" rtl="0" eaLnBrk="1" latinLnBrk="0" hangingPunct="1">
-        <a:lnSpc>
-          <a:spcPct val="90000"/>
-        </a:lnSpc>
-        <a:spcBef>
-          <a:spcPts val="500"/>
-        </a:spcBef>
-        <a:buFont typeface="Arial" panose="020B0604020202020204" pitchFamily="34" charset="0"/>
-        <a:buChar char="•"/>
-        <a:defRPr sz="1800" kern="1200">
-          <a:solidFill>
-            <a:schemeClr val="tx1"/>
-          </a:solidFill>
-          <a:latin typeface="+mn-lt"/>
-          <a:ea typeface="+mn-ea"/>
-          <a:cs typeface="+mn-cs"/>
-        </a:defRPr>
-      </a:lvl5pPr>
-      <a:lvl6pPr marL="2514600" indent="-228600" algn="l" defTabSz="914400" rtl="0" eaLnBrk="1" latinLnBrk="0" hangingPunct="1">
-        <a:lnSpc>
-          <a:spcPct val="90000"/>
-        </a:lnSpc>
-        <a:spcBef>
-          <a:spcPts val="500"/>
-        </a:spcBef>
-        <a:buFont typeface="Arial" panose="020B0604020202020204" pitchFamily="34" charset="0"/>
-        <a:buChar char="•"/>
-        <a:defRPr sz="1800" kern="1200">
-          <a:solidFill>
-            <a:schemeClr val="tx1"/>
-          </a:solidFill>
-          <a:latin typeface="+mn-lt"/>
-          <a:ea typeface="+mn-ea"/>
-          <a:cs typeface="+mn-cs"/>
-        </a:defRPr>
-      </a:lvl6pPr>
-      <a:lvl7pPr marL="2971800" indent="-228600" algn="l" defTabSz="914400" rtl="0" eaLnBrk="1" latinLnBrk="0" hangingPunct="1">
-        <a:lnSpc>
-          <a:spcPct val="90000"/>
-        </a:lnSpc>
-        <a:spcBef>
-          <a:spcPts val="500"/>
-        </a:spcBef>
-        <a:buFont typeface="Arial" panose="020B0604020202020204" pitchFamily="34" charset="0"/>
-        <a:buChar char="•"/>
-        <a:defRPr sz="1800" kern="1200">
-          <a:solidFill>
-            <a:schemeClr val="tx1"/>
-          </a:solidFill>
-          <a:latin typeface="+mn-lt"/>
-          <a:ea typeface="+mn-ea"/>
-          <a:cs typeface="+mn-cs"/>
-        </a:defRPr>
-      </a:lvl7pPr>
-      <a:lvl8pPr marL="3429000" indent="-228600" algn="l" defTabSz="914400" rtl="0" eaLnBrk="1" latinLnBrk="0" hangingPunct="1">
-        <a:lnSpc>
-          <a:spcPct val="90000"/>
-        </a:lnSpc>
-        <a:spcBef>
-          <a:spcPts val="500"/>
-        </a:spcBef>
-        <a:buFont typeface="Arial" panose="020B0604020202020204" pitchFamily="34" charset="0"/>
-        <a:buChar char="•"/>
-        <a:defRPr sz="1800" kern="1200">
-          <a:solidFill>
-            <a:schemeClr val="tx1"/>
-          </a:solidFill>
-          <a:latin typeface="+mn-lt"/>
-          <a:ea typeface="+mn-ea"/>
-          <a:cs typeface="+mn-cs"/>
-        </a:defRPr>
-      </a:lvl8pPr>
-      <a:lvl9pPr marL="3886200" indent="-228600" algn="l" defTabSz="914400" rtl="0" eaLnBrk="1" latinLnBrk="0" hangingPunct="1">
-        <a:lnSpc>
-          <a:spcPct val="90000"/>
-        </a:lnSpc>
-        <a:spcBef>
-          <a:spcPts val="500"/>
-        </a:spcBef>
-        <a:buFont typeface="Arial" panose="020B0604020202020204" pitchFamily="34" charset="0"/>
-        <a:buChar char="•"/>
-        <a:defRPr sz="1800" kern="1200">
-          <a:solidFill>
-            <a:schemeClr val="tx1"/>
-          </a:solidFill>
-          <a:latin typeface="+mn-lt"/>
-          <a:ea typeface="+mn-ea"/>
-          <a:cs typeface="+mn-cs"/>
-        </a:defRPr>
-      </a:lvl9pPr>
-    </p:bodyStyle>
-    <p:otherStyle>
-      <a:defPPr>
-        <a:defRPr lang="en-NO"/>
-      </a:defPPr>
-      <a:lvl1pPr marL="0" algn="l" defTabSz="914400" rtl="0" eaLnBrk="1" latinLnBrk="0" hangingPunct="1">
-        <a:defRPr sz="1800" kern="1200">
-          <a:solidFill>
-            <a:schemeClr val="tx1"/>
-          </a:solidFill>
-          <a:latin typeface="+mn-lt"/>
-          <a:ea typeface="+mn-ea"/>
-          <a:cs typeface="+mn-cs"/>
-        </a:defRPr>
-      </a:lvl1pPr>
-      <a:lvl2pPr marL="457200" algn="l" defTabSz="914400" rtl="0" eaLnBrk="1" latinLnBrk="0" hangingPunct="1">
-        <a:defRPr sz="1800" kern="1200">
-          <a:solidFill>
-            <a:schemeClr val="tx1"/>
-          </a:solidFill>
-          <a:latin typeface="+mn-lt"/>
-          <a:ea typeface="+mn-ea"/>
-          <a:cs typeface="+mn-cs"/>
-        </a:defRPr>
-      </a:lvl2pPr>
-      <a:lvl3pPr marL="914400" algn="l" defTabSz="914400" rtl="0" eaLnBrk="1" latinLnBrk="0" hangingPunct="1">
-        <a:defRPr sz="1800" kern="1200">
-          <a:solidFill>
-            <a:schemeClr val="tx1"/>
-          </a:solidFill>
-          <a:latin typeface="+mn-lt"/>
-          <a:ea typeface="+mn-ea"/>
-          <a:cs typeface="+mn-cs"/>
-        </a:defRPr>
-      </a:lvl3pPr>
-      <a:lvl4pPr marL="1371600" algn="l" defTabSz="914400" rtl="0" eaLnBrk="1" latinLnBrk="0" hangingPunct="1">
-        <a:defRPr sz="1800" kern="1200">
-          <a:solidFill>
-            <a:schemeClr val="tx1"/>
-          </a:solidFill>
-          <a:latin typeface="+mn-lt"/>
-          <a:ea typeface="+mn-ea"/>
-          <a:cs typeface="+mn-cs"/>
-        </a:defRPr>
-      </a:lvl4pPr>
-      <a:lvl5pPr marL="1828800" algn="l" defTabSz="914400" rtl="0" eaLnBrk="1" latinLnBrk="0" hangingPunct="1">
-        <a:defRPr sz="1800" kern="1200">
-          <a:solidFill>
-            <a:schemeClr val="tx1"/>
-          </a:solidFill>
-          <a:latin typeface="+mn-lt"/>
-          <a:ea typeface="+mn-ea"/>
-          <a:cs typeface="+mn-cs"/>
-        </a:defRPr>
-      </a:lvl5pPr>
-      <a:lvl6pPr marL="2286000" algn="l" defTabSz="914400" rtl="0" eaLnBrk="1" latinLnBrk="0" hangingPunct="1">
-        <a:defRPr sz="1800" kern="1200">
-          <a:solidFill>
-            <a:schemeClr val="tx1"/>
-          </a:solidFill>
-          <a:latin typeface="+mn-lt"/>
-          <a:ea typeface="+mn-ea"/>
-          <a:cs typeface="+mn-cs"/>
-        </a:defRPr>
-      </a:lvl6pPr>
-      <a:lvl7pPr marL="2743200" algn="l" defTabSz="914400" rtl="0" eaLnBrk="1" latinLnBrk="0" hangingPunct="1">
-        <a:defRPr sz="1800" kern="1200">
-          <a:solidFill>
-            <a:schemeClr val="tx1"/>
-          </a:solidFill>
-          <a:latin typeface="+mn-lt"/>
-          <a:ea typeface="+mn-ea"/>
-          <a:cs typeface="+mn-cs"/>
-        </a:defRPr>
-      </a:lvl7pPr>
-      <a:lvl8pPr marL="3200400" algn="l" defTabSz="914400" rtl="0" eaLnBrk="1" latinLnBrk="0" hangingPunct="1">
-        <a:defRPr sz="1800" kern="1200">
-          <a:solidFill>
-            <a:schemeClr val="tx1"/>
-          </a:solidFill>
-          <a:latin typeface="+mn-lt"/>
-          <a:ea typeface="+mn-ea"/>
-          <a:cs typeface="+mn-cs"/>
-        </a:defRPr>
-      </a:lvl8pPr>
-      <a:lvl9pPr marL="3657600" algn="l" defTabSz="914400" rtl="0" eaLnBrk="1" latinLnBrk="0" hangingPunct="1">
-        <a:defRPr sz="1800" kern="1200">
-          <a:solidFill>
-            <a:schemeClr val="tx1"/>
-          </a:solidFill>
-          <a:latin typeface="+mn-lt"/>
-          <a:ea typeface="+mn-ea"/>
-          <a:cs typeface="+mn-cs"/>
-        </a:defRPr>
-      </a:lvl9pPr>
-    </p:otherStyle>
-  </p:txStyles>
-</p:sldMaster>
-</file>
-
 <file path=ppt/slides/slide1.xml><?xml version="1.0" encoding="utf-8"?>
 <p:sld xmlns:a="http://schemas.openxmlformats.org/drawingml/2006/main" xmlns:r="http://schemas.openxmlformats.org/officeDocument/2006/relationships" xmlns:p="http://schemas.openxmlformats.org/presentationml/2006/main">
   <p:cSld>
@@ -8774,7 +5412,7 @@
         </p:spPr>
         <p:txBody>
           <a:bodyPr>
-            <a:normAutofit fontScale="85000" lnSpcReduction="10000"/>
+            <a:normAutofit fontScale="92500" lnSpcReduction="20000"/>
           </a:bodyPr>
           <a:lstStyle>
             <a:lvl1pPr algn="l" defTabSz="457200" rtl="0" eaLnBrk="1" latinLnBrk="0" hangingPunct="1">
@@ -8851,7 +5489,7 @@
           <a:p>
             <a:r>
               <a:rPr lang="en-GB" sz="7200" dirty="0"/>
-              <a:t>My current client has around 80 SQL-instances, only for test</a:t>
+              <a:t>We backed up to tape. Off-site was my bedroom.</a:t>
             </a:r>
             <a:endParaRPr lang="LID4096" sz="7200" dirty="0"/>
           </a:p>
@@ -8860,7 +5498,7 @@
     </p:spTree>
     <p:extLst>
       <p:ext uri="{BB962C8B-B14F-4D97-AF65-F5344CB8AC3E}">
-        <p14:creationId xmlns:p14="http://schemas.microsoft.com/office/powerpoint/2010/main" val="3747047230"/>
+        <p14:creationId xmlns:p14="http://schemas.microsoft.com/office/powerpoint/2010/main" val="2941851340"/>
       </p:ext>
     </p:extLst>
   </p:cSld>
@@ -8989,7 +5627,7 @@
           <a:p>
             <a:r>
               <a:rPr lang="en-GB" sz="7200" dirty="0"/>
-              <a:t>The main system has 1TB databases, and not just one of them.</a:t>
+              <a:t>My current client has around 80 SQL-instances, only for test</a:t>
             </a:r>
             <a:endParaRPr lang="LID4096" sz="7200" dirty="0"/>
           </a:p>
@@ -8998,7 +5636,7 @@
     </p:spTree>
     <p:extLst>
       <p:ext uri="{BB962C8B-B14F-4D97-AF65-F5344CB8AC3E}">
-        <p14:creationId xmlns:p14="http://schemas.microsoft.com/office/powerpoint/2010/main" val="2682924286"/>
+        <p14:creationId xmlns:p14="http://schemas.microsoft.com/office/powerpoint/2010/main" val="3747047230"/>
       </p:ext>
     </p:extLst>
   </p:cSld>
@@ -9050,7 +5688,7 @@
         </p:spPr>
         <p:txBody>
           <a:bodyPr>
-            <a:normAutofit fontScale="70000" lnSpcReduction="20000"/>
+            <a:normAutofit fontScale="85000" lnSpcReduction="10000"/>
           </a:bodyPr>
           <a:lstStyle>
             <a:lvl1pPr algn="l" defTabSz="457200" rtl="0" eaLnBrk="1" latinLnBrk="0" hangingPunct="1">
@@ -9127,7 +5765,7 @@
           <a:p>
             <a:r>
               <a:rPr lang="en-GB" sz="7200" dirty="0"/>
-              <a:t>We can’t tape them, can we? I can’t have the backups in my bedroom, can I?</a:t>
+              <a:t>The main system has 1TB databases, and not just one of them.</a:t>
             </a:r>
             <a:endParaRPr lang="LID4096" sz="7200" dirty="0"/>
           </a:p>
@@ -9136,7 +5774,7 @@
     </p:spTree>
     <p:extLst>
       <p:ext uri="{BB962C8B-B14F-4D97-AF65-F5344CB8AC3E}">
-        <p14:creationId xmlns:p14="http://schemas.microsoft.com/office/powerpoint/2010/main" val="3165673678"/>
+        <p14:creationId xmlns:p14="http://schemas.microsoft.com/office/powerpoint/2010/main" val="2682924286"/>
       </p:ext>
     </p:extLst>
   </p:cSld>
@@ -9265,6 +5903,144 @@
           <a:p>
             <a:r>
               <a:rPr lang="en-GB" sz="7200" dirty="0"/>
+              <a:t>We can’t tape them, can we? I can’t have the backups in my bedroom, can I?</a:t>
+            </a:r>
+            <a:endParaRPr lang="LID4096" sz="7200" dirty="0"/>
+          </a:p>
+        </p:txBody>
+      </p:sp>
+    </p:spTree>
+    <p:extLst>
+      <p:ext uri="{BB962C8B-B14F-4D97-AF65-F5344CB8AC3E}">
+        <p14:creationId xmlns:p14="http://schemas.microsoft.com/office/powerpoint/2010/main" val="3165673678"/>
+      </p:ext>
+    </p:extLst>
+  </p:cSld>
+  <p:clrMapOvr>
+    <a:masterClrMapping/>
+  </p:clrMapOvr>
+</p:sld>
+</file>
+
+<file path=ppt/slides/slide14.xml><?xml version="1.0" encoding="utf-8"?>
+<p:sld xmlns:a="http://schemas.openxmlformats.org/drawingml/2006/main" xmlns:r="http://schemas.openxmlformats.org/officeDocument/2006/relationships" xmlns:p="http://schemas.openxmlformats.org/presentationml/2006/main">
+  <p:cSld>
+    <p:spTree>
+      <p:nvGrpSpPr>
+        <p:cNvPr id="1" name=""/>
+        <p:cNvGrpSpPr/>
+        <p:nvPr/>
+      </p:nvGrpSpPr>
+      <p:grpSpPr>
+        <a:xfrm>
+          <a:off x="0" y="0"/>
+          <a:ext cx="0" cy="0"/>
+          <a:chOff x="0" y="0"/>
+          <a:chExt cx="0" cy="0"/>
+        </a:xfrm>
+      </p:grpSpPr>
+      <p:sp>
+        <p:nvSpPr>
+          <p:cNvPr id="4" name="Title 5">
+            <a:extLst>
+              <a:ext uri="{FF2B5EF4-FFF2-40B4-BE49-F238E27FC236}">
+                <a16:creationId xmlns:a16="http://schemas.microsoft.com/office/drawing/2014/main" id="{52AA752C-959C-DEB5-1C24-91762CC304E8}"/>
+              </a:ext>
+            </a:extLst>
+          </p:cNvPr>
+          <p:cNvSpPr txBox="1">
+            <a:spLocks/>
+          </p:cNvSpPr>
+          <p:nvPr/>
+        </p:nvSpPr>
+        <p:spPr>
+          <a:xfrm>
+            <a:off x="1878676" y="1947670"/>
+            <a:ext cx="8138160" cy="2758258"/>
+          </a:xfrm>
+          <a:prstGeom prst="rect">
+            <a:avLst/>
+          </a:prstGeom>
+        </p:spPr>
+        <p:txBody>
+          <a:bodyPr>
+            <a:normAutofit fontScale="70000" lnSpcReduction="20000"/>
+          </a:bodyPr>
+          <a:lstStyle>
+            <a:lvl1pPr algn="l" defTabSz="457200" rtl="0" eaLnBrk="1" latinLnBrk="0" hangingPunct="1">
+              <a:spcBef>
+                <a:spcPct val="0"/>
+              </a:spcBef>
+              <a:buNone/>
+              <a:defRPr sz="3600" kern="1200">
+                <a:solidFill>
+                  <a:schemeClr val="accent1"/>
+                </a:solidFill>
+                <a:latin typeface="Roboto Light" panose="02000000000000000000" pitchFamily="2" charset="0"/>
+                <a:ea typeface="Roboto Light" panose="02000000000000000000" pitchFamily="2" charset="0"/>
+                <a:cs typeface="Roboto Light" panose="02000000000000000000" pitchFamily="2" charset="0"/>
+              </a:defRPr>
+            </a:lvl1pPr>
+            <a:lvl2pPr eaLnBrk="1" hangingPunct="1">
+              <a:defRPr>
+                <a:solidFill>
+                  <a:schemeClr val="tx2"/>
+                </a:solidFill>
+              </a:defRPr>
+            </a:lvl2pPr>
+            <a:lvl3pPr eaLnBrk="1" hangingPunct="1">
+              <a:defRPr>
+                <a:solidFill>
+                  <a:schemeClr val="tx2"/>
+                </a:solidFill>
+              </a:defRPr>
+            </a:lvl3pPr>
+            <a:lvl4pPr eaLnBrk="1" hangingPunct="1">
+              <a:defRPr>
+                <a:solidFill>
+                  <a:schemeClr val="tx2"/>
+                </a:solidFill>
+              </a:defRPr>
+            </a:lvl4pPr>
+            <a:lvl5pPr eaLnBrk="1" hangingPunct="1">
+              <a:defRPr>
+                <a:solidFill>
+                  <a:schemeClr val="tx2"/>
+                </a:solidFill>
+              </a:defRPr>
+            </a:lvl5pPr>
+            <a:lvl6pPr eaLnBrk="1" hangingPunct="1">
+              <a:defRPr>
+                <a:solidFill>
+                  <a:schemeClr val="tx2"/>
+                </a:solidFill>
+              </a:defRPr>
+            </a:lvl6pPr>
+            <a:lvl7pPr eaLnBrk="1" hangingPunct="1">
+              <a:defRPr>
+                <a:solidFill>
+                  <a:schemeClr val="tx2"/>
+                </a:solidFill>
+              </a:defRPr>
+            </a:lvl7pPr>
+            <a:lvl8pPr eaLnBrk="1" hangingPunct="1">
+              <a:defRPr>
+                <a:solidFill>
+                  <a:schemeClr val="tx2"/>
+                </a:solidFill>
+              </a:defRPr>
+            </a:lvl8pPr>
+            <a:lvl9pPr eaLnBrk="1" hangingPunct="1">
+              <a:defRPr>
+                <a:solidFill>
+                  <a:schemeClr val="tx2"/>
+                </a:solidFill>
+              </a:defRPr>
+            </a:lvl9pPr>
+          </a:lstStyle>
+          <a:p>
+            <a:r>
+              <a:rPr lang="en-GB" sz="7200" dirty="0"/>
               <a:t>Automation:</a:t>
             </a:r>
           </a:p>
@@ -9290,7 +6066,7 @@
 </p:sld>
 </file>
 
-<file path=ppt/slides/slide14.xml><?xml version="1.0" encoding="utf-8"?>
+<file path=ppt/slides/slide15.xml><?xml version="1.0" encoding="utf-8"?>
 <p:sld xmlns:a="http://schemas.openxmlformats.org/drawingml/2006/main" xmlns:r="http://schemas.openxmlformats.org/officeDocument/2006/relationships" xmlns:p="http://schemas.openxmlformats.org/presentationml/2006/main">
   <p:cSld>
     <p:spTree>
@@ -9606,7 +6382,7 @@
 </p:sld>
 </file>
 
-<file path=ppt/slides/slide15.xml><?xml version="1.0" encoding="utf-8"?>
+<file path=ppt/slides/slide16.xml><?xml version="1.0" encoding="utf-8"?>
 <p:sld xmlns:a="http://schemas.openxmlformats.org/drawingml/2006/main" xmlns:r="http://schemas.openxmlformats.org/officeDocument/2006/relationships" xmlns:p="http://schemas.openxmlformats.org/presentationml/2006/main">
   <p:cSld>
     <p:spTree>
@@ -9774,7 +6550,7 @@
 </p:sld>
 </file>
 
-<file path=ppt/slides/slide16.xml><?xml version="1.0" encoding="utf-8"?>
+<file path=ppt/slides/slide17.xml><?xml version="1.0" encoding="utf-8"?>
 <p:sld xmlns:a="http://schemas.openxmlformats.org/drawingml/2006/main" xmlns:r="http://schemas.openxmlformats.org/officeDocument/2006/relationships" xmlns:p="http://schemas.openxmlformats.org/presentationml/2006/main">
   <p:cSld>
     <p:spTree>
@@ -10146,7 +6922,7 @@
 </p:sld>
 </file>
 
-<file path=ppt/slides/slide17.xml><?xml version="1.0" encoding="utf-8"?>
+<file path=ppt/slides/slide18.xml><?xml version="1.0" encoding="utf-8"?>
 <p:sld xmlns:a="http://schemas.openxmlformats.org/drawingml/2006/main" xmlns:r="http://schemas.openxmlformats.org/officeDocument/2006/relationships" xmlns:p="http://schemas.openxmlformats.org/presentationml/2006/main">
   <p:cSld>
     <p:spTree>
@@ -10953,7 +7729,7 @@
 </p:sld>
 </file>
 
-<file path=ppt/slides/slide18.xml><?xml version="1.0" encoding="utf-8"?>
+<file path=ppt/slides/slide19.xml><?xml version="1.0" encoding="utf-8"?>
 <p:sld xmlns:a="http://schemas.openxmlformats.org/drawingml/2006/main" xmlns:r="http://schemas.openxmlformats.org/officeDocument/2006/relationships" xmlns:p="http://schemas.openxmlformats.org/presentationml/2006/main">
   <p:cSld>
     <p:spTree>
@@ -11178,144 +7954,6 @@
 </p:sld>
 </file>
 
-<file path=ppt/slides/slide19.xml><?xml version="1.0" encoding="utf-8"?>
-<p:sld xmlns:a="http://schemas.openxmlformats.org/drawingml/2006/main" xmlns:r="http://schemas.openxmlformats.org/officeDocument/2006/relationships" xmlns:p="http://schemas.openxmlformats.org/presentationml/2006/main">
-  <p:cSld>
-    <p:spTree>
-      <p:nvGrpSpPr>
-        <p:cNvPr id="1" name=""/>
-        <p:cNvGrpSpPr/>
-        <p:nvPr/>
-      </p:nvGrpSpPr>
-      <p:grpSpPr>
-        <a:xfrm>
-          <a:off x="0" y="0"/>
-          <a:ext cx="0" cy="0"/>
-          <a:chOff x="0" y="0"/>
-          <a:chExt cx="0" cy="0"/>
-        </a:xfrm>
-      </p:grpSpPr>
-      <p:sp>
-        <p:nvSpPr>
-          <p:cNvPr id="4" name="Title 5">
-            <a:extLst>
-              <a:ext uri="{FF2B5EF4-FFF2-40B4-BE49-F238E27FC236}">
-                <a16:creationId xmlns:a16="http://schemas.microsoft.com/office/drawing/2014/main" id="{52AA752C-959C-DEB5-1C24-91762CC304E8}"/>
-              </a:ext>
-            </a:extLst>
-          </p:cNvPr>
-          <p:cNvSpPr txBox="1">
-            <a:spLocks/>
-          </p:cNvSpPr>
-          <p:nvPr/>
-        </p:nvSpPr>
-        <p:spPr>
-          <a:xfrm>
-            <a:off x="1878676" y="1947670"/>
-            <a:ext cx="8138160" cy="2758258"/>
-          </a:xfrm>
-          <a:prstGeom prst="rect">
-            <a:avLst/>
-          </a:prstGeom>
-        </p:spPr>
-        <p:txBody>
-          <a:bodyPr>
-            <a:normAutofit/>
-          </a:bodyPr>
-          <a:lstStyle>
-            <a:lvl1pPr algn="l" defTabSz="457200" rtl="0" eaLnBrk="1" latinLnBrk="0" hangingPunct="1">
-              <a:spcBef>
-                <a:spcPct val="0"/>
-              </a:spcBef>
-              <a:buNone/>
-              <a:defRPr sz="3600" kern="1200">
-                <a:solidFill>
-                  <a:schemeClr val="accent1"/>
-                </a:solidFill>
-                <a:latin typeface="Roboto Light" panose="02000000000000000000" pitchFamily="2" charset="0"/>
-                <a:ea typeface="Roboto Light" panose="02000000000000000000" pitchFamily="2" charset="0"/>
-                <a:cs typeface="Roboto Light" panose="02000000000000000000" pitchFamily="2" charset="0"/>
-              </a:defRPr>
-            </a:lvl1pPr>
-            <a:lvl2pPr eaLnBrk="1" hangingPunct="1">
-              <a:defRPr>
-                <a:solidFill>
-                  <a:schemeClr val="tx2"/>
-                </a:solidFill>
-              </a:defRPr>
-            </a:lvl2pPr>
-            <a:lvl3pPr eaLnBrk="1" hangingPunct="1">
-              <a:defRPr>
-                <a:solidFill>
-                  <a:schemeClr val="tx2"/>
-                </a:solidFill>
-              </a:defRPr>
-            </a:lvl3pPr>
-            <a:lvl4pPr eaLnBrk="1" hangingPunct="1">
-              <a:defRPr>
-                <a:solidFill>
-                  <a:schemeClr val="tx2"/>
-                </a:solidFill>
-              </a:defRPr>
-            </a:lvl4pPr>
-            <a:lvl5pPr eaLnBrk="1" hangingPunct="1">
-              <a:defRPr>
-                <a:solidFill>
-                  <a:schemeClr val="tx2"/>
-                </a:solidFill>
-              </a:defRPr>
-            </a:lvl5pPr>
-            <a:lvl6pPr eaLnBrk="1" hangingPunct="1">
-              <a:defRPr>
-                <a:solidFill>
-                  <a:schemeClr val="tx2"/>
-                </a:solidFill>
-              </a:defRPr>
-            </a:lvl6pPr>
-            <a:lvl7pPr eaLnBrk="1" hangingPunct="1">
-              <a:defRPr>
-                <a:solidFill>
-                  <a:schemeClr val="tx2"/>
-                </a:solidFill>
-              </a:defRPr>
-            </a:lvl7pPr>
-            <a:lvl8pPr eaLnBrk="1" hangingPunct="1">
-              <a:defRPr>
-                <a:solidFill>
-                  <a:schemeClr val="tx2"/>
-                </a:solidFill>
-              </a:defRPr>
-            </a:lvl8pPr>
-            <a:lvl9pPr eaLnBrk="1" hangingPunct="1">
-              <a:defRPr>
-                <a:solidFill>
-                  <a:schemeClr val="tx2"/>
-                </a:solidFill>
-              </a:defRPr>
-            </a:lvl9pPr>
-          </a:lstStyle>
-          <a:p>
-            <a:r>
-              <a:rPr lang="en-GB" sz="7200" dirty="0"/>
-              <a:t>DEMO git</a:t>
-            </a:r>
-            <a:endParaRPr lang="LID4096" sz="7200" dirty="0"/>
-          </a:p>
-        </p:txBody>
-      </p:sp>
-    </p:spTree>
-    <p:extLst>
-      <p:ext uri="{BB962C8B-B14F-4D97-AF65-F5344CB8AC3E}">
-        <p14:creationId xmlns:p14="http://schemas.microsoft.com/office/powerpoint/2010/main" val="1692210495"/>
-      </p:ext>
-    </p:extLst>
-  </p:cSld>
-  <p:clrMapOvr>
-    <a:masterClrMapping/>
-  </p:clrMapOvr>
-</p:sld>
-</file>
-
 <file path=ppt/slides/slide2.xml><?xml version="1.0" encoding="utf-8"?>
 <p:sld xmlns:a="http://schemas.openxmlformats.org/drawingml/2006/main" xmlns:r="http://schemas.openxmlformats.org/officeDocument/2006/relationships" xmlns:p="http://schemas.openxmlformats.org/presentationml/2006/main">
   <p:cSld>
@@ -11335,825 +7973,363 @@
       </p:grpSpPr>
       <p:sp>
         <p:nvSpPr>
-          <p:cNvPr id="7" name="AutoShape 4">
+          <p:cNvPr id="2" name="Rubrik 1">
             <a:extLst>
               <a:ext uri="{FF2B5EF4-FFF2-40B4-BE49-F238E27FC236}">
-                <a16:creationId xmlns:a16="http://schemas.microsoft.com/office/drawing/2014/main" id="{A280507D-CA14-E682-CC12-B4F4F48EEC3B}"/>
+                <a16:creationId xmlns:a16="http://schemas.microsoft.com/office/drawing/2014/main" id="{6419F638-8B7C-5BEB-6795-5F0CC795FACE}"/>
               </a:ext>
             </a:extLst>
           </p:cNvPr>
           <p:cNvSpPr>
-            <a:spLocks noChangeAspect="1" noChangeArrowheads="1"/>
-          </p:cNvSpPr>
-          <p:nvPr/>
-        </p:nvSpPr>
-        <p:spPr bwMode="auto">
-          <a:xfrm>
-            <a:off x="5943600" y="3276600"/>
-            <a:ext cx="304800" cy="304800"/>
-          </a:xfrm>
-          <a:prstGeom prst="rect">
-            <a:avLst/>
-          </a:prstGeom>
-          <a:noFill/>
-          <a:extLst>
-            <a:ext uri="{909E8E84-426E-40DD-AFC4-6F175D3DCCD1}">
-              <a14:hiddenFill xmlns:a14="http://schemas.microsoft.com/office/drawing/2010/main">
-                <a:solidFill>
-                  <a:srgbClr val="FFFFFF"/>
-                </a:solidFill>
-              </a14:hiddenFill>
-            </a:ext>
-          </a:extLst>
-        </p:spPr>
-        <p:txBody>
-          <a:bodyPr vert="horz" wrap="square" lIns="91440" tIns="45720" rIns="91440" bIns="45720" numCol="1" anchor="t" anchorCtr="0" compatLnSpc="1">
-            <a:prstTxWarp prst="textNoShape">
-              <a:avLst/>
-            </a:prstTxWarp>
-          </a:bodyPr>
+            <a:spLocks noGrp="1"/>
+          </p:cNvSpPr>
+          <p:nvPr>
+            <p:ph type="title"/>
+          </p:nvPr>
+        </p:nvSpPr>
+        <p:spPr/>
+        <p:txBody>
+          <a:bodyPr/>
           <a:lstStyle/>
           <a:p>
-            <a:pPr marL="0" marR="0" lvl="0" indent="0" algn="l" defTabSz="914400" rtl="0" eaLnBrk="1" fontAlgn="auto" latinLnBrk="0" hangingPunct="1">
-              <a:lnSpc>
-                <a:spcPct val="100000"/>
-              </a:lnSpc>
-              <a:spcBef>
-                <a:spcPts val="0"/>
-              </a:spcBef>
-              <a:spcAft>
-                <a:spcPts val="0"/>
-              </a:spcAft>
-              <a:buClrTx/>
-              <a:buSzTx/>
-              <a:buFontTx/>
-              <a:buNone/>
-              <a:tabLst/>
-              <a:defRPr/>
-            </a:pPr>
-            <a:endParaRPr kumimoji="0" lang="en-NO" sz="1800" b="0" i="0" u="none" strike="noStrike" kern="1200" cap="none" spc="0" normalizeH="0" baseline="0" noProof="0">
-              <a:ln>
-                <a:noFill/>
-              </a:ln>
-              <a:solidFill>
-                <a:prstClr val="black"/>
-              </a:solidFill>
-              <a:effectLst/>
-              <a:uLnTx/>
-              <a:uFillTx/>
-              <a:latin typeface="Calibri" panose="020F0502020204030204"/>
-              <a:ea typeface="+mn-ea"/>
-              <a:cs typeface="+mn-cs"/>
-            </a:endParaRPr>
-          </a:p>
-        </p:txBody>
-      </p:sp>
-      <p:sp>
-        <p:nvSpPr>
-          <p:cNvPr id="13" name="AutoShape 8" descr="signature_2217393165">
+            <a:r>
+              <a:rPr lang="sv-SE" dirty="0" err="1"/>
+              <a:t>What</a:t>
+            </a:r>
+            <a:r>
+              <a:rPr lang="sv-SE" dirty="0"/>
+              <a:t> </a:t>
+            </a:r>
+            <a:r>
+              <a:rPr lang="sv-SE" dirty="0" err="1"/>
+              <a:t>did</a:t>
+            </a:r>
+            <a:r>
+              <a:rPr lang="sv-SE" dirty="0"/>
+              <a:t> the DBA </a:t>
+            </a:r>
+            <a:r>
+              <a:rPr lang="sv-SE" dirty="0" err="1"/>
+              <a:t>tell</a:t>
+            </a:r>
+            <a:r>
+              <a:rPr lang="sv-SE" dirty="0"/>
+              <a:t> the </a:t>
+            </a:r>
+            <a:r>
+              <a:rPr lang="sv-SE" dirty="0" err="1"/>
+              <a:t>Developer</a:t>
+            </a:r>
+            <a:r>
+              <a:rPr lang="sv-SE" dirty="0"/>
+              <a:t>?</a:t>
+            </a:r>
+          </a:p>
+        </p:txBody>
+      </p:sp>
+      <p:sp>
+        <p:nvSpPr>
+          <p:cNvPr id="3" name="Platshållare för innehåll 2">
             <a:extLst>
               <a:ext uri="{FF2B5EF4-FFF2-40B4-BE49-F238E27FC236}">
-                <a16:creationId xmlns:a16="http://schemas.microsoft.com/office/drawing/2014/main" id="{8E02CA26-DFA6-50C3-BFEC-779A63D71C01}"/>
+                <a16:creationId xmlns:a16="http://schemas.microsoft.com/office/drawing/2014/main" id="{8D8652CE-042B-40C8-D5AB-38471632FD16}"/>
               </a:ext>
             </a:extLst>
           </p:cNvPr>
           <p:cNvSpPr>
-            <a:spLocks noChangeAspect="1" noChangeArrowheads="1"/>
-          </p:cNvSpPr>
-          <p:nvPr/>
-        </p:nvSpPr>
-        <p:spPr bwMode="auto">
-          <a:xfrm>
-            <a:off x="6096000" y="3429000"/>
-            <a:ext cx="304800" cy="304800"/>
-          </a:xfrm>
-          <a:prstGeom prst="rect">
-            <a:avLst/>
-          </a:prstGeom>
-          <a:noFill/>
-          <a:extLst>
-            <a:ext uri="{909E8E84-426E-40DD-AFC4-6F175D3DCCD1}">
-              <a14:hiddenFill xmlns:a14="http://schemas.microsoft.com/office/drawing/2010/main">
-                <a:solidFill>
-                  <a:srgbClr val="FFFFFF"/>
-                </a:solidFill>
-              </a14:hiddenFill>
-            </a:ext>
-          </a:extLst>
-        </p:spPr>
-        <p:txBody>
-          <a:bodyPr vert="horz" wrap="square" lIns="91440" tIns="45720" rIns="91440" bIns="45720" numCol="1" anchor="t" anchorCtr="0" compatLnSpc="1">
-            <a:prstTxWarp prst="textNoShape">
-              <a:avLst/>
-            </a:prstTxWarp>
-          </a:bodyPr>
+            <a:spLocks noGrp="1"/>
+          </p:cNvSpPr>
+          <p:nvPr>
+            <p:ph idx="1"/>
+          </p:nvPr>
+        </p:nvSpPr>
+        <p:spPr/>
+        <p:txBody>
+          <a:bodyPr/>
           <a:lstStyle/>
           <a:p>
-            <a:pPr marL="0" marR="0" lvl="0" indent="0" algn="l" defTabSz="914400" rtl="0" eaLnBrk="1" fontAlgn="auto" latinLnBrk="0" hangingPunct="1">
-              <a:lnSpc>
-                <a:spcPct val="100000"/>
-              </a:lnSpc>
-              <a:spcBef>
-                <a:spcPts val="0"/>
-              </a:spcBef>
-              <a:spcAft>
-                <a:spcPts val="0"/>
-              </a:spcAft>
-              <a:buClrTx/>
-              <a:buSzTx/>
-              <a:buFontTx/>
-              <a:buNone/>
-              <a:tabLst/>
-              <a:defRPr/>
+            <a:pPr marL="0" indent="0">
+              <a:buNone/>
             </a:pPr>
-            <a:endParaRPr kumimoji="0" lang="en-NO" sz="1800" b="0" i="0" u="none" strike="noStrike" kern="1200" cap="none" spc="0" normalizeH="0" baseline="0" noProof="0">
-              <a:ln>
-                <a:noFill/>
-              </a:ln>
-              <a:solidFill>
-                <a:prstClr val="black"/>
-              </a:solidFill>
-              <a:effectLst/>
-              <a:uLnTx/>
-              <a:uFillTx/>
-              <a:latin typeface="Calibri" panose="020F0502020204030204"/>
-              <a:ea typeface="+mn-ea"/>
-              <a:cs typeface="+mn-cs"/>
-            </a:endParaRPr>
-          </a:p>
-        </p:txBody>
-      </p:sp>
-      <p:sp>
-        <p:nvSpPr>
-          <p:cNvPr id="17" name="AutoShape 10" descr="DataBrothers">
+            <a:r>
+              <a:rPr lang="sv-SE" dirty="0"/>
+              <a:t>It </a:t>
+            </a:r>
+            <a:r>
+              <a:rPr lang="sv-SE" dirty="0" err="1"/>
+              <a:t>doesn’t</a:t>
+            </a:r>
+            <a:r>
+              <a:rPr lang="sv-SE" dirty="0"/>
+              <a:t> </a:t>
+            </a:r>
+            <a:r>
+              <a:rPr lang="sv-SE" dirty="0" err="1"/>
+              <a:t>matter</a:t>
+            </a:r>
+            <a:r>
+              <a:rPr lang="sv-SE" dirty="0"/>
+              <a:t>. The </a:t>
+            </a:r>
+            <a:r>
+              <a:rPr lang="sv-SE" dirty="0" err="1"/>
+              <a:t>Developer</a:t>
+            </a:r>
+            <a:r>
+              <a:rPr lang="sv-SE" dirty="0"/>
+              <a:t> </a:t>
+            </a:r>
+            <a:r>
+              <a:rPr lang="sv-SE" dirty="0" err="1"/>
+              <a:t>wasn’t</a:t>
+            </a:r>
+            <a:r>
+              <a:rPr lang="sv-SE" dirty="0"/>
+              <a:t> </a:t>
+            </a:r>
+            <a:r>
+              <a:rPr lang="sv-SE" dirty="0" err="1"/>
+              <a:t>paying</a:t>
+            </a:r>
+            <a:r>
+              <a:rPr lang="sv-SE" dirty="0"/>
+              <a:t> attention </a:t>
+            </a:r>
+            <a:r>
+              <a:rPr lang="sv-SE" dirty="0" err="1"/>
+              <a:t>anyway</a:t>
+            </a:r>
+            <a:r>
+              <a:rPr lang="sv-SE" dirty="0"/>
+              <a:t>.</a:t>
+            </a:r>
+          </a:p>
+        </p:txBody>
+      </p:sp>
+    </p:spTree>
+    <p:extLst>
+      <p:ext uri="{BB962C8B-B14F-4D97-AF65-F5344CB8AC3E}">
+        <p14:creationId xmlns:p14="http://schemas.microsoft.com/office/powerpoint/2010/main" val="2560072043"/>
+      </p:ext>
+    </p:extLst>
+  </p:cSld>
+  <p:clrMapOvr>
+    <a:masterClrMapping/>
+  </p:clrMapOvr>
+  <p:timing>
+    <p:tnLst>
+      <p:par>
+        <p:cTn id="1" dur="indefinite" restart="never" nodeType="tmRoot">
+          <p:childTnLst>
+            <p:seq concurrent="1" nextAc="seek">
+              <p:cTn id="2" dur="indefinite" nodeType="mainSeq">
+                <p:childTnLst>
+                  <p:par>
+                    <p:cTn id="3" fill="hold">
+                      <p:stCondLst>
+                        <p:cond delay="indefinite"/>
+                      </p:stCondLst>
+                      <p:childTnLst>
+                        <p:par>
+                          <p:cTn id="4" fill="hold">
+                            <p:stCondLst>
+                              <p:cond delay="0"/>
+                            </p:stCondLst>
+                            <p:childTnLst>
+                              <p:par>
+                                <p:cTn id="5" presetID="1" presetClass="entr" presetSubtype="0" fill="hold" grpId="0" nodeType="clickEffect">
+                                  <p:stCondLst>
+                                    <p:cond delay="0"/>
+                                  </p:stCondLst>
+                                  <p:childTnLst>
+                                    <p:set>
+                                      <p:cBhvr>
+                                        <p:cTn id="6" dur="1" fill="hold">
+                                          <p:stCondLst>
+                                            <p:cond delay="0"/>
+                                          </p:stCondLst>
+                                        </p:cTn>
+                                        <p:tgtEl>
+                                          <p:spTgt spid="3">
+                                            <p:txEl>
+                                              <p:pRg st="0" end="0"/>
+                                            </p:txEl>
+                                          </p:spTgt>
+                                        </p:tgtEl>
+                                        <p:attrNameLst>
+                                          <p:attrName>style.visibility</p:attrName>
+                                        </p:attrNameLst>
+                                      </p:cBhvr>
+                                      <p:to>
+                                        <p:strVal val="visible"/>
+                                      </p:to>
+                                    </p:set>
+                                  </p:childTnLst>
+                                </p:cTn>
+                              </p:par>
+                            </p:childTnLst>
+                          </p:cTn>
+                        </p:par>
+                      </p:childTnLst>
+                    </p:cTn>
+                  </p:par>
+                </p:childTnLst>
+              </p:cTn>
+              <p:prevCondLst>
+                <p:cond evt="onPrev" delay="0">
+                  <p:tgtEl>
+                    <p:sldTgt/>
+                  </p:tgtEl>
+                </p:cond>
+              </p:prevCondLst>
+              <p:nextCondLst>
+                <p:cond evt="onNext" delay="0">
+                  <p:tgtEl>
+                    <p:sldTgt/>
+                  </p:tgtEl>
+                </p:cond>
+              </p:nextCondLst>
+            </p:seq>
+          </p:childTnLst>
+        </p:cTn>
+      </p:par>
+    </p:tnLst>
+    <p:bldLst>
+      <p:bldP spid="3" grpId="0" build="p"/>
+    </p:bldLst>
+  </p:timing>
+</p:sld>
+</file>
+
+<file path=ppt/slides/slide20.xml><?xml version="1.0" encoding="utf-8"?>
+<p:sld xmlns:a="http://schemas.openxmlformats.org/drawingml/2006/main" xmlns:r="http://schemas.openxmlformats.org/officeDocument/2006/relationships" xmlns:p="http://schemas.openxmlformats.org/presentationml/2006/main">
+  <p:cSld>
+    <p:spTree>
+      <p:nvGrpSpPr>
+        <p:cNvPr id="1" name=""/>
+        <p:cNvGrpSpPr/>
+        <p:nvPr/>
+      </p:nvGrpSpPr>
+      <p:grpSpPr>
+        <a:xfrm>
+          <a:off x="0" y="0"/>
+          <a:ext cx="0" cy="0"/>
+          <a:chOff x="0" y="0"/>
+          <a:chExt cx="0" cy="0"/>
+        </a:xfrm>
+      </p:grpSpPr>
+      <p:sp>
+        <p:nvSpPr>
+          <p:cNvPr id="4" name="Title 5">
             <a:extLst>
               <a:ext uri="{FF2B5EF4-FFF2-40B4-BE49-F238E27FC236}">
-                <a16:creationId xmlns:a16="http://schemas.microsoft.com/office/drawing/2014/main" id="{28AB2310-E80C-D142-A16A-AA62E769FF96}"/>
+                <a16:creationId xmlns:a16="http://schemas.microsoft.com/office/drawing/2014/main" id="{52AA752C-959C-DEB5-1C24-91762CC304E8}"/>
               </a:ext>
             </a:extLst>
           </p:cNvPr>
-          <p:cNvSpPr>
-            <a:spLocks noChangeAspect="1" noChangeArrowheads="1"/>
-          </p:cNvSpPr>
-          <p:nvPr/>
-        </p:nvSpPr>
-        <p:spPr bwMode="auto">
-          <a:xfrm>
-            <a:off x="6248400" y="3581400"/>
-            <a:ext cx="304800" cy="304800"/>
-          </a:xfrm>
-          <a:prstGeom prst="rect">
-            <a:avLst/>
-          </a:prstGeom>
-          <a:noFill/>
-          <a:extLst>
-            <a:ext uri="{909E8E84-426E-40DD-AFC4-6F175D3DCCD1}">
-              <a14:hiddenFill xmlns:a14="http://schemas.microsoft.com/office/drawing/2010/main">
-                <a:solidFill>
-                  <a:srgbClr val="FFFFFF"/>
-                </a:solidFill>
-              </a14:hiddenFill>
-            </a:ext>
-          </a:extLst>
-        </p:spPr>
-        <p:txBody>
-          <a:bodyPr vert="horz" wrap="square" lIns="91440" tIns="45720" rIns="91440" bIns="45720" numCol="1" anchor="t" anchorCtr="0" compatLnSpc="1">
-            <a:prstTxWarp prst="textNoShape">
-              <a:avLst/>
-            </a:prstTxWarp>
-          </a:bodyPr>
-          <a:lstStyle/>
-          <a:p>
-            <a:pPr marL="0" marR="0" lvl="0" indent="0" algn="l" defTabSz="914400" rtl="0" eaLnBrk="1" fontAlgn="auto" latinLnBrk="0" hangingPunct="1">
-              <a:lnSpc>
-                <a:spcPct val="100000"/>
-              </a:lnSpc>
-              <a:spcBef>
-                <a:spcPts val="0"/>
-              </a:spcBef>
-              <a:spcAft>
-                <a:spcPts val="0"/>
-              </a:spcAft>
-              <a:buClrTx/>
-              <a:buSzTx/>
-              <a:buFontTx/>
-              <a:buNone/>
-              <a:tabLst/>
-              <a:defRPr/>
-            </a:pPr>
-            <a:endParaRPr kumimoji="0" lang="en-NO" sz="1800" b="0" i="0" u="none" strike="noStrike" kern="1200" cap="none" spc="0" normalizeH="0" baseline="0" noProof="0">
-              <a:ln>
-                <a:noFill/>
-              </a:ln>
-              <a:solidFill>
-                <a:prstClr val="black"/>
-              </a:solidFill>
-              <a:effectLst/>
-              <a:uLnTx/>
-              <a:uFillTx/>
-              <a:latin typeface="Calibri" panose="020F0502020204030204"/>
-              <a:ea typeface="+mn-ea"/>
-              <a:cs typeface="+mn-cs"/>
-            </a:endParaRPr>
-          </a:p>
-        </p:txBody>
-      </p:sp>
-      <p:sp>
-        <p:nvSpPr>
-          <p:cNvPr id="2" name="TextBox 1">
-            <a:extLst>
-              <a:ext uri="{FF2B5EF4-FFF2-40B4-BE49-F238E27FC236}">
-                <a16:creationId xmlns:a16="http://schemas.microsoft.com/office/drawing/2014/main" id="{A27D6DC8-F446-93B3-B577-CB84D41AE2E5}"/>
-              </a:ext>
-            </a:extLst>
-          </p:cNvPr>
-          <p:cNvSpPr txBox="1"/>
+          <p:cNvSpPr txBox="1">
+            <a:spLocks/>
+          </p:cNvSpPr>
           <p:nvPr/>
         </p:nvSpPr>
         <p:spPr>
           <a:xfrm>
-            <a:off x="3831981" y="445520"/>
-            <a:ext cx="4161215" cy="2794383"/>
-          </a:xfrm>
-          <a:prstGeom prst="rect">
-            <a:avLst/>
-          </a:prstGeom>
-          <a:noFill/>
-        </p:spPr>
-        <p:txBody>
-          <a:bodyPr wrap="none" rtlCol="0">
-            <a:prstTxWarp prst="textArchUp">
-              <a:avLst>
-                <a:gd name="adj" fmla="val 10670077"/>
-              </a:avLst>
-            </a:prstTxWarp>
-            <a:spAutoFit/>
-          </a:bodyPr>
-          <a:lstStyle/>
-          <a:p>
-            <a:pPr marL="0" marR="0" lvl="0" indent="0" algn="l" defTabSz="914400" rtl="0" eaLnBrk="1" fontAlgn="auto" latinLnBrk="0" hangingPunct="1">
-              <a:lnSpc>
-                <a:spcPct val="100000"/>
-              </a:lnSpc>
-              <a:spcBef>
-                <a:spcPts val="0"/>
-              </a:spcBef>
-              <a:spcAft>
-                <a:spcPts val="0"/>
-              </a:spcAft>
-              <a:buClrTx/>
-              <a:buSzTx/>
-              <a:buFontTx/>
-              <a:buNone/>
-              <a:tabLst/>
-              <a:defRPr/>
-            </a:pPr>
-            <a:r>
-              <a:rPr kumimoji="0" lang="en-NO" sz="8000" b="0" i="0" u="none" strike="noStrike" kern="1200" cap="none" spc="0" normalizeH="0" baseline="0" noProof="0" dirty="0">
-                <a:ln>
-                  <a:noFill/>
-                </a:ln>
-                <a:solidFill>
-                  <a:prstClr val="black"/>
-                </a:solidFill>
-                <a:effectLst/>
-                <a:uLnTx/>
-                <a:uFillTx/>
-                <a:latin typeface="Gotham Medium" pitchFamily="2" charset="0"/>
-                <a:ea typeface="+mn-ea"/>
-                <a:cs typeface="Gotham Medium" pitchFamily="2" charset="0"/>
-              </a:rPr>
-              <a:t>Thank you to our sponsors</a:t>
-            </a:r>
-          </a:p>
-        </p:txBody>
-      </p:sp>
-      <p:pic>
-        <p:nvPicPr>
-          <p:cNvPr id="21" name="Picture 20" descr="A heart with a blue and yellow heart on a black background&#10;&#10;Description automatically generated">
-            <a:extLst>
-              <a:ext uri="{FF2B5EF4-FFF2-40B4-BE49-F238E27FC236}">
-                <a16:creationId xmlns:a16="http://schemas.microsoft.com/office/drawing/2014/main" id="{6CE45260-0307-0BAF-35F3-8907D52F695F}"/>
-              </a:ext>
-            </a:extLst>
-          </p:cNvPr>
-          <p:cNvPicPr>
-            <a:picLocks noChangeAspect="1"/>
-          </p:cNvPicPr>
-          <p:nvPr/>
-        </p:nvPicPr>
-        <p:blipFill>
-          <a:blip r:embed="rId3"/>
-          <a:stretch>
-            <a:fillRect/>
-          </a:stretch>
-        </p:blipFill>
-        <p:spPr>
-          <a:xfrm>
-            <a:off x="4813186" y="679449"/>
-            <a:ext cx="2565626" cy="2565626"/>
+            <a:off x="1878676" y="1947670"/>
+            <a:ext cx="8138160" cy="2758258"/>
           </a:xfrm>
           <a:prstGeom prst="rect">
             <a:avLst/>
           </a:prstGeom>
         </p:spPr>
-      </p:pic>
-      <p:pic>
-        <p:nvPicPr>
-          <p:cNvPr id="23" name="Graphic 22">
-            <a:extLst>
-              <a:ext uri="{FF2B5EF4-FFF2-40B4-BE49-F238E27FC236}">
-                <a16:creationId xmlns:a16="http://schemas.microsoft.com/office/drawing/2014/main" id="{E51DE4C2-F060-B536-024C-B2D02DEE833B}"/>
-              </a:ext>
-            </a:extLst>
-          </p:cNvPr>
-          <p:cNvPicPr>
-            <a:picLocks noChangeAspect="1"/>
-          </p:cNvPicPr>
-          <p:nvPr/>
-        </p:nvPicPr>
-        <p:blipFill>
-          <a:blip r:embed="rId4">
-            <a:extLst>
-              <a:ext uri="{96DAC541-7B7A-43D3-8B79-37D633B846F1}">
-                <asvg:svgBlip xmlns:asvg="http://schemas.microsoft.com/office/drawing/2016/SVG/main" r:embed="rId5"/>
-              </a:ext>
-            </a:extLst>
-          </a:blip>
-          <a:stretch>
-            <a:fillRect/>
-          </a:stretch>
-        </p:blipFill>
-        <p:spPr>
-          <a:xfrm>
-            <a:off x="9025111" y="1389147"/>
-            <a:ext cx="2098377" cy="1616761"/>
-          </a:xfrm>
-          <a:prstGeom prst="rect">
-            <a:avLst/>
-          </a:prstGeom>
-        </p:spPr>
-      </p:pic>
-      <p:pic>
-        <p:nvPicPr>
-          <p:cNvPr id="30" name="Picture 29" descr="A logo of a company&#10;&#10;Description automatically generated">
-            <a:extLst>
-              <a:ext uri="{FF2B5EF4-FFF2-40B4-BE49-F238E27FC236}">
-                <a16:creationId xmlns:a16="http://schemas.microsoft.com/office/drawing/2014/main" id="{361A80A4-E0A5-786C-7831-D69F47C26690}"/>
-              </a:ext>
-            </a:extLst>
-          </p:cNvPr>
-          <p:cNvPicPr>
-            <a:picLocks noChangeAspect="1"/>
-          </p:cNvPicPr>
-          <p:nvPr/>
-        </p:nvPicPr>
-        <p:blipFill>
-          <a:blip r:embed="rId6"/>
-          <a:stretch>
-            <a:fillRect/>
-          </a:stretch>
-        </p:blipFill>
-        <p:spPr>
-          <a:xfrm>
-            <a:off x="39659" y="-99683"/>
-            <a:ext cx="3191097" cy="1681583"/>
-          </a:xfrm>
-          <a:prstGeom prst="rect">
-            <a:avLst/>
-          </a:prstGeom>
-        </p:spPr>
-      </p:pic>
-      <p:pic>
-        <p:nvPicPr>
-          <p:cNvPr id="32" name="Picture 31" descr="Blue letters on a black background&#10;&#10;Description automatically generated">
-            <a:extLst>
-              <a:ext uri="{FF2B5EF4-FFF2-40B4-BE49-F238E27FC236}">
-                <a16:creationId xmlns:a16="http://schemas.microsoft.com/office/drawing/2014/main" id="{D4620A75-F55F-3DFD-9B11-6F50270A673D}"/>
-              </a:ext>
-            </a:extLst>
-          </p:cNvPr>
-          <p:cNvPicPr>
-            <a:picLocks noChangeAspect="1"/>
-          </p:cNvPicPr>
-          <p:nvPr/>
-        </p:nvPicPr>
-        <p:blipFill>
-          <a:blip r:embed="rId7"/>
-          <a:stretch>
-            <a:fillRect/>
-          </a:stretch>
-        </p:blipFill>
-        <p:spPr>
-          <a:xfrm>
-            <a:off x="4109545" y="3208137"/>
-            <a:ext cx="3972909" cy="1376236"/>
-          </a:xfrm>
-          <a:prstGeom prst="rect">
-            <a:avLst/>
-          </a:prstGeom>
-        </p:spPr>
-      </p:pic>
-      <p:pic>
-        <p:nvPicPr>
-          <p:cNvPr id="34" name="Graphic 33">
-            <a:extLst>
-              <a:ext uri="{FF2B5EF4-FFF2-40B4-BE49-F238E27FC236}">
-                <a16:creationId xmlns:a16="http://schemas.microsoft.com/office/drawing/2014/main" id="{0A1E68C9-5DE7-5624-7A91-EEFE80066229}"/>
-              </a:ext>
-            </a:extLst>
-          </p:cNvPr>
-          <p:cNvPicPr>
-            <a:picLocks noChangeAspect="1"/>
-          </p:cNvPicPr>
-          <p:nvPr/>
-        </p:nvPicPr>
-        <p:blipFill>
-          <a:blip r:embed="rId8">
-            <a:extLst>
-              <a:ext uri="{96DAC541-7B7A-43D3-8B79-37D633B846F1}">
-                <asvg:svgBlip xmlns:asvg="http://schemas.microsoft.com/office/drawing/2016/SVG/main" r:embed="rId9"/>
-              </a:ext>
-            </a:extLst>
-          </a:blip>
-          <a:stretch>
-            <a:fillRect/>
-          </a:stretch>
-        </p:blipFill>
-        <p:spPr>
-          <a:xfrm>
-            <a:off x="150281" y="1226960"/>
-            <a:ext cx="3191097" cy="1062698"/>
-          </a:xfrm>
-          <a:prstGeom prst="rect">
-            <a:avLst/>
-          </a:prstGeom>
-        </p:spPr>
-      </p:pic>
-      <p:pic>
-        <p:nvPicPr>
-          <p:cNvPr id="40" name="Picture 39" descr="A blue text on a black background&#10;&#10;Description automatically generated">
-            <a:extLst>
-              <a:ext uri="{FF2B5EF4-FFF2-40B4-BE49-F238E27FC236}">
-                <a16:creationId xmlns:a16="http://schemas.microsoft.com/office/drawing/2014/main" id="{2203E92C-1259-0D57-E11B-91EA46D980C8}"/>
-              </a:ext>
-            </a:extLst>
-          </p:cNvPr>
-          <p:cNvPicPr>
-            <a:picLocks noChangeAspect="1"/>
-          </p:cNvPicPr>
-          <p:nvPr/>
-        </p:nvPicPr>
-        <p:blipFill>
-          <a:blip r:embed="rId10"/>
-          <a:stretch>
-            <a:fillRect/>
-          </a:stretch>
-        </p:blipFill>
-        <p:spPr>
-          <a:xfrm>
-            <a:off x="478448" y="3425195"/>
-            <a:ext cx="2930483" cy="668589"/>
-          </a:xfrm>
-          <a:prstGeom prst="rect">
-            <a:avLst/>
-          </a:prstGeom>
-        </p:spPr>
-      </p:pic>
-      <p:pic>
-        <p:nvPicPr>
-          <p:cNvPr id="46" name="Picture 45" descr="A black background with a black square&#10;&#10;Description automatically generated with medium confidence">
-            <a:extLst>
-              <a:ext uri="{FF2B5EF4-FFF2-40B4-BE49-F238E27FC236}">
-                <a16:creationId xmlns:a16="http://schemas.microsoft.com/office/drawing/2014/main" id="{6167C4D0-F78B-5822-A299-5E24DBCB3BA7}"/>
-              </a:ext>
-            </a:extLst>
-          </p:cNvPr>
-          <p:cNvPicPr>
-            <a:picLocks noChangeAspect="1"/>
-          </p:cNvPicPr>
-          <p:nvPr/>
-        </p:nvPicPr>
-        <p:blipFill>
-          <a:blip r:embed="rId11"/>
-          <a:stretch>
-            <a:fillRect/>
-          </a:stretch>
-        </p:blipFill>
-        <p:spPr>
-          <a:xfrm>
-            <a:off x="8447481" y="3406938"/>
-            <a:ext cx="3407264" cy="669147"/>
-          </a:xfrm>
-          <a:prstGeom prst="rect">
-            <a:avLst/>
-          </a:prstGeom>
-        </p:spPr>
-      </p:pic>
-      <p:pic>
-        <p:nvPicPr>
-          <p:cNvPr id="48" name="Picture 47" descr="A black background with white spots&#10;&#10;Description automatically generated">
-            <a:extLst>
-              <a:ext uri="{FF2B5EF4-FFF2-40B4-BE49-F238E27FC236}">
-                <a16:creationId xmlns:a16="http://schemas.microsoft.com/office/drawing/2014/main" id="{05B770F0-9B4A-21C4-8559-84452EE1BAD9}"/>
-              </a:ext>
-            </a:extLst>
-          </p:cNvPr>
-          <p:cNvPicPr>
-            <a:picLocks noChangeAspect="1"/>
-          </p:cNvPicPr>
-          <p:nvPr/>
-        </p:nvPicPr>
-        <p:blipFill>
-          <a:blip r:embed="rId12"/>
-          <a:stretch>
-            <a:fillRect/>
-          </a:stretch>
-        </p:blipFill>
-        <p:spPr>
-          <a:xfrm>
-            <a:off x="8360018" y="4091691"/>
-            <a:ext cx="3693941" cy="1501379"/>
-          </a:xfrm>
-          <a:prstGeom prst="rect">
-            <a:avLst/>
-          </a:prstGeom>
-        </p:spPr>
-      </p:pic>
-      <p:pic>
-        <p:nvPicPr>
-          <p:cNvPr id="52" name="Picture 51" descr="A black background with a black square&#10;&#10;Description automatically generated with medium confidence">
-            <a:extLst>
-              <a:ext uri="{FF2B5EF4-FFF2-40B4-BE49-F238E27FC236}">
-                <a16:creationId xmlns:a16="http://schemas.microsoft.com/office/drawing/2014/main" id="{7DC134D0-2A42-6F67-B55A-8DA4DB61F03C}"/>
-              </a:ext>
-            </a:extLst>
-          </p:cNvPr>
-          <p:cNvPicPr>
-            <a:picLocks noChangeAspect="1"/>
-          </p:cNvPicPr>
-          <p:nvPr/>
-        </p:nvPicPr>
-        <p:blipFill>
-          <a:blip r:embed="rId13"/>
-          <a:stretch>
-            <a:fillRect/>
-          </a:stretch>
-        </p:blipFill>
-        <p:spPr>
-          <a:xfrm>
-            <a:off x="536092" y="4561226"/>
-            <a:ext cx="2705277" cy="479821"/>
-          </a:xfrm>
-          <a:prstGeom prst="rect">
-            <a:avLst/>
-          </a:prstGeom>
-        </p:spPr>
-      </p:pic>
-      <p:pic>
-        <p:nvPicPr>
-          <p:cNvPr id="54" name="Picture 53">
-            <a:extLst>
-              <a:ext uri="{FF2B5EF4-FFF2-40B4-BE49-F238E27FC236}">
-                <a16:creationId xmlns:a16="http://schemas.microsoft.com/office/drawing/2014/main" id="{01D64385-3481-6F93-C5C6-A00BEAC0A51C}"/>
-              </a:ext>
-            </a:extLst>
-          </p:cNvPr>
-          <p:cNvPicPr>
-            <a:picLocks noChangeAspect="1"/>
-          </p:cNvPicPr>
-          <p:nvPr/>
-        </p:nvPicPr>
-        <p:blipFill>
-          <a:blip r:embed="rId14"/>
-          <a:stretch>
-            <a:fillRect/>
-          </a:stretch>
-        </p:blipFill>
-        <p:spPr>
-          <a:xfrm>
-            <a:off x="170457" y="2679587"/>
-            <a:ext cx="3717061" cy="434888"/>
-          </a:xfrm>
-          <a:prstGeom prst="rect">
-            <a:avLst/>
-          </a:prstGeom>
-        </p:spPr>
-      </p:pic>
-      <p:pic>
-        <p:nvPicPr>
-          <p:cNvPr id="56" name="Picture 55" descr="A black and white logo&#10;&#10;Description automatically generated">
-            <a:extLst>
-              <a:ext uri="{FF2B5EF4-FFF2-40B4-BE49-F238E27FC236}">
-                <a16:creationId xmlns:a16="http://schemas.microsoft.com/office/drawing/2014/main" id="{5CD93F81-DDFF-1D00-C01D-C8B9B27F33C9}"/>
-              </a:ext>
-            </a:extLst>
-          </p:cNvPr>
-          <p:cNvPicPr>
-            <a:picLocks noChangeAspect="1"/>
-          </p:cNvPicPr>
-          <p:nvPr/>
-        </p:nvPicPr>
-        <p:blipFill>
-          <a:blip r:embed="rId15"/>
-          <a:stretch>
-            <a:fillRect/>
-          </a:stretch>
-        </p:blipFill>
-        <p:spPr>
-          <a:xfrm>
-            <a:off x="9074559" y="208293"/>
-            <a:ext cx="2048929" cy="1053734"/>
-          </a:xfrm>
-          <a:prstGeom prst="rect">
-            <a:avLst/>
-          </a:prstGeom>
-        </p:spPr>
-      </p:pic>
-      <p:pic>
-        <p:nvPicPr>
-          <p:cNvPr id="14" name="Picture 13">
-            <a:extLst>
-              <a:ext uri="{FF2B5EF4-FFF2-40B4-BE49-F238E27FC236}">
-                <a16:creationId xmlns:a16="http://schemas.microsoft.com/office/drawing/2014/main" id="{95C2ED42-243D-4C1E-9963-F12C138F7CB4}"/>
-              </a:ext>
-            </a:extLst>
-          </p:cNvPr>
-          <p:cNvPicPr>
-            <a:picLocks noChangeAspect="1"/>
-          </p:cNvPicPr>
-          <p:nvPr/>
-        </p:nvPicPr>
-        <p:blipFill>
-          <a:blip r:embed="rId16"/>
-          <a:stretch>
-            <a:fillRect/>
-          </a:stretch>
-        </p:blipFill>
-        <p:spPr>
-          <a:xfrm>
-            <a:off x="4624100" y="6035004"/>
-            <a:ext cx="2692928" cy="666234"/>
-          </a:xfrm>
-          <a:prstGeom prst="rect">
-            <a:avLst/>
-          </a:prstGeom>
-        </p:spPr>
-      </p:pic>
-      <p:pic>
-        <p:nvPicPr>
-          <p:cNvPr id="36" name="Picture 35" descr="A logo of a horse head&#10;&#10;Description automatically generated">
-            <a:extLst>
-              <a:ext uri="{FF2B5EF4-FFF2-40B4-BE49-F238E27FC236}">
-                <a16:creationId xmlns:a16="http://schemas.microsoft.com/office/drawing/2014/main" id="{0A70428B-98DC-FE4F-EA21-A6F89D944395}"/>
-              </a:ext>
-            </a:extLst>
-          </p:cNvPr>
-          <p:cNvPicPr>
-            <a:picLocks noChangeAspect="1"/>
-          </p:cNvPicPr>
-          <p:nvPr/>
-        </p:nvPicPr>
-        <p:blipFill>
-          <a:blip r:embed="rId17"/>
-          <a:stretch>
-            <a:fillRect/>
-          </a:stretch>
-        </p:blipFill>
-        <p:spPr>
-          <a:xfrm>
-            <a:off x="7470733" y="5307635"/>
-            <a:ext cx="1313258" cy="1313258"/>
-          </a:xfrm>
-          <a:prstGeom prst="rect">
-            <a:avLst/>
-          </a:prstGeom>
-        </p:spPr>
-      </p:pic>
-      <p:pic>
-        <p:nvPicPr>
-          <p:cNvPr id="38" name="Picture 37" descr="A colorful circle with white letters and a white text&#10;&#10;Description automatically generated">
-            <a:extLst>
-              <a:ext uri="{FF2B5EF4-FFF2-40B4-BE49-F238E27FC236}">
-                <a16:creationId xmlns:a16="http://schemas.microsoft.com/office/drawing/2014/main" id="{B4BFBB95-1BD7-BED8-4C2A-05AC0B62C1BD}"/>
-              </a:ext>
-            </a:extLst>
-          </p:cNvPr>
-          <p:cNvPicPr>
-            <a:picLocks noChangeAspect="1"/>
-          </p:cNvPicPr>
-          <p:nvPr/>
-        </p:nvPicPr>
-        <p:blipFill>
-          <a:blip r:embed="rId18"/>
-          <a:stretch>
-            <a:fillRect/>
-          </a:stretch>
-        </p:blipFill>
-        <p:spPr>
-          <a:xfrm>
-            <a:off x="3120771" y="5360165"/>
-            <a:ext cx="1137417" cy="1168925"/>
-          </a:xfrm>
-          <a:prstGeom prst="rect">
-            <a:avLst/>
-          </a:prstGeom>
-        </p:spPr>
-      </p:pic>
-      <p:pic>
-        <p:nvPicPr>
-          <p:cNvPr id="42" name="Picture 41" descr="A black background with gold letters&#10;&#10;Description automatically generated">
-            <a:extLst>
-              <a:ext uri="{FF2B5EF4-FFF2-40B4-BE49-F238E27FC236}">
-                <a16:creationId xmlns:a16="http://schemas.microsoft.com/office/drawing/2014/main" id="{2922516D-7859-5985-787D-A71D8143C4BE}"/>
-              </a:ext>
-            </a:extLst>
-          </p:cNvPr>
-          <p:cNvPicPr>
-            <a:picLocks noChangeAspect="1"/>
-          </p:cNvPicPr>
-          <p:nvPr/>
-        </p:nvPicPr>
-        <p:blipFill>
-          <a:blip r:embed="rId19"/>
-          <a:stretch>
-            <a:fillRect/>
-          </a:stretch>
-        </p:blipFill>
-        <p:spPr>
-          <a:xfrm>
-            <a:off x="9131512" y="5711879"/>
-            <a:ext cx="2449491" cy="646249"/>
-          </a:xfrm>
-          <a:prstGeom prst="rect">
-            <a:avLst/>
-          </a:prstGeom>
-        </p:spPr>
-      </p:pic>
-      <p:pic>
-        <p:nvPicPr>
-          <p:cNvPr id="50" name="Picture 49" descr="A logo of a brain&#10;&#10;Description automatically generated">
-            <a:extLst>
-              <a:ext uri="{FF2B5EF4-FFF2-40B4-BE49-F238E27FC236}">
-                <a16:creationId xmlns:a16="http://schemas.microsoft.com/office/drawing/2014/main" id="{D067C47A-9547-E118-D745-D7DC0364CAC8}"/>
-              </a:ext>
-            </a:extLst>
-          </p:cNvPr>
-          <p:cNvPicPr>
-            <a:picLocks noChangeAspect="1"/>
-          </p:cNvPicPr>
-          <p:nvPr/>
-        </p:nvPicPr>
-        <p:blipFill>
-          <a:blip r:embed="rId20"/>
-          <a:stretch>
-            <a:fillRect/>
-          </a:stretch>
-        </p:blipFill>
-        <p:spPr>
-          <a:xfrm>
-            <a:off x="4731708" y="4584373"/>
-            <a:ext cx="2477712" cy="1082780"/>
-          </a:xfrm>
-          <a:prstGeom prst="rect">
-            <a:avLst/>
-          </a:prstGeom>
-        </p:spPr>
-      </p:pic>
-      <p:pic>
-        <p:nvPicPr>
-          <p:cNvPr id="58" name="Picture 57" descr="A yellow rectangle with black text&#10;&#10;Description automatically generated">
-            <a:extLst>
-              <a:ext uri="{FF2B5EF4-FFF2-40B4-BE49-F238E27FC236}">
-                <a16:creationId xmlns:a16="http://schemas.microsoft.com/office/drawing/2014/main" id="{CDBEF0D0-7C52-3EC2-DA30-DC17F0A4699A}"/>
-              </a:ext>
-            </a:extLst>
-          </p:cNvPr>
-          <p:cNvPicPr>
-            <a:picLocks noChangeAspect="1"/>
-          </p:cNvPicPr>
-          <p:nvPr/>
-        </p:nvPicPr>
-        <p:blipFill>
-          <a:blip r:embed="rId21"/>
-          <a:stretch>
-            <a:fillRect/>
-          </a:stretch>
-        </p:blipFill>
-        <p:spPr>
-          <a:xfrm>
-            <a:off x="610997" y="5631040"/>
-            <a:ext cx="2136811" cy="748008"/>
-          </a:xfrm>
-          <a:prstGeom prst="rect">
-            <a:avLst/>
-          </a:prstGeom>
-        </p:spPr>
-      </p:pic>
+        <p:txBody>
+          <a:bodyPr>
+            <a:normAutofit/>
+          </a:bodyPr>
+          <a:lstStyle>
+            <a:lvl1pPr algn="l" defTabSz="457200" rtl="0" eaLnBrk="1" latinLnBrk="0" hangingPunct="1">
+              <a:spcBef>
+                <a:spcPct val="0"/>
+              </a:spcBef>
+              <a:buNone/>
+              <a:defRPr sz="3600" kern="1200">
+                <a:solidFill>
+                  <a:schemeClr val="accent1"/>
+                </a:solidFill>
+                <a:latin typeface="Roboto Light" panose="02000000000000000000" pitchFamily="2" charset="0"/>
+                <a:ea typeface="Roboto Light" panose="02000000000000000000" pitchFamily="2" charset="0"/>
+                <a:cs typeface="Roboto Light" panose="02000000000000000000" pitchFamily="2" charset="0"/>
+              </a:defRPr>
+            </a:lvl1pPr>
+            <a:lvl2pPr eaLnBrk="1" hangingPunct="1">
+              <a:defRPr>
+                <a:solidFill>
+                  <a:schemeClr val="tx2"/>
+                </a:solidFill>
+              </a:defRPr>
+            </a:lvl2pPr>
+            <a:lvl3pPr eaLnBrk="1" hangingPunct="1">
+              <a:defRPr>
+                <a:solidFill>
+                  <a:schemeClr val="tx2"/>
+                </a:solidFill>
+              </a:defRPr>
+            </a:lvl3pPr>
+            <a:lvl4pPr eaLnBrk="1" hangingPunct="1">
+              <a:defRPr>
+                <a:solidFill>
+                  <a:schemeClr val="tx2"/>
+                </a:solidFill>
+              </a:defRPr>
+            </a:lvl4pPr>
+            <a:lvl5pPr eaLnBrk="1" hangingPunct="1">
+              <a:defRPr>
+                <a:solidFill>
+                  <a:schemeClr val="tx2"/>
+                </a:solidFill>
+              </a:defRPr>
+            </a:lvl5pPr>
+            <a:lvl6pPr eaLnBrk="1" hangingPunct="1">
+              <a:defRPr>
+                <a:solidFill>
+                  <a:schemeClr val="tx2"/>
+                </a:solidFill>
+              </a:defRPr>
+            </a:lvl6pPr>
+            <a:lvl7pPr eaLnBrk="1" hangingPunct="1">
+              <a:defRPr>
+                <a:solidFill>
+                  <a:schemeClr val="tx2"/>
+                </a:solidFill>
+              </a:defRPr>
+            </a:lvl7pPr>
+            <a:lvl8pPr eaLnBrk="1" hangingPunct="1">
+              <a:defRPr>
+                <a:solidFill>
+                  <a:schemeClr val="tx2"/>
+                </a:solidFill>
+              </a:defRPr>
+            </a:lvl8pPr>
+            <a:lvl9pPr eaLnBrk="1" hangingPunct="1">
+              <a:defRPr>
+                <a:solidFill>
+                  <a:schemeClr val="tx2"/>
+                </a:solidFill>
+              </a:defRPr>
+            </a:lvl9pPr>
+          </a:lstStyle>
+          <a:p>
+            <a:r>
+              <a:rPr lang="en-GB" sz="7200" dirty="0"/>
+              <a:t>DEMO git</a:t>
+            </a:r>
+            <a:endParaRPr lang="LID4096" sz="7200" dirty="0"/>
+          </a:p>
+        </p:txBody>
+      </p:sp>
     </p:spTree>
     <p:extLst>
       <p:ext uri="{BB962C8B-B14F-4D97-AF65-F5344CB8AC3E}">
-        <p14:creationId xmlns:p14="http://schemas.microsoft.com/office/powerpoint/2010/main" val="2624240746"/>
+        <p14:creationId xmlns:p14="http://schemas.microsoft.com/office/powerpoint/2010/main" val="1692210495"/>
       </p:ext>
     </p:extLst>
   </p:cSld>
@@ -12163,7 +8339,7 @@
 </p:sld>
 </file>
 
-<file path=ppt/slides/slide20.xml><?xml version="1.0" encoding="utf-8"?>
+<file path=ppt/slides/slide21.xml><?xml version="1.0" encoding="utf-8"?>
 <p:sld xmlns:a="http://schemas.openxmlformats.org/drawingml/2006/main" xmlns:r="http://schemas.openxmlformats.org/officeDocument/2006/relationships" xmlns:p="http://schemas.openxmlformats.org/presentationml/2006/main">
   <p:cSld>
     <p:spTree>
@@ -12769,7 +8945,7 @@
 </p:sld>
 </file>
 
-<file path=ppt/slides/slide21.xml><?xml version="1.0" encoding="utf-8"?>
+<file path=ppt/slides/slide22.xml><?xml version="1.0" encoding="utf-8"?>
 <p:sld xmlns:a="http://schemas.openxmlformats.org/drawingml/2006/main" xmlns:r="http://schemas.openxmlformats.org/officeDocument/2006/relationships" xmlns:p="http://schemas.openxmlformats.org/presentationml/2006/main">
   <p:cSld>
     <p:spTree>
@@ -12907,7 +9083,7 @@
 </p:sld>
 </file>
 
-<file path=ppt/slides/slide22.xml><?xml version="1.0" encoding="utf-8"?>
+<file path=ppt/slides/slide23.xml><?xml version="1.0" encoding="utf-8"?>
 <p:sld xmlns:a="http://schemas.openxmlformats.org/drawingml/2006/main" xmlns:r="http://schemas.openxmlformats.org/officeDocument/2006/relationships" xmlns:p="http://schemas.openxmlformats.org/presentationml/2006/main">
   <p:cSld>
     <p:spTree>
@@ -13272,7 +9448,7 @@
 </p:sld>
 </file>
 
-<file path=ppt/slides/slide23.xml><?xml version="1.0" encoding="utf-8"?>
+<file path=ppt/slides/slide24.xml><?xml version="1.0" encoding="utf-8"?>
 <p:sld xmlns:a="http://schemas.openxmlformats.org/drawingml/2006/main" xmlns:r="http://schemas.openxmlformats.org/officeDocument/2006/relationships" xmlns:p="http://schemas.openxmlformats.org/presentationml/2006/main">
   <p:cSld>
     <p:spTree>
@@ -13414,7 +9590,7 @@
 </p:sld>
 </file>
 
-<file path=ppt/slides/slide24.xml><?xml version="1.0" encoding="utf-8"?>
+<file path=ppt/slides/slide25.xml><?xml version="1.0" encoding="utf-8"?>
 <p:sld xmlns:a="http://schemas.openxmlformats.org/drawingml/2006/main" xmlns:r="http://schemas.openxmlformats.org/officeDocument/2006/relationships" xmlns:p="http://schemas.openxmlformats.org/presentationml/2006/main">
   <p:cSld>
     <p:spTree>
@@ -13759,7 +9935,7 @@
 </p:sld>
 </file>
 
-<file path=ppt/slides/slide25.xml><?xml version="1.0" encoding="utf-8"?>
+<file path=ppt/slides/slide26.xml><?xml version="1.0" encoding="utf-8"?>
 <p:sld xmlns:a="http://schemas.openxmlformats.org/drawingml/2006/main" xmlns:r="http://schemas.openxmlformats.org/officeDocument/2006/relationships" xmlns:p="http://schemas.openxmlformats.org/presentationml/2006/main">
   <p:cSld>
     <p:spTree>
@@ -13819,7 +9995,7 @@
 </p:sld>
 </file>
 
-<file path=ppt/slides/slide26.xml><?xml version="1.0" encoding="utf-8"?>
+<file path=ppt/slides/slide27.xml><?xml version="1.0" encoding="utf-8"?>
 <p:sld xmlns:a="http://schemas.openxmlformats.org/drawingml/2006/main" xmlns:r="http://schemas.openxmlformats.org/officeDocument/2006/relationships" xmlns:p="http://schemas.openxmlformats.org/presentationml/2006/main">
   <p:cSld>
     <p:spTree>
@@ -13976,450 +10152,207 @@
       </p:grpSpPr>
       <p:sp>
         <p:nvSpPr>
-          <p:cNvPr id="2" name="Content Placeholder 1">
+          <p:cNvPr id="2" name="Rubrik 1">
             <a:extLst>
               <a:ext uri="{FF2B5EF4-FFF2-40B4-BE49-F238E27FC236}">
-                <a16:creationId xmlns:a16="http://schemas.microsoft.com/office/drawing/2014/main" id="{8123E278-BC88-53C8-A0E4-17D4FF50B1B6}"/>
+                <a16:creationId xmlns:a16="http://schemas.microsoft.com/office/drawing/2014/main" id="{6419F638-8B7C-5BEB-6795-5F0CC795FACE}"/>
               </a:ext>
             </a:extLst>
           </p:cNvPr>
-          <p:cNvSpPr txBox="1">
-            <a:spLocks/>
-          </p:cNvSpPr>
-          <p:nvPr/>
-        </p:nvSpPr>
-        <p:spPr>
-          <a:xfrm>
-            <a:off x="369047" y="1825625"/>
-            <a:ext cx="8165353" cy="4351338"/>
-          </a:xfrm>
-          <a:prstGeom prst="rect">
-            <a:avLst/>
-          </a:prstGeom>
-        </p:spPr>
-        <p:txBody>
-          <a:bodyPr>
-            <a:normAutofit fontScale="92500" lnSpcReduction="10000"/>
-          </a:bodyPr>
-          <a:lstStyle>
-            <a:lvl1pPr marL="342900" indent="-342900" algn="l" defTabSz="457200" rtl="0" eaLnBrk="1" latinLnBrk="0" hangingPunct="1">
-              <a:spcBef>
-                <a:spcPts val="1000"/>
-              </a:spcBef>
-              <a:spcAft>
-                <a:spcPts val="0"/>
-              </a:spcAft>
-              <a:buClr>
-                <a:schemeClr val="accent1"/>
-              </a:buClr>
-              <a:buSzPct val="80000"/>
-              <a:buFont typeface="Wingdings 3" charset="2"/>
-              <a:buChar char=""/>
-              <a:defRPr sz="1800" kern="1200">
-                <a:solidFill>
-                  <a:schemeClr val="tx1">
-                    <a:lumMod val="75000"/>
-                    <a:lumOff val="25000"/>
-                  </a:schemeClr>
-                </a:solidFill>
-                <a:latin typeface="Source Sans Pro" panose="020B0503030403020204" pitchFamily="34" charset="0"/>
-                <a:ea typeface="Source Sans Pro" panose="020B0503030403020204" pitchFamily="34" charset="0"/>
-                <a:cs typeface="+mn-cs"/>
-              </a:defRPr>
-            </a:lvl1pPr>
-            <a:lvl2pPr marL="742950" indent="-285750" algn="l" defTabSz="457200" rtl="0" eaLnBrk="1" latinLnBrk="0" hangingPunct="1">
-              <a:spcBef>
-                <a:spcPts val="1000"/>
-              </a:spcBef>
-              <a:spcAft>
-                <a:spcPts val="0"/>
-              </a:spcAft>
-              <a:buClr>
-                <a:schemeClr val="accent1"/>
-              </a:buClr>
-              <a:buSzPct val="80000"/>
-              <a:buFont typeface="Wingdings 3" charset="2"/>
-              <a:buChar char=""/>
-              <a:defRPr sz="1600" kern="1200">
-                <a:solidFill>
-                  <a:schemeClr val="tx1">
-                    <a:lumMod val="75000"/>
-                    <a:lumOff val="25000"/>
-                  </a:schemeClr>
-                </a:solidFill>
-                <a:latin typeface="Source Sans Pro" panose="020B0503030403020204" pitchFamily="34" charset="0"/>
-                <a:ea typeface="Source Sans Pro" panose="020B0503030403020204" pitchFamily="34" charset="0"/>
-                <a:cs typeface="+mn-cs"/>
-              </a:defRPr>
-            </a:lvl2pPr>
-            <a:lvl3pPr marL="1143000" indent="-228600" algn="l" defTabSz="457200" rtl="0" eaLnBrk="1" latinLnBrk="0" hangingPunct="1">
-              <a:spcBef>
-                <a:spcPts val="1000"/>
-              </a:spcBef>
-              <a:spcAft>
-                <a:spcPts val="0"/>
-              </a:spcAft>
-              <a:buClr>
-                <a:schemeClr val="accent1"/>
-              </a:buClr>
-              <a:buSzPct val="80000"/>
-              <a:buFont typeface="Wingdings 3" charset="2"/>
-              <a:buChar char=""/>
-              <a:defRPr sz="1400" kern="1200">
-                <a:solidFill>
-                  <a:schemeClr val="tx1">
-                    <a:lumMod val="75000"/>
-                    <a:lumOff val="25000"/>
-                  </a:schemeClr>
-                </a:solidFill>
-                <a:latin typeface="Source Sans Pro" panose="020B0503030403020204" pitchFamily="34" charset="0"/>
-                <a:ea typeface="Source Sans Pro" panose="020B0503030403020204" pitchFamily="34" charset="0"/>
-                <a:cs typeface="+mn-cs"/>
-              </a:defRPr>
-            </a:lvl3pPr>
-            <a:lvl4pPr marL="1600200" indent="-228600" algn="l" defTabSz="457200" rtl="0" eaLnBrk="1" latinLnBrk="0" hangingPunct="1">
-              <a:spcBef>
-                <a:spcPts val="1000"/>
-              </a:spcBef>
-              <a:spcAft>
-                <a:spcPts val="0"/>
-              </a:spcAft>
-              <a:buClr>
-                <a:schemeClr val="accent1"/>
-              </a:buClr>
-              <a:buSzPct val="80000"/>
-              <a:buFont typeface="Wingdings 3" charset="2"/>
-              <a:buChar char=""/>
-              <a:defRPr sz="1200" kern="1200">
-                <a:solidFill>
-                  <a:schemeClr val="tx1">
-                    <a:lumMod val="75000"/>
-                    <a:lumOff val="25000"/>
-                  </a:schemeClr>
-                </a:solidFill>
-                <a:latin typeface="Source Sans Pro" panose="020B0503030403020204" pitchFamily="34" charset="0"/>
-                <a:ea typeface="Source Sans Pro" panose="020B0503030403020204" pitchFamily="34" charset="0"/>
-                <a:cs typeface="+mn-cs"/>
-              </a:defRPr>
-            </a:lvl4pPr>
-            <a:lvl5pPr marL="2057400" indent="-228600" algn="l" defTabSz="457200" rtl="0" eaLnBrk="1" latinLnBrk="0" hangingPunct="1">
-              <a:spcBef>
-                <a:spcPts val="1000"/>
-              </a:spcBef>
-              <a:spcAft>
-                <a:spcPts val="0"/>
-              </a:spcAft>
-              <a:buClr>
-                <a:schemeClr val="accent1"/>
-              </a:buClr>
-              <a:buSzPct val="80000"/>
-              <a:buFont typeface="Wingdings 3" charset="2"/>
-              <a:buChar char=""/>
-              <a:defRPr sz="1200" kern="1200">
-                <a:solidFill>
-                  <a:schemeClr val="tx1">
-                    <a:lumMod val="75000"/>
-                    <a:lumOff val="25000"/>
-                  </a:schemeClr>
-                </a:solidFill>
-                <a:latin typeface="Source Sans Pro" panose="020B0503030403020204" pitchFamily="34" charset="0"/>
-                <a:ea typeface="Source Sans Pro" panose="020B0503030403020204" pitchFamily="34" charset="0"/>
-                <a:cs typeface="+mn-cs"/>
-              </a:defRPr>
-            </a:lvl5pPr>
-            <a:lvl6pPr marL="2514600" indent="-228600" algn="l" defTabSz="457200" rtl="0" eaLnBrk="1" latinLnBrk="0" hangingPunct="1">
-              <a:spcBef>
-                <a:spcPts val="1000"/>
-              </a:spcBef>
-              <a:spcAft>
-                <a:spcPts val="0"/>
-              </a:spcAft>
-              <a:buClr>
-                <a:schemeClr val="accent1"/>
-              </a:buClr>
-              <a:buSzPct val="80000"/>
-              <a:buFont typeface="Wingdings 3" charset="2"/>
-              <a:buChar char=""/>
-              <a:defRPr sz="1200" kern="1200">
-                <a:solidFill>
-                  <a:schemeClr val="tx1">
-                    <a:lumMod val="75000"/>
-                    <a:lumOff val="25000"/>
-                  </a:schemeClr>
-                </a:solidFill>
-                <a:latin typeface="+mn-lt"/>
-                <a:ea typeface="+mn-ea"/>
-                <a:cs typeface="+mn-cs"/>
-              </a:defRPr>
-            </a:lvl6pPr>
-            <a:lvl7pPr marL="2971800" indent="-228600" algn="l" defTabSz="457200" rtl="0" eaLnBrk="1" latinLnBrk="0" hangingPunct="1">
-              <a:spcBef>
-                <a:spcPts val="1000"/>
-              </a:spcBef>
-              <a:spcAft>
-                <a:spcPts val="0"/>
-              </a:spcAft>
-              <a:buClr>
-                <a:schemeClr val="accent1"/>
-              </a:buClr>
-              <a:buSzPct val="80000"/>
-              <a:buFont typeface="Wingdings 3" charset="2"/>
-              <a:buChar char=""/>
-              <a:defRPr sz="1200" kern="1200">
-                <a:solidFill>
-                  <a:schemeClr val="tx1">
-                    <a:lumMod val="75000"/>
-                    <a:lumOff val="25000"/>
-                  </a:schemeClr>
-                </a:solidFill>
-                <a:latin typeface="+mn-lt"/>
-                <a:ea typeface="+mn-ea"/>
-                <a:cs typeface="+mn-cs"/>
-              </a:defRPr>
-            </a:lvl7pPr>
-            <a:lvl8pPr marL="3429000" indent="-228600" algn="l" defTabSz="457200" rtl="0" eaLnBrk="1" latinLnBrk="0" hangingPunct="1">
-              <a:spcBef>
-                <a:spcPts val="1000"/>
-              </a:spcBef>
-              <a:spcAft>
-                <a:spcPts val="0"/>
-              </a:spcAft>
-              <a:buClr>
-                <a:schemeClr val="accent1"/>
-              </a:buClr>
-              <a:buSzPct val="80000"/>
-              <a:buFont typeface="Wingdings 3" charset="2"/>
-              <a:buChar char=""/>
-              <a:defRPr sz="1200" kern="1200">
-                <a:solidFill>
-                  <a:schemeClr val="tx1">
-                    <a:lumMod val="75000"/>
-                    <a:lumOff val="25000"/>
-                  </a:schemeClr>
-                </a:solidFill>
-                <a:latin typeface="+mn-lt"/>
-                <a:ea typeface="+mn-ea"/>
-                <a:cs typeface="+mn-cs"/>
-              </a:defRPr>
-            </a:lvl8pPr>
-            <a:lvl9pPr marL="3886200" indent="-228600" algn="l" defTabSz="457200" rtl="0" eaLnBrk="1" latinLnBrk="0" hangingPunct="1">
-              <a:spcBef>
-                <a:spcPts val="1000"/>
-              </a:spcBef>
-              <a:spcAft>
-                <a:spcPts val="0"/>
-              </a:spcAft>
-              <a:buClr>
-                <a:schemeClr val="accent1"/>
-              </a:buClr>
-              <a:buSzPct val="80000"/>
-              <a:buFont typeface="Wingdings 3" charset="2"/>
-              <a:buChar char=""/>
-              <a:defRPr sz="1200" kern="1200">
-                <a:solidFill>
-                  <a:schemeClr val="tx1">
-                    <a:lumMod val="75000"/>
-                    <a:lumOff val="25000"/>
-                  </a:schemeClr>
-                </a:solidFill>
-                <a:latin typeface="+mn-lt"/>
-                <a:ea typeface="+mn-ea"/>
-                <a:cs typeface="+mn-cs"/>
-              </a:defRPr>
-            </a:lvl9pPr>
-          </a:lstStyle>
-          <a:p>
-            <a:r>
-              <a:rPr lang="en-GB" dirty="0"/>
-              <a:t>Check if disks are near capacity</a:t>
-            </a:r>
-          </a:p>
-          <a:p>
-            <a:pPr lvl="1"/>
-            <a:r>
-              <a:rPr lang="en-GB" dirty="0"/>
-              <a:t>Order new disks and controllers and build a new RAID array in the server</a:t>
-            </a:r>
-          </a:p>
-          <a:p>
-            <a:r>
-              <a:rPr lang="en-GB" dirty="0"/>
-              <a:t>Replace faulty disks</a:t>
-            </a:r>
-          </a:p>
-          <a:p>
-            <a:r>
-              <a:rPr lang="en-GB" dirty="0"/>
-              <a:t>Add a new CPU to the database </a:t>
-            </a:r>
-            <a:br>
-              <a:rPr lang="en-GB" dirty="0"/>
-            </a:br>
-            <a:r>
-              <a:rPr lang="en-GB" dirty="0"/>
-              <a:t>server</a:t>
-            </a:r>
-          </a:p>
-          <a:p>
-            <a:r>
-              <a:rPr lang="en-GB" dirty="0"/>
-              <a:t>Deploy database changes with manual </a:t>
-            </a:r>
-            <a:br>
-              <a:rPr lang="en-GB" dirty="0"/>
-            </a:br>
-            <a:r>
-              <a:rPr lang="en-GB" dirty="0"/>
-              <a:t>script execution</a:t>
-            </a:r>
-          </a:p>
-          <a:p>
-            <a:endParaRPr lang="en-GB" dirty="0"/>
-          </a:p>
-          <a:p>
-            <a:endParaRPr lang="en-GB" dirty="0"/>
-          </a:p>
-          <a:p>
-            <a:endParaRPr lang="en-GB" dirty="0"/>
-          </a:p>
-          <a:p>
-            <a:endParaRPr lang="en-GB" dirty="0"/>
-          </a:p>
-          <a:p>
-            <a:pPr marL="0" indent="0">
-              <a:buNone/>
-            </a:pPr>
-            <a:r>
-              <a:rPr lang="en-GB" dirty="0"/>
-              <a:t>And most of this happened IN a </a:t>
-            </a:r>
-            <a:r>
-              <a:rPr lang="en-GB" dirty="0" err="1"/>
-              <a:t>datacenter</a:t>
-            </a:r>
-            <a:r>
-              <a:rPr lang="en-GB" dirty="0"/>
-              <a:t>. Standing next to servers and network equipment.</a:t>
-            </a:r>
-          </a:p>
-        </p:txBody>
-      </p:sp>
-      <p:sp>
-        <p:nvSpPr>
-          <p:cNvPr id="3" name="Title 2">
+          <p:cNvSpPr>
+            <a:spLocks noGrp="1"/>
+          </p:cNvSpPr>
+          <p:nvPr>
+            <p:ph type="title"/>
+          </p:nvPr>
+        </p:nvSpPr>
+        <p:spPr/>
+        <p:txBody>
+          <a:bodyPr/>
+          <a:lstStyle/>
+          <a:p>
+            <a:r>
+              <a:rPr lang="sv-SE" dirty="0" err="1"/>
+              <a:t>What</a:t>
+            </a:r>
+            <a:r>
+              <a:rPr lang="sv-SE" dirty="0"/>
+              <a:t> </a:t>
+            </a:r>
+            <a:r>
+              <a:rPr lang="sv-SE" dirty="0" err="1"/>
+              <a:t>did</a:t>
+            </a:r>
+            <a:r>
+              <a:rPr lang="sv-SE" dirty="0"/>
+              <a:t> the </a:t>
+            </a:r>
+            <a:r>
+              <a:rPr lang="sv-SE" dirty="0" err="1"/>
+              <a:t>Developer</a:t>
+            </a:r>
+            <a:r>
+              <a:rPr lang="sv-SE" dirty="0"/>
+              <a:t> ask the DBA?</a:t>
+            </a:r>
+          </a:p>
+        </p:txBody>
+      </p:sp>
+      <p:sp>
+        <p:nvSpPr>
+          <p:cNvPr id="3" name="Platshållare för innehåll 2">
             <a:extLst>
               <a:ext uri="{FF2B5EF4-FFF2-40B4-BE49-F238E27FC236}">
-                <a16:creationId xmlns:a16="http://schemas.microsoft.com/office/drawing/2014/main" id="{5E907189-E593-4961-815B-2E0C6590CBA6}"/>
+                <a16:creationId xmlns:a16="http://schemas.microsoft.com/office/drawing/2014/main" id="{8D8652CE-042B-40C8-D5AB-38471632FD16}"/>
               </a:ext>
             </a:extLst>
           </p:cNvPr>
-          <p:cNvSpPr txBox="1">
-            <a:spLocks/>
-          </p:cNvSpPr>
-          <p:nvPr/>
-        </p:nvSpPr>
-        <p:spPr>
-          <a:xfrm>
-            <a:off x="369047" y="492942"/>
-            <a:ext cx="9418359" cy="1325563"/>
-          </a:xfrm>
-          <a:prstGeom prst="rect">
-            <a:avLst/>
-          </a:prstGeom>
-        </p:spPr>
+          <p:cNvSpPr>
+            <a:spLocks noGrp="1"/>
+          </p:cNvSpPr>
+          <p:nvPr>
+            <p:ph idx="1"/>
+          </p:nvPr>
+        </p:nvSpPr>
+        <p:spPr/>
         <p:txBody>
           <a:bodyPr/>
-          <a:lstStyle>
-            <a:lvl1pPr algn="l" defTabSz="457200" rtl="0" eaLnBrk="1" latinLnBrk="0" hangingPunct="1">
-              <a:spcBef>
-                <a:spcPct val="0"/>
-              </a:spcBef>
-              <a:buNone/>
-              <a:defRPr sz="3600" kern="1200">
-                <a:solidFill>
-                  <a:schemeClr val="accent1"/>
-                </a:solidFill>
-                <a:latin typeface="Roboto Light" panose="02000000000000000000" pitchFamily="2" charset="0"/>
-                <a:ea typeface="Roboto Light" panose="02000000000000000000" pitchFamily="2" charset="0"/>
-                <a:cs typeface="Roboto Light" panose="02000000000000000000" pitchFamily="2" charset="0"/>
-              </a:defRPr>
-            </a:lvl1pPr>
-            <a:lvl2pPr eaLnBrk="1" hangingPunct="1">
-              <a:defRPr>
-                <a:solidFill>
-                  <a:schemeClr val="tx2"/>
-                </a:solidFill>
-              </a:defRPr>
-            </a:lvl2pPr>
-            <a:lvl3pPr eaLnBrk="1" hangingPunct="1">
-              <a:defRPr>
-                <a:solidFill>
-                  <a:schemeClr val="tx2"/>
-                </a:solidFill>
-              </a:defRPr>
-            </a:lvl3pPr>
-            <a:lvl4pPr eaLnBrk="1" hangingPunct="1">
-              <a:defRPr>
-                <a:solidFill>
-                  <a:schemeClr val="tx2"/>
-                </a:solidFill>
-              </a:defRPr>
-            </a:lvl4pPr>
-            <a:lvl5pPr eaLnBrk="1" hangingPunct="1">
-              <a:defRPr>
-                <a:solidFill>
-                  <a:schemeClr val="tx2"/>
-                </a:solidFill>
-              </a:defRPr>
-            </a:lvl5pPr>
-            <a:lvl6pPr eaLnBrk="1" hangingPunct="1">
-              <a:defRPr>
-                <a:solidFill>
-                  <a:schemeClr val="tx2"/>
-                </a:solidFill>
-              </a:defRPr>
-            </a:lvl6pPr>
-            <a:lvl7pPr eaLnBrk="1" hangingPunct="1">
-              <a:defRPr>
-                <a:solidFill>
-                  <a:schemeClr val="tx2"/>
-                </a:solidFill>
-              </a:defRPr>
-            </a:lvl7pPr>
-            <a:lvl8pPr eaLnBrk="1" hangingPunct="1">
-              <a:defRPr>
-                <a:solidFill>
-                  <a:schemeClr val="tx2"/>
-                </a:solidFill>
-              </a:defRPr>
-            </a:lvl8pPr>
-            <a:lvl9pPr eaLnBrk="1" hangingPunct="1">
-              <a:defRPr>
-                <a:solidFill>
-                  <a:schemeClr val="tx2"/>
-                </a:solidFill>
-              </a:defRPr>
-            </a:lvl9pPr>
-          </a:lstStyle>
-          <a:p>
-            <a:r>
-              <a:rPr lang="en-GB"/>
-              <a:t>Some of my tasks as an accidental DBA in year 2000</a:t>
-            </a:r>
-            <a:endParaRPr lang="LID4096" dirty="0"/>
+          <a:lstStyle/>
+          <a:p>
+            <a:pPr marL="0" indent="0">
+              <a:buNone/>
+            </a:pPr>
+            <a:r>
+              <a:rPr lang="sv-SE" dirty="0"/>
+              <a:t>It </a:t>
+            </a:r>
+            <a:r>
+              <a:rPr lang="sv-SE" dirty="0" err="1"/>
+              <a:t>doesn’t</a:t>
+            </a:r>
+            <a:r>
+              <a:rPr lang="sv-SE" dirty="0"/>
+              <a:t> </a:t>
+            </a:r>
+            <a:r>
+              <a:rPr lang="sv-SE" dirty="0" err="1"/>
+              <a:t>matter</a:t>
+            </a:r>
+            <a:r>
+              <a:rPr lang="sv-SE" dirty="0"/>
+              <a:t>. The </a:t>
+            </a:r>
+            <a:r>
+              <a:rPr lang="sv-SE" dirty="0" err="1"/>
+              <a:t>answer</a:t>
+            </a:r>
+            <a:r>
+              <a:rPr lang="sv-SE" dirty="0"/>
+              <a:t> </a:t>
+            </a:r>
+            <a:r>
+              <a:rPr lang="sv-SE" dirty="0" err="1"/>
+              <a:t>was</a:t>
+            </a:r>
+            <a:r>
+              <a:rPr lang="sv-SE" dirty="0"/>
+              <a:t> NO!</a:t>
+            </a:r>
           </a:p>
         </p:txBody>
       </p:sp>
     </p:spTree>
     <p:extLst>
       <p:ext uri="{BB962C8B-B14F-4D97-AF65-F5344CB8AC3E}">
-        <p14:creationId xmlns:p14="http://schemas.microsoft.com/office/powerpoint/2010/main" val="156142928"/>
+        <p14:creationId xmlns:p14="http://schemas.microsoft.com/office/powerpoint/2010/main" val="3426870965"/>
       </p:ext>
     </p:extLst>
   </p:cSld>
   <p:clrMapOvr>
     <a:masterClrMapping/>
   </p:clrMapOvr>
+  <p:timing>
+    <p:tnLst>
+      <p:par>
+        <p:cTn id="1" dur="indefinite" restart="never" nodeType="tmRoot">
+          <p:childTnLst>
+            <p:seq concurrent="1" nextAc="seek">
+              <p:cTn id="2" dur="indefinite" nodeType="mainSeq">
+                <p:childTnLst>
+                  <p:par>
+                    <p:cTn id="3" fill="hold">
+                      <p:stCondLst>
+                        <p:cond delay="indefinite"/>
+                      </p:stCondLst>
+                      <p:childTnLst>
+                        <p:par>
+                          <p:cTn id="4" fill="hold">
+                            <p:stCondLst>
+                              <p:cond delay="0"/>
+                            </p:stCondLst>
+                            <p:childTnLst>
+                              <p:par>
+                                <p:cTn id="5" presetID="1" presetClass="entr" presetSubtype="0" fill="hold" grpId="0" nodeType="clickEffect">
+                                  <p:stCondLst>
+                                    <p:cond delay="0"/>
+                                  </p:stCondLst>
+                                  <p:childTnLst>
+                                    <p:set>
+                                      <p:cBhvr>
+                                        <p:cTn id="6" dur="1" fill="hold">
+                                          <p:stCondLst>
+                                            <p:cond delay="0"/>
+                                          </p:stCondLst>
+                                        </p:cTn>
+                                        <p:tgtEl>
+                                          <p:spTgt spid="3">
+                                            <p:txEl>
+                                              <p:pRg st="0" end="0"/>
+                                            </p:txEl>
+                                          </p:spTgt>
+                                        </p:tgtEl>
+                                        <p:attrNameLst>
+                                          <p:attrName>style.visibility</p:attrName>
+                                        </p:attrNameLst>
+                                      </p:cBhvr>
+                                      <p:to>
+                                        <p:strVal val="visible"/>
+                                      </p:to>
+                                    </p:set>
+                                  </p:childTnLst>
+                                </p:cTn>
+                              </p:par>
+                            </p:childTnLst>
+                          </p:cTn>
+                        </p:par>
+                      </p:childTnLst>
+                    </p:cTn>
+                  </p:par>
+                </p:childTnLst>
+              </p:cTn>
+              <p:prevCondLst>
+                <p:cond evt="onPrev" delay="0">
+                  <p:tgtEl>
+                    <p:sldTgt/>
+                  </p:tgtEl>
+                </p:cond>
+              </p:prevCondLst>
+              <p:nextCondLst>
+                <p:cond evt="onNext" delay="0">
+                  <p:tgtEl>
+                    <p:sldTgt/>
+                  </p:tgtEl>
+                </p:cond>
+              </p:nextCondLst>
+            </p:seq>
+          </p:childTnLst>
+        </p:cTn>
+      </p:par>
+    </p:tnLst>
+    <p:bldLst>
+      <p:bldP spid="3" grpId="0" build="p"/>
+    </p:bldLst>
+  </p:timing>
 </p:sld>
 </file>
 
@@ -14442,10 +10375,10 @@
       </p:grpSpPr>
       <p:sp>
         <p:nvSpPr>
-          <p:cNvPr id="2" name="Title 5">
+          <p:cNvPr id="2" name="Content Placeholder 1">
             <a:extLst>
               <a:ext uri="{FF2B5EF4-FFF2-40B4-BE49-F238E27FC236}">
-                <a16:creationId xmlns:a16="http://schemas.microsoft.com/office/drawing/2014/main" id="{4AF2A47E-CC84-FD29-16A8-924127978B6A}"/>
+                <a16:creationId xmlns:a16="http://schemas.microsoft.com/office/drawing/2014/main" id="{8123E278-BC88-53C8-A0E4-17D4FF50B1B6}"/>
               </a:ext>
             </a:extLst>
           </p:cNvPr>
@@ -14456,8 +10389,8 @@
         </p:nvSpPr>
         <p:spPr>
           <a:xfrm>
-            <a:off x="1878676" y="1947670"/>
-            <a:ext cx="8138160" cy="2758258"/>
+            <a:off x="369047" y="1825625"/>
+            <a:ext cx="8165353" cy="4351338"/>
           </a:xfrm>
           <a:prstGeom prst="rect">
             <a:avLst/>
@@ -14465,8 +10398,336 @@
         </p:spPr>
         <p:txBody>
           <a:bodyPr>
-            <a:normAutofit fontScale="77500" lnSpcReduction="20000"/>
+            <a:normAutofit fontScale="92500" lnSpcReduction="10000"/>
           </a:bodyPr>
+          <a:lstStyle>
+            <a:lvl1pPr marL="342900" indent="-342900" algn="l" defTabSz="457200" rtl="0" eaLnBrk="1" latinLnBrk="0" hangingPunct="1">
+              <a:spcBef>
+                <a:spcPts val="1000"/>
+              </a:spcBef>
+              <a:spcAft>
+                <a:spcPts val="0"/>
+              </a:spcAft>
+              <a:buClr>
+                <a:schemeClr val="accent1"/>
+              </a:buClr>
+              <a:buSzPct val="80000"/>
+              <a:buFont typeface="Wingdings 3" charset="2"/>
+              <a:buChar char=""/>
+              <a:defRPr sz="1800" kern="1200">
+                <a:solidFill>
+                  <a:schemeClr val="tx1">
+                    <a:lumMod val="75000"/>
+                    <a:lumOff val="25000"/>
+                  </a:schemeClr>
+                </a:solidFill>
+                <a:latin typeface="Source Sans Pro" panose="020B0503030403020204" pitchFamily="34" charset="0"/>
+                <a:ea typeface="Source Sans Pro" panose="020B0503030403020204" pitchFamily="34" charset="0"/>
+                <a:cs typeface="+mn-cs"/>
+              </a:defRPr>
+            </a:lvl1pPr>
+            <a:lvl2pPr marL="742950" indent="-285750" algn="l" defTabSz="457200" rtl="0" eaLnBrk="1" latinLnBrk="0" hangingPunct="1">
+              <a:spcBef>
+                <a:spcPts val="1000"/>
+              </a:spcBef>
+              <a:spcAft>
+                <a:spcPts val="0"/>
+              </a:spcAft>
+              <a:buClr>
+                <a:schemeClr val="accent1"/>
+              </a:buClr>
+              <a:buSzPct val="80000"/>
+              <a:buFont typeface="Wingdings 3" charset="2"/>
+              <a:buChar char=""/>
+              <a:defRPr sz="1600" kern="1200">
+                <a:solidFill>
+                  <a:schemeClr val="tx1">
+                    <a:lumMod val="75000"/>
+                    <a:lumOff val="25000"/>
+                  </a:schemeClr>
+                </a:solidFill>
+                <a:latin typeface="Source Sans Pro" panose="020B0503030403020204" pitchFamily="34" charset="0"/>
+                <a:ea typeface="Source Sans Pro" panose="020B0503030403020204" pitchFamily="34" charset="0"/>
+                <a:cs typeface="+mn-cs"/>
+              </a:defRPr>
+            </a:lvl2pPr>
+            <a:lvl3pPr marL="1143000" indent="-228600" algn="l" defTabSz="457200" rtl="0" eaLnBrk="1" latinLnBrk="0" hangingPunct="1">
+              <a:spcBef>
+                <a:spcPts val="1000"/>
+              </a:spcBef>
+              <a:spcAft>
+                <a:spcPts val="0"/>
+              </a:spcAft>
+              <a:buClr>
+                <a:schemeClr val="accent1"/>
+              </a:buClr>
+              <a:buSzPct val="80000"/>
+              <a:buFont typeface="Wingdings 3" charset="2"/>
+              <a:buChar char=""/>
+              <a:defRPr sz="1400" kern="1200">
+                <a:solidFill>
+                  <a:schemeClr val="tx1">
+                    <a:lumMod val="75000"/>
+                    <a:lumOff val="25000"/>
+                  </a:schemeClr>
+                </a:solidFill>
+                <a:latin typeface="Source Sans Pro" panose="020B0503030403020204" pitchFamily="34" charset="0"/>
+                <a:ea typeface="Source Sans Pro" panose="020B0503030403020204" pitchFamily="34" charset="0"/>
+                <a:cs typeface="+mn-cs"/>
+              </a:defRPr>
+            </a:lvl3pPr>
+            <a:lvl4pPr marL="1600200" indent="-228600" algn="l" defTabSz="457200" rtl="0" eaLnBrk="1" latinLnBrk="0" hangingPunct="1">
+              <a:spcBef>
+                <a:spcPts val="1000"/>
+              </a:spcBef>
+              <a:spcAft>
+                <a:spcPts val="0"/>
+              </a:spcAft>
+              <a:buClr>
+                <a:schemeClr val="accent1"/>
+              </a:buClr>
+              <a:buSzPct val="80000"/>
+              <a:buFont typeface="Wingdings 3" charset="2"/>
+              <a:buChar char=""/>
+              <a:defRPr sz="1200" kern="1200">
+                <a:solidFill>
+                  <a:schemeClr val="tx1">
+                    <a:lumMod val="75000"/>
+                    <a:lumOff val="25000"/>
+                  </a:schemeClr>
+                </a:solidFill>
+                <a:latin typeface="Source Sans Pro" panose="020B0503030403020204" pitchFamily="34" charset="0"/>
+                <a:ea typeface="Source Sans Pro" panose="020B0503030403020204" pitchFamily="34" charset="0"/>
+                <a:cs typeface="+mn-cs"/>
+              </a:defRPr>
+            </a:lvl4pPr>
+            <a:lvl5pPr marL="2057400" indent="-228600" algn="l" defTabSz="457200" rtl="0" eaLnBrk="1" latinLnBrk="0" hangingPunct="1">
+              <a:spcBef>
+                <a:spcPts val="1000"/>
+              </a:spcBef>
+              <a:spcAft>
+                <a:spcPts val="0"/>
+              </a:spcAft>
+              <a:buClr>
+                <a:schemeClr val="accent1"/>
+              </a:buClr>
+              <a:buSzPct val="80000"/>
+              <a:buFont typeface="Wingdings 3" charset="2"/>
+              <a:buChar char=""/>
+              <a:defRPr sz="1200" kern="1200">
+                <a:solidFill>
+                  <a:schemeClr val="tx1">
+                    <a:lumMod val="75000"/>
+                    <a:lumOff val="25000"/>
+                  </a:schemeClr>
+                </a:solidFill>
+                <a:latin typeface="Source Sans Pro" panose="020B0503030403020204" pitchFamily="34" charset="0"/>
+                <a:ea typeface="Source Sans Pro" panose="020B0503030403020204" pitchFamily="34" charset="0"/>
+                <a:cs typeface="+mn-cs"/>
+              </a:defRPr>
+            </a:lvl5pPr>
+            <a:lvl6pPr marL="2514600" indent="-228600" algn="l" defTabSz="457200" rtl="0" eaLnBrk="1" latinLnBrk="0" hangingPunct="1">
+              <a:spcBef>
+                <a:spcPts val="1000"/>
+              </a:spcBef>
+              <a:spcAft>
+                <a:spcPts val="0"/>
+              </a:spcAft>
+              <a:buClr>
+                <a:schemeClr val="accent1"/>
+              </a:buClr>
+              <a:buSzPct val="80000"/>
+              <a:buFont typeface="Wingdings 3" charset="2"/>
+              <a:buChar char=""/>
+              <a:defRPr sz="1200" kern="1200">
+                <a:solidFill>
+                  <a:schemeClr val="tx1">
+                    <a:lumMod val="75000"/>
+                    <a:lumOff val="25000"/>
+                  </a:schemeClr>
+                </a:solidFill>
+                <a:latin typeface="+mn-lt"/>
+                <a:ea typeface="+mn-ea"/>
+                <a:cs typeface="+mn-cs"/>
+              </a:defRPr>
+            </a:lvl6pPr>
+            <a:lvl7pPr marL="2971800" indent="-228600" algn="l" defTabSz="457200" rtl="0" eaLnBrk="1" latinLnBrk="0" hangingPunct="1">
+              <a:spcBef>
+                <a:spcPts val="1000"/>
+              </a:spcBef>
+              <a:spcAft>
+                <a:spcPts val="0"/>
+              </a:spcAft>
+              <a:buClr>
+                <a:schemeClr val="accent1"/>
+              </a:buClr>
+              <a:buSzPct val="80000"/>
+              <a:buFont typeface="Wingdings 3" charset="2"/>
+              <a:buChar char=""/>
+              <a:defRPr sz="1200" kern="1200">
+                <a:solidFill>
+                  <a:schemeClr val="tx1">
+                    <a:lumMod val="75000"/>
+                    <a:lumOff val="25000"/>
+                  </a:schemeClr>
+                </a:solidFill>
+                <a:latin typeface="+mn-lt"/>
+                <a:ea typeface="+mn-ea"/>
+                <a:cs typeface="+mn-cs"/>
+              </a:defRPr>
+            </a:lvl7pPr>
+            <a:lvl8pPr marL="3429000" indent="-228600" algn="l" defTabSz="457200" rtl="0" eaLnBrk="1" latinLnBrk="0" hangingPunct="1">
+              <a:spcBef>
+                <a:spcPts val="1000"/>
+              </a:spcBef>
+              <a:spcAft>
+                <a:spcPts val="0"/>
+              </a:spcAft>
+              <a:buClr>
+                <a:schemeClr val="accent1"/>
+              </a:buClr>
+              <a:buSzPct val="80000"/>
+              <a:buFont typeface="Wingdings 3" charset="2"/>
+              <a:buChar char=""/>
+              <a:defRPr sz="1200" kern="1200">
+                <a:solidFill>
+                  <a:schemeClr val="tx1">
+                    <a:lumMod val="75000"/>
+                    <a:lumOff val="25000"/>
+                  </a:schemeClr>
+                </a:solidFill>
+                <a:latin typeface="+mn-lt"/>
+                <a:ea typeface="+mn-ea"/>
+                <a:cs typeface="+mn-cs"/>
+              </a:defRPr>
+            </a:lvl8pPr>
+            <a:lvl9pPr marL="3886200" indent="-228600" algn="l" defTabSz="457200" rtl="0" eaLnBrk="1" latinLnBrk="0" hangingPunct="1">
+              <a:spcBef>
+                <a:spcPts val="1000"/>
+              </a:spcBef>
+              <a:spcAft>
+                <a:spcPts val="0"/>
+              </a:spcAft>
+              <a:buClr>
+                <a:schemeClr val="accent1"/>
+              </a:buClr>
+              <a:buSzPct val="80000"/>
+              <a:buFont typeface="Wingdings 3" charset="2"/>
+              <a:buChar char=""/>
+              <a:defRPr sz="1200" kern="1200">
+                <a:solidFill>
+                  <a:schemeClr val="tx1">
+                    <a:lumMod val="75000"/>
+                    <a:lumOff val="25000"/>
+                  </a:schemeClr>
+                </a:solidFill>
+                <a:latin typeface="+mn-lt"/>
+                <a:ea typeface="+mn-ea"/>
+                <a:cs typeface="+mn-cs"/>
+              </a:defRPr>
+            </a:lvl9pPr>
+          </a:lstStyle>
+          <a:p>
+            <a:r>
+              <a:rPr lang="en-GB" dirty="0"/>
+              <a:t>Check if disks are near capacity</a:t>
+            </a:r>
+          </a:p>
+          <a:p>
+            <a:pPr lvl="1"/>
+            <a:r>
+              <a:rPr lang="en-GB" dirty="0"/>
+              <a:t>Order new disks and controllers and build a new RAID array in the server</a:t>
+            </a:r>
+          </a:p>
+          <a:p>
+            <a:r>
+              <a:rPr lang="en-GB" dirty="0"/>
+              <a:t>Replace faulty disks</a:t>
+            </a:r>
+          </a:p>
+          <a:p>
+            <a:r>
+              <a:rPr lang="en-GB" dirty="0"/>
+              <a:t>Add a new CPU to the database </a:t>
+            </a:r>
+            <a:br>
+              <a:rPr lang="en-GB" dirty="0"/>
+            </a:br>
+            <a:r>
+              <a:rPr lang="en-GB" dirty="0"/>
+              <a:t>server</a:t>
+            </a:r>
+          </a:p>
+          <a:p>
+            <a:r>
+              <a:rPr lang="en-GB" dirty="0"/>
+              <a:t>Deploy database changes with manual </a:t>
+            </a:r>
+            <a:br>
+              <a:rPr lang="en-GB" dirty="0"/>
+            </a:br>
+            <a:r>
+              <a:rPr lang="en-GB" dirty="0"/>
+              <a:t>script execution</a:t>
+            </a:r>
+          </a:p>
+          <a:p>
+            <a:endParaRPr lang="en-GB" dirty="0"/>
+          </a:p>
+          <a:p>
+            <a:endParaRPr lang="en-GB" dirty="0"/>
+          </a:p>
+          <a:p>
+            <a:endParaRPr lang="en-GB" dirty="0"/>
+          </a:p>
+          <a:p>
+            <a:endParaRPr lang="en-GB" dirty="0"/>
+          </a:p>
+          <a:p>
+            <a:pPr marL="0" indent="0">
+              <a:buNone/>
+            </a:pPr>
+            <a:r>
+              <a:rPr lang="en-GB" dirty="0"/>
+              <a:t>And most of this happened IN a </a:t>
+            </a:r>
+            <a:r>
+              <a:rPr lang="en-GB" dirty="0" err="1"/>
+              <a:t>datacenter</a:t>
+            </a:r>
+            <a:r>
+              <a:rPr lang="en-GB" dirty="0"/>
+              <a:t>. Standing next to servers and network equipment.</a:t>
+            </a:r>
+          </a:p>
+        </p:txBody>
+      </p:sp>
+      <p:sp>
+        <p:nvSpPr>
+          <p:cNvPr id="3" name="Title 2">
+            <a:extLst>
+              <a:ext uri="{FF2B5EF4-FFF2-40B4-BE49-F238E27FC236}">
+                <a16:creationId xmlns:a16="http://schemas.microsoft.com/office/drawing/2014/main" id="{5E907189-E593-4961-815B-2E0C6590CBA6}"/>
+              </a:ext>
+            </a:extLst>
+          </p:cNvPr>
+          <p:cNvSpPr txBox="1">
+            <a:spLocks/>
+          </p:cNvSpPr>
+          <p:nvPr/>
+        </p:nvSpPr>
+        <p:spPr>
+          <a:xfrm>
+            <a:off x="369047" y="492942"/>
+            <a:ext cx="9418359" cy="1325563"/>
+          </a:xfrm>
+          <a:prstGeom prst="rect">
+            <a:avLst/>
+          </a:prstGeom>
+        </p:spPr>
+        <p:txBody>
+          <a:bodyPr/>
           <a:lstStyle>
             <a:lvl1pPr algn="l" defTabSz="457200" rtl="0" eaLnBrk="1" latinLnBrk="0" hangingPunct="1">
               <a:spcBef>
@@ -14541,36 +10802,17 @@
           </a:lstStyle>
           <a:p>
             <a:r>
-              <a:rPr lang="en-GB" sz="7200" dirty="0"/>
-              <a:t>Main job though:</a:t>
-            </a:r>
-          </a:p>
-          <a:p>
-            <a:pPr marL="857250" indent="-857250">
-              <a:buFontTx/>
-              <a:buChar char="-"/>
-            </a:pPr>
-            <a:r>
-              <a:rPr lang="en-GB" sz="7200" dirty="0"/>
-              <a:t>Take backups</a:t>
-            </a:r>
-          </a:p>
-          <a:p>
-            <a:pPr marL="857250" indent="-857250">
-              <a:buFontTx/>
-              <a:buChar char="-"/>
-            </a:pPr>
-            <a:r>
-              <a:rPr lang="en-GB" sz="7200" dirty="0"/>
-              <a:t>Move backups off-site</a:t>
-            </a:r>
+              <a:rPr lang="en-GB"/>
+              <a:t>Some of my tasks as an accidental DBA in year 2000</a:t>
+            </a:r>
+            <a:endParaRPr lang="LID4096" dirty="0"/>
           </a:p>
         </p:txBody>
       </p:sp>
     </p:spTree>
     <p:extLst>
       <p:ext uri="{BB962C8B-B14F-4D97-AF65-F5344CB8AC3E}">
-        <p14:creationId xmlns:p14="http://schemas.microsoft.com/office/powerpoint/2010/main" val="1828270413"/>
+        <p14:creationId xmlns:p14="http://schemas.microsoft.com/office/powerpoint/2010/main" val="156142928"/>
       </p:ext>
     </p:extLst>
   </p:cSld>
@@ -14622,7 +10864,7 @@
         </p:spPr>
         <p:txBody>
           <a:bodyPr>
-            <a:normAutofit/>
+            <a:normAutofit fontScale="77500" lnSpcReduction="20000"/>
           </a:bodyPr>
           <a:lstStyle>
             <a:lvl1pPr algn="l" defTabSz="457200" rtl="0" eaLnBrk="1" latinLnBrk="0" hangingPunct="1">
@@ -14699,7 +10941,27 @@
           <a:p>
             <a:r>
               <a:rPr lang="en-GB" sz="7200" dirty="0"/>
-              <a:t>These are still a DBAs top priorities</a:t>
+              <a:t>Main job though:</a:t>
+            </a:r>
+          </a:p>
+          <a:p>
+            <a:pPr marL="857250" indent="-857250">
+              <a:buFontTx/>
+              <a:buChar char="-"/>
+            </a:pPr>
+            <a:r>
+              <a:rPr lang="en-GB" sz="7200" dirty="0"/>
+              <a:t>Take backups</a:t>
+            </a:r>
+          </a:p>
+          <a:p>
+            <a:pPr marL="857250" indent="-857250">
+              <a:buFontTx/>
+              <a:buChar char="-"/>
+            </a:pPr>
+            <a:r>
+              <a:rPr lang="en-GB" sz="7200" dirty="0"/>
+              <a:t>Move backups off-site</a:t>
             </a:r>
           </a:p>
         </p:txBody>
@@ -14707,7 +10969,7 @@
     </p:spTree>
     <p:extLst>
       <p:ext uri="{BB962C8B-B14F-4D97-AF65-F5344CB8AC3E}">
-        <p14:creationId xmlns:p14="http://schemas.microsoft.com/office/powerpoint/2010/main" val="730739950"/>
+        <p14:creationId xmlns:p14="http://schemas.microsoft.com/office/powerpoint/2010/main" val="1828270413"/>
       </p:ext>
     </p:extLst>
   </p:cSld>
@@ -14736,10 +10998,10 @@
       </p:grpSpPr>
       <p:sp>
         <p:nvSpPr>
-          <p:cNvPr id="4" name="Title 5">
+          <p:cNvPr id="2" name="Title 5">
             <a:extLst>
               <a:ext uri="{FF2B5EF4-FFF2-40B4-BE49-F238E27FC236}">
-                <a16:creationId xmlns:a16="http://schemas.microsoft.com/office/drawing/2014/main" id="{52AA752C-959C-DEB5-1C24-91762CC304E8}"/>
+                <a16:creationId xmlns:a16="http://schemas.microsoft.com/office/drawing/2014/main" id="{4AF2A47E-CC84-FD29-16A8-924127978B6A}"/>
               </a:ext>
             </a:extLst>
           </p:cNvPr>
@@ -14759,7 +11021,7 @@
         </p:spPr>
         <p:txBody>
           <a:bodyPr>
-            <a:normAutofit fontScale="92500"/>
+            <a:normAutofit/>
           </a:bodyPr>
           <a:lstStyle>
             <a:lvl1pPr algn="l" defTabSz="457200" rtl="0" eaLnBrk="1" latinLnBrk="0" hangingPunct="1">
@@ -14836,16 +11098,15 @@
           <a:p>
             <a:r>
               <a:rPr lang="en-GB" sz="7200" dirty="0"/>
-              <a:t>BUT WE HAD TWO DATABASE SERVERS</a:t>
-            </a:r>
-            <a:endParaRPr lang="LID4096" sz="7200" dirty="0"/>
+              <a:t>These are still a DBAs top priorities</a:t>
+            </a:r>
           </a:p>
         </p:txBody>
       </p:sp>
     </p:spTree>
     <p:extLst>
       <p:ext uri="{BB962C8B-B14F-4D97-AF65-F5344CB8AC3E}">
-        <p14:creationId xmlns:p14="http://schemas.microsoft.com/office/powerpoint/2010/main" val="1698563420"/>
+        <p14:creationId xmlns:p14="http://schemas.microsoft.com/office/powerpoint/2010/main" val="730739950"/>
       </p:ext>
     </p:extLst>
   </p:cSld>
@@ -14897,7 +11158,7 @@
         </p:spPr>
         <p:txBody>
           <a:bodyPr>
-            <a:normAutofit/>
+            <a:normAutofit fontScale="92500" lnSpcReduction="20000"/>
           </a:bodyPr>
           <a:lstStyle>
             <a:lvl1pPr algn="l" defTabSz="457200" rtl="0" eaLnBrk="1" latinLnBrk="0" hangingPunct="1">
@@ -14974,7 +11235,7 @@
           <a:p>
             <a:r>
               <a:rPr lang="en-GB" sz="7200" dirty="0"/>
-              <a:t>They had five databases each</a:t>
+              <a:t>BUT WE HAD TWO DATABASE SERVERS</a:t>
             </a:r>
             <a:endParaRPr lang="LID4096" sz="7200" dirty="0"/>
           </a:p>
@@ -14983,7 +11244,7 @@
     </p:spTree>
     <p:extLst>
       <p:ext uri="{BB962C8B-B14F-4D97-AF65-F5344CB8AC3E}">
-        <p14:creationId xmlns:p14="http://schemas.microsoft.com/office/powerpoint/2010/main" val="516518310"/>
+        <p14:creationId xmlns:p14="http://schemas.microsoft.com/office/powerpoint/2010/main" val="1698563420"/>
       </p:ext>
     </p:extLst>
   </p:cSld>
@@ -15112,7 +11373,7 @@
           <a:p>
             <a:r>
               <a:rPr lang="en-GB" sz="7200" dirty="0"/>
-              <a:t>A VLDB was 50 GB</a:t>
+              <a:t>They had five databases each</a:t>
             </a:r>
             <a:endParaRPr lang="LID4096" sz="7200" dirty="0"/>
           </a:p>
@@ -15121,7 +11382,7 @@
     </p:spTree>
     <p:extLst>
       <p:ext uri="{BB962C8B-B14F-4D97-AF65-F5344CB8AC3E}">
-        <p14:creationId xmlns:p14="http://schemas.microsoft.com/office/powerpoint/2010/main" val="3308681610"/>
+        <p14:creationId xmlns:p14="http://schemas.microsoft.com/office/powerpoint/2010/main" val="516518310"/>
       </p:ext>
     </p:extLst>
   </p:cSld>
@@ -15173,7 +11434,7 @@
         </p:spPr>
         <p:txBody>
           <a:bodyPr>
-            <a:normAutofit fontScale="92500" lnSpcReduction="20000"/>
+            <a:normAutofit/>
           </a:bodyPr>
           <a:lstStyle>
             <a:lvl1pPr algn="l" defTabSz="457200" rtl="0" eaLnBrk="1" latinLnBrk="0" hangingPunct="1">
@@ -15250,7 +11511,7 @@
           <a:p>
             <a:r>
               <a:rPr lang="en-GB" sz="7200" dirty="0"/>
-              <a:t>We backed up to tape. Off-site was my bedroom.</a:t>
+              <a:t>A VLDB was 50 GB</a:t>
             </a:r>
             <a:endParaRPr lang="LID4096" sz="7200" dirty="0"/>
           </a:p>
@@ -15259,7 +11520,7 @@
     </p:spTree>
     <p:extLst>
       <p:ext uri="{BB962C8B-B14F-4D97-AF65-F5344CB8AC3E}">
-        <p14:creationId xmlns:p14="http://schemas.microsoft.com/office/powerpoint/2010/main" val="2941851340"/>
+        <p14:creationId xmlns:p14="http://schemas.microsoft.com/office/powerpoint/2010/main" val="3308681610"/>
       </p:ext>
     </p:extLst>
   </p:cSld>
@@ -15572,301 +11833,6 @@
         <a:latin typeface="Calibri Light" panose="020F0302020204030204"/>
         <a:ea typeface=""/>
         <a:cs typeface=""/>
-        <a:font script="Jpan" typeface="游ゴシック Light"/>
-        <a:font script="Hang" typeface="맑은 고딕"/>
-        <a:font script="Hans" typeface="等线 Light"/>
-        <a:font script="Hant" typeface="新細明體"/>
-        <a:font script="Arab" typeface="Times New Roman"/>
-        <a:font script="Hebr" typeface="Times New Roman"/>
-        <a:font script="Thai" typeface="Angsana New"/>
-        <a:font script="Ethi" typeface="Nyala"/>
-        <a:font script="Beng" typeface="Vrinda"/>
-        <a:font script="Gujr" typeface="Shruti"/>
-        <a:font script="Khmr" typeface="MoolBoran"/>
-        <a:font script="Knda" typeface="Tunga"/>
-        <a:font script="Guru" typeface="Raavi"/>
-        <a:font script="Cans" typeface="Euphemia"/>
-        <a:font script="Cher" typeface="Plantagenet Cherokee"/>
-        <a:font script="Yiii" typeface="Microsoft Yi Baiti"/>
-        <a:font script="Tibt" typeface="Microsoft Himalaya"/>
-        <a:font script="Thaa" typeface="MV Boli"/>
-        <a:font script="Deva" typeface="Mangal"/>
-        <a:font script="Telu" typeface="Gautami"/>
-        <a:font script="Taml" typeface="Latha"/>
-        <a:font script="Syrc" typeface="Estrangelo Edessa"/>
-        <a:font script="Orya" typeface="Kalinga"/>
-        <a:font script="Mlym" typeface="Kartika"/>
-        <a:font script="Laoo" typeface="DokChampa"/>
-        <a:font script="Sinh" typeface="Iskoola Pota"/>
-        <a:font script="Mong" typeface="Mongolian Baiti"/>
-        <a:font script="Viet" typeface="Times New Roman"/>
-        <a:font script="Uigh" typeface="Microsoft Uighur"/>
-        <a:font script="Geor" typeface="Sylfaen"/>
-        <a:font script="Armn" typeface="Arial"/>
-        <a:font script="Bugi" typeface="Leelawadee UI"/>
-        <a:font script="Bopo" typeface="Microsoft JhengHei"/>
-        <a:font script="Java" typeface="Javanese Text"/>
-        <a:font script="Lisu" typeface="Segoe UI"/>
-        <a:font script="Mymr" typeface="Myanmar Text"/>
-        <a:font script="Nkoo" typeface="Ebrima"/>
-        <a:font script="Olck" typeface="Nirmala UI"/>
-        <a:font script="Osma" typeface="Ebrima"/>
-        <a:font script="Phag" typeface="Phagspa"/>
-        <a:font script="Syrn" typeface="Estrangelo Edessa"/>
-        <a:font script="Syrj" typeface="Estrangelo Edessa"/>
-        <a:font script="Syre" typeface="Estrangelo Edessa"/>
-        <a:font script="Sora" typeface="Nirmala UI"/>
-        <a:font script="Tale" typeface="Microsoft Tai Le"/>
-        <a:font script="Talu" typeface="Microsoft New Tai Lue"/>
-        <a:font script="Tfng" typeface="Ebrima"/>
-      </a:majorFont>
-      <a:minorFont>
-        <a:latin typeface="Calibri" panose="020F0502020204030204"/>
-        <a:ea typeface=""/>
-        <a:cs typeface=""/>
-        <a:font script="Jpan" typeface="游ゴシック"/>
-        <a:font script="Hang" typeface="맑은 고딕"/>
-        <a:font script="Hans" typeface="等线"/>
-        <a:font script="Hant" typeface="新細明體"/>
-        <a:font script="Arab" typeface="Arial"/>
-        <a:font script="Hebr" typeface="Arial"/>
-        <a:font script="Thai" typeface="Cordia New"/>
-        <a:font script="Ethi" typeface="Nyala"/>
-        <a:font script="Beng" typeface="Vrinda"/>
-        <a:font script="Gujr" typeface="Shruti"/>
-        <a:font script="Khmr" typeface="DaunPenh"/>
-        <a:font script="Knda" typeface="Tunga"/>
-        <a:font script="Guru" typeface="Raavi"/>
-        <a:font script="Cans" typeface="Euphemia"/>
-        <a:font script="Cher" typeface="Plantagenet Cherokee"/>
-        <a:font script="Yiii" typeface="Microsoft Yi Baiti"/>
-        <a:font script="Tibt" typeface="Microsoft Himalaya"/>
-        <a:font script="Thaa" typeface="MV Boli"/>
-        <a:font script="Deva" typeface="Mangal"/>
-        <a:font script="Telu" typeface="Gautami"/>
-        <a:font script="Taml" typeface="Latha"/>
-        <a:font script="Syrc" typeface="Estrangelo Edessa"/>
-        <a:font script="Orya" typeface="Kalinga"/>
-        <a:font script="Mlym" typeface="Kartika"/>
-        <a:font script="Laoo" typeface="DokChampa"/>
-        <a:font script="Sinh" typeface="Iskoola Pota"/>
-        <a:font script="Mong" typeface="Mongolian Baiti"/>
-        <a:font script="Viet" typeface="Arial"/>
-        <a:font script="Uigh" typeface="Microsoft Uighur"/>
-        <a:font script="Geor" typeface="Sylfaen"/>
-        <a:font script="Armn" typeface="Arial"/>
-        <a:font script="Bugi" typeface="Leelawadee UI"/>
-        <a:font script="Bopo" typeface="Microsoft JhengHei"/>
-        <a:font script="Java" typeface="Javanese Text"/>
-        <a:font script="Lisu" typeface="Segoe UI"/>
-        <a:font script="Mymr" typeface="Myanmar Text"/>
-        <a:font script="Nkoo" typeface="Ebrima"/>
-        <a:font script="Olck" typeface="Nirmala UI"/>
-        <a:font script="Osma" typeface="Ebrima"/>
-        <a:font script="Phag" typeface="Phagspa"/>
-        <a:font script="Syrn" typeface="Estrangelo Edessa"/>
-        <a:font script="Syrj" typeface="Estrangelo Edessa"/>
-        <a:font script="Syre" typeface="Estrangelo Edessa"/>
-        <a:font script="Sora" typeface="Nirmala UI"/>
-        <a:font script="Tale" typeface="Microsoft Tai Le"/>
-        <a:font script="Talu" typeface="Microsoft New Tai Lue"/>
-        <a:font script="Tfng" typeface="Ebrima"/>
-      </a:minorFont>
-    </a:fontScheme>
-    <a:fmtScheme name="Office">
-      <a:fillStyleLst>
-        <a:solidFill>
-          <a:schemeClr val="phClr"/>
-        </a:solidFill>
-        <a:gradFill rotWithShape="1">
-          <a:gsLst>
-            <a:gs pos="0">
-              <a:schemeClr val="phClr">
-                <a:lumMod val="110000"/>
-                <a:satMod val="105000"/>
-                <a:tint val="67000"/>
-              </a:schemeClr>
-            </a:gs>
-            <a:gs pos="50000">
-              <a:schemeClr val="phClr">
-                <a:lumMod val="105000"/>
-                <a:satMod val="103000"/>
-                <a:tint val="73000"/>
-              </a:schemeClr>
-            </a:gs>
-            <a:gs pos="100000">
-              <a:schemeClr val="phClr">
-                <a:lumMod val="105000"/>
-                <a:satMod val="109000"/>
-                <a:tint val="81000"/>
-              </a:schemeClr>
-            </a:gs>
-          </a:gsLst>
-          <a:lin ang="5400000" scaled="0"/>
-        </a:gradFill>
-        <a:gradFill rotWithShape="1">
-          <a:gsLst>
-            <a:gs pos="0">
-              <a:schemeClr val="phClr">
-                <a:satMod val="103000"/>
-                <a:lumMod val="102000"/>
-                <a:tint val="94000"/>
-              </a:schemeClr>
-            </a:gs>
-            <a:gs pos="50000">
-              <a:schemeClr val="phClr">
-                <a:satMod val="110000"/>
-                <a:lumMod val="100000"/>
-                <a:shade val="100000"/>
-              </a:schemeClr>
-            </a:gs>
-            <a:gs pos="100000">
-              <a:schemeClr val="phClr">
-                <a:lumMod val="99000"/>
-                <a:satMod val="120000"/>
-                <a:shade val="78000"/>
-              </a:schemeClr>
-            </a:gs>
-          </a:gsLst>
-          <a:lin ang="5400000" scaled="0"/>
-        </a:gradFill>
-      </a:fillStyleLst>
-      <a:lnStyleLst>
-        <a:ln w="6350" cap="flat" cmpd="sng" algn="ctr">
-          <a:solidFill>
-            <a:schemeClr val="phClr"/>
-          </a:solidFill>
-          <a:prstDash val="solid"/>
-          <a:miter lim="800000"/>
-        </a:ln>
-        <a:ln w="12700" cap="flat" cmpd="sng" algn="ctr">
-          <a:solidFill>
-            <a:schemeClr val="phClr"/>
-          </a:solidFill>
-          <a:prstDash val="solid"/>
-          <a:miter lim="800000"/>
-        </a:ln>
-        <a:ln w="19050" cap="flat" cmpd="sng" algn="ctr">
-          <a:solidFill>
-            <a:schemeClr val="phClr"/>
-          </a:solidFill>
-          <a:prstDash val="solid"/>
-          <a:miter lim="800000"/>
-        </a:ln>
-      </a:lnStyleLst>
-      <a:effectStyleLst>
-        <a:effectStyle>
-          <a:effectLst/>
-        </a:effectStyle>
-        <a:effectStyle>
-          <a:effectLst/>
-        </a:effectStyle>
-        <a:effectStyle>
-          <a:effectLst>
-            <a:outerShdw blurRad="57150" dist="19050" dir="5400000" algn="ctr" rotWithShape="0">
-              <a:srgbClr val="000000">
-                <a:alpha val="63000"/>
-              </a:srgbClr>
-            </a:outerShdw>
-          </a:effectLst>
-        </a:effectStyle>
-      </a:effectStyleLst>
-      <a:bgFillStyleLst>
-        <a:solidFill>
-          <a:schemeClr val="phClr"/>
-        </a:solidFill>
-        <a:solidFill>
-          <a:schemeClr val="phClr">
-            <a:tint val="95000"/>
-            <a:satMod val="170000"/>
-          </a:schemeClr>
-        </a:solidFill>
-        <a:gradFill rotWithShape="1">
-          <a:gsLst>
-            <a:gs pos="0">
-              <a:schemeClr val="phClr">
-                <a:tint val="93000"/>
-                <a:satMod val="150000"/>
-                <a:shade val="98000"/>
-                <a:lumMod val="102000"/>
-              </a:schemeClr>
-            </a:gs>
-            <a:gs pos="50000">
-              <a:schemeClr val="phClr">
-                <a:tint val="98000"/>
-                <a:satMod val="130000"/>
-                <a:shade val="90000"/>
-                <a:lumMod val="103000"/>
-              </a:schemeClr>
-            </a:gs>
-            <a:gs pos="100000">
-              <a:schemeClr val="phClr">
-                <a:shade val="63000"/>
-                <a:satMod val="120000"/>
-              </a:schemeClr>
-            </a:gs>
-          </a:gsLst>
-          <a:lin ang="5400000" scaled="0"/>
-        </a:gradFill>
-      </a:bgFillStyleLst>
-    </a:fmtScheme>
-  </a:themeElements>
-  <a:objectDefaults/>
-  <a:extraClrSchemeLst/>
-  <a:extLst>
-    <a:ext uri="{05A4C25C-085E-4340-85A3-A5531E510DB2}">
-      <thm15:themeFamily xmlns:thm15="http://schemas.microsoft.com/office/thememl/2012/main" name="Office Theme" id="{62F939B6-93AF-4DB8-9C6B-D6C7DFDC589F}" vid="{4A3C46E8-61CC-4603-A589-7422A47A8E4A}"/>
-    </a:ext>
-  </a:extLst>
-</a:theme>
-</file>
-
-<file path=ppt/theme/theme3.xml><?xml version="1.0" encoding="utf-8"?>
-<a:theme xmlns:a="http://schemas.openxmlformats.org/drawingml/2006/main" name="Office Theme">
-  <a:themeElements>
-    <a:clrScheme name="Office">
-      <a:dk1>
-        <a:sysClr val="windowText" lastClr="000000"/>
-      </a:dk1>
-      <a:lt1>
-        <a:sysClr val="window" lastClr="FFFFFF"/>
-      </a:lt1>
-      <a:dk2>
-        <a:srgbClr val="44546A"/>
-      </a:dk2>
-      <a:lt2>
-        <a:srgbClr val="E7E6E6"/>
-      </a:lt2>
-      <a:accent1>
-        <a:srgbClr val="4472C4"/>
-      </a:accent1>
-      <a:accent2>
-        <a:srgbClr val="ED7D31"/>
-      </a:accent2>
-      <a:accent3>
-        <a:srgbClr val="A5A5A5"/>
-      </a:accent3>
-      <a:accent4>
-        <a:srgbClr val="FFC000"/>
-      </a:accent4>
-      <a:accent5>
-        <a:srgbClr val="5B9BD5"/>
-      </a:accent5>
-      <a:accent6>
-        <a:srgbClr val="70AD47"/>
-      </a:accent6>
-      <a:hlink>
-        <a:srgbClr val="0563C1"/>
-      </a:hlink>
-      <a:folHlink>
-        <a:srgbClr val="954F72"/>
-      </a:folHlink>
-    </a:clrScheme>
-    <a:fontScheme name="Office">
-      <a:majorFont>
-        <a:latin typeface="Calibri Light" panose="020F0302020204030204"/>
-        <a:ea typeface=""/>
-        <a:cs typeface=""/>
         <a:font script="Jpan" typeface="Yu Gothic Light"/>
         <a:font script="Hang" typeface="맑은 고딕"/>
         <a:font script="Hans" typeface="DengXian Light"/>
@@ -16083,6 +12049,21 @@
 </file>
 
 <file path=customXml/item1.xml><?xml version="1.0" encoding="utf-8"?>
+<p:properties xmlns:p="http://schemas.microsoft.com/office/2006/metadata/properties" xmlns:xsi="http://www.w3.org/2001/XMLSchema-instance" xmlns:pc="http://schemas.microsoft.com/office/infopath/2007/PartnerControls">
+  <documentManagement/>
+</p:properties>
+</file>
+
+<file path=customXml/item2.xml><?xml version="1.0" encoding="utf-8"?>
+<?mso-contentType ?>
+<FormTemplates xmlns="http://schemas.microsoft.com/sharepoint/v3/contenttype/forms">
+  <Display>DocumentLibraryForm</Display>
+  <Edit>DocumentLibraryForm</Edit>
+  <New>DocumentLibraryForm</New>
+</FormTemplates>
+</file>
+
+<file path=customXml/item3.xml><?xml version="1.0" encoding="utf-8"?>
 <ct:contentTypeSchema xmlns:ct="http://schemas.microsoft.com/office/2006/metadata/contentType" xmlns:ma="http://schemas.microsoft.com/office/2006/metadata/properties/metaAttributes" ct:_="" ma:_="" ma:contentTypeName="Document" ma:contentTypeID="0x010100BE9DF362DDD05A45B86D781376AAC476" ma:contentTypeVersion="7" ma:contentTypeDescription="Create a new document." ma:contentTypeScope="" ma:versionID="3a57987203f074c548de98d113b4286b">
   <xsd:schema xmlns:xsd="http://www.w3.org/2001/XMLSchema" xmlns:xs="http://www.w3.org/2001/XMLSchema" xmlns:p="http://schemas.microsoft.com/office/2006/metadata/properties" xmlns:ns2="d199752a-3aa5-47db-8ae7-beef1561cea0" targetNamespace="http://schemas.microsoft.com/office/2006/metadata/properties" ma:root="true" ma:fieldsID="70b53b01044eee4a42e00434b4075c16" ns2:_="">
     <xsd:import namespace="d199752a-3aa5-47db-8ae7-beef1561cea0"/>
@@ -16246,22 +12227,24 @@
 </ct:contentTypeSchema>
 </file>
 
-<file path=customXml/item2.xml><?xml version="1.0" encoding="utf-8"?>
-<?mso-contentType ?>
-<FormTemplates xmlns="http://schemas.microsoft.com/sharepoint/v3/contenttype/forms">
-  <Display>DocumentLibraryForm</Display>
-  <Edit>DocumentLibraryForm</Edit>
-  <New>DocumentLibraryForm</New>
-</FormTemplates>
+<file path=customXml/itemProps1.xml><?xml version="1.0" encoding="utf-8"?>
+<ds:datastoreItem xmlns:ds="http://schemas.openxmlformats.org/officeDocument/2006/customXml" ds:itemID="{A5AA9653-386D-4377-A986-DC4A02C60CD5}">
+  <ds:schemaRefs>
+    <ds:schemaRef ds:uri="http://schemas.microsoft.com/office/2006/metadata/properties"/>
+    <ds:schemaRef ds:uri="http://schemas.microsoft.com/office/infopath/2007/PartnerControls"/>
+  </ds:schemaRefs>
+</ds:datastoreItem>
 </file>
 
-<file path=customXml/item3.xml><?xml version="1.0" encoding="utf-8"?>
-<p:properties xmlns:p="http://schemas.microsoft.com/office/2006/metadata/properties" xmlns:xsi="http://www.w3.org/2001/XMLSchema-instance" xmlns:pc="http://schemas.microsoft.com/office/infopath/2007/PartnerControls">
-  <documentManagement/>
-</p:properties>
+<file path=customXml/itemProps2.xml><?xml version="1.0" encoding="utf-8"?>
+<ds:datastoreItem xmlns:ds="http://schemas.openxmlformats.org/officeDocument/2006/customXml" ds:itemID="{C542A527-91EE-49D6-AF42-393E29B98637}">
+  <ds:schemaRefs>
+    <ds:schemaRef ds:uri="http://schemas.microsoft.com/sharepoint/v3/contenttype/forms"/>
+  </ds:schemaRefs>
+</ds:datastoreItem>
 </file>
 
-<file path=customXml/itemProps1.xml><?xml version="1.0" encoding="utf-8"?>
+<file path=customXml/itemProps3.xml><?xml version="1.0" encoding="utf-8"?>
 <ds:datastoreItem xmlns:ds="http://schemas.openxmlformats.org/officeDocument/2006/customXml" ds:itemID="{876C713D-8D2B-492D-A52A-375696712CF8}">
   <ds:schemaRefs>
     <ds:schemaRef ds:uri="http://schemas.microsoft.com/office/2006/metadata/contentType"/>
@@ -16277,21 +12260,4 @@
     <ds:schemaRef ds:uri="http://schemas.microsoft.com/internal/obd"/>
   </ds:schemaRefs>
 </ds:datastoreItem>
-</file>
-
-<file path=customXml/itemProps2.xml><?xml version="1.0" encoding="utf-8"?>
-<ds:datastoreItem xmlns:ds="http://schemas.openxmlformats.org/officeDocument/2006/customXml" ds:itemID="{C542A527-91EE-49D6-AF42-393E29B98637}">
-  <ds:schemaRefs>
-    <ds:schemaRef ds:uri="http://schemas.microsoft.com/sharepoint/v3/contenttype/forms"/>
-  </ds:schemaRefs>
-</ds:datastoreItem>
-</file>
-
-<file path=customXml/itemProps3.xml><?xml version="1.0" encoding="utf-8"?>
-<ds:datastoreItem xmlns:ds="http://schemas.openxmlformats.org/officeDocument/2006/customXml" ds:itemID="{A5AA9653-386D-4377-A986-DC4A02C60CD5}">
-  <ds:schemaRefs>
-    <ds:schemaRef ds:uri="http://schemas.microsoft.com/office/2006/metadata/properties"/>
-    <ds:schemaRef ds:uri="http://schemas.microsoft.com/office/infopath/2007/PartnerControls"/>
-  </ds:schemaRefs>
-</ds:datastoreItem>
 </file>